--- a/classes/winter_2023/lectures/lecture_02-elements-of-closed-loop-systems/elements_of_closed_loop_systems.pptx
+++ b/classes/winter_2023/lectures/lecture_02-elements-of-closed-loop-systems/elements_of_closed_loop_systems.pptx
@@ -9,8 +9,8 @@
   </p:notesMasterIdLst>
   <p:sldIdLst>
     <p:sldId id="256" r:id="rId2"/>
-    <p:sldId id="523" r:id="rId3"/>
-    <p:sldId id="530" r:id="rId4"/>
+    <p:sldId id="257" r:id="rId3"/>
+    <p:sldId id="523" r:id="rId4"/>
     <p:sldId id="524" r:id="rId5"/>
     <p:sldId id="525" r:id="rId6"/>
     <p:sldId id="526" r:id="rId7"/>
@@ -278,7 +278,7 @@
       </p15:sldGuideLst>
     </p:ext>
     <p:ext uri="http://customooxmlschemas.google.com/">
-      <go:slidesCustomData xmlns:go="http://customooxmlschemas.google.com/" xmlns:ahyp="http://schemas.microsoft.com/office/drawing/2018/hyperlinkcolor" xmlns:p15="http://schemas.microsoft.com/office/powerpoint/2012/main" xmlns:p14="http://schemas.microsoft.com/office/powerpoint/2010/main" xmlns:com="http://schemas.openxmlformats.org/drawingml/2006/compatibility" xmlns:pvml="urn:schemas-microsoft-com:office:powerpoint" xmlns:v="urn:schemas-microsoft-com:vml" xmlns:o="urn:schemas-microsoft-com:office:office" xmlns:dgm="http://schemas.openxmlformats.org/drawingml/2006/diagram" xmlns:c="http://schemas.openxmlformats.org/drawingml/2006/chart" xmlns:mv="urn:schemas-microsoft-com:mac:vml" xmlns:mc="http://schemas.openxmlformats.org/markup-compatibility/2006" xmlns="" r:id="rId43" roundtripDataSignature="AMtx7mgCuaoS/ao6GLJNkk1J/HieLCYVzQ=="/>
+      <go:slidesCustomData xmlns="" xmlns:mc="http://schemas.openxmlformats.org/markup-compatibility/2006" xmlns:mv="urn:schemas-microsoft-com:mac:vml" xmlns:c="http://schemas.openxmlformats.org/drawingml/2006/chart" xmlns:dgm="http://schemas.openxmlformats.org/drawingml/2006/diagram" xmlns:o="urn:schemas-microsoft-com:office:office" xmlns:v="urn:schemas-microsoft-com:vml" xmlns:pvml="urn:schemas-microsoft-com:office:powerpoint" xmlns:com="http://schemas.openxmlformats.org/drawingml/2006/compatibility" xmlns:p14="http://schemas.microsoft.com/office/powerpoint/2010/main" xmlns:p15="http://schemas.microsoft.com/office/powerpoint/2012/main" xmlns:ahyp="http://schemas.microsoft.com/office/drawing/2018/hyperlinkcolor" xmlns:go="http://customooxmlschemas.google.com/" r:id="rId43" roundtripDataSignature="AMtx7mgCuaoS/ao6GLJNkk1J/HieLCYVzQ=="/>
     </p:ext>
   </p:extLst>
 </p:presentation>
@@ -1646,11 +1646,11 @@
 </file>
 
 <file path=ppt/notesSlides/notesSlide2.xml><?xml version="1.0" encoding="utf-8"?>
-<p:notes xmlns:a="http://schemas.openxmlformats.org/drawingml/2006/main" xmlns:r="http://schemas.openxmlformats.org/officeDocument/2006/relationships" xmlns:p="http://schemas.openxmlformats.org/presentationml/2006/main">
+<p:notes xmlns:a="http://schemas.openxmlformats.org/drawingml/2006/main" xmlns:r="http://schemas.openxmlformats.org/officeDocument/2006/relationships" xmlns:p="http://schemas.openxmlformats.org/presentationml/2006/main" showMasterSp="0" showMasterPhAnim="0">
   <p:cSld>
     <p:spTree>
       <p:nvGrpSpPr>
-        <p:cNvPr id="1" name=""/>
+        <p:cNvPr id="1" name="Shape 98"/>
         <p:cNvGrpSpPr/>
         <p:nvPr/>
       </p:nvGrpSpPr>
@@ -1664,73 +1664,84 @@
       </p:grpSpPr>
       <p:sp>
         <p:nvSpPr>
-          <p:cNvPr id="2" name="Slide Image Placeholder 1"/>
-          <p:cNvSpPr>
-            <a:spLocks noGrp="1" noRot="1" noChangeAspect="1"/>
-          </p:cNvSpPr>
-          <p:nvPr>
-            <p:ph type="sldImg"/>
-          </p:nvPr>
-        </p:nvSpPr>
-        <p:spPr/>
-      </p:sp>
-      <p:sp>
-        <p:nvSpPr>
-          <p:cNvPr id="3" name="Notes Placeholder 2"/>
-          <p:cNvSpPr>
+          <p:cNvPr id="99" name="Google Shape;99;p2:notes"/>
+          <p:cNvSpPr txBox="1">
             <a:spLocks noGrp="1"/>
           </p:cNvSpPr>
           <p:nvPr>
             <p:ph type="body" idx="1"/>
           </p:nvPr>
         </p:nvSpPr>
-        <p:spPr/>
+        <p:spPr>
+          <a:xfrm>
+            <a:off x="685800" y="4343400"/>
+            <a:ext cx="5486400" cy="4114800"/>
+          </a:xfrm>
+          <a:prstGeom prst="rect">
+            <a:avLst/>
+          </a:prstGeom>
+        </p:spPr>
         <p:txBody>
-          <a:bodyPr/>
+          <a:bodyPr spcFirstLastPara="1" wrap="square" lIns="91425" tIns="45700" rIns="91425" bIns="45700" anchor="t" anchorCtr="0">
+            <a:noAutofit/>
+          </a:bodyPr>
           <a:lstStyle/>
           <a:p>
-            <a:r>
-              <a:rPr lang="en-US" dirty="0"/>
-              <a:t>Why doesn’t a filter help with measurement noise? Verify transfer functions.</a:t>
-            </a:r>
+            <a:pPr marL="0" lvl="0" indent="0" algn="l" rtl="0">
+              <a:spcBef>
+                <a:spcPts val="360"/>
+              </a:spcBef>
+              <a:spcAft>
+                <a:spcPts val="0"/>
+              </a:spcAft>
+              <a:buNone/>
+            </a:pPr>
+            <a:endParaRPr/>
           </a:p>
         </p:txBody>
       </p:sp>
       <p:sp>
         <p:nvSpPr>
-          <p:cNvPr id="4" name="Slide Number Placeholder 3"/>
+          <p:cNvPr id="100" name="Google Shape;100;p2:notes"/>
           <p:cNvSpPr>
-            <a:spLocks noGrp="1"/>
+            <a:spLocks noGrp="1" noRot="1" noChangeAspect="1"/>
           </p:cNvSpPr>
           <p:nvPr>
-            <p:ph type="sldNum" sz="quarter" idx="5"/>
+            <p:ph type="sldImg" idx="2"/>
           </p:nvPr>
         </p:nvSpPr>
-        <p:spPr/>
-        <p:txBody>
-          <a:bodyPr/>
-          <a:lstStyle/>
-          <a:p>
-            <a:pPr>
-              <a:defRPr/>
-            </a:pPr>
-            <a:fld id="{1E3608CA-DBCA-4E8F-8DAB-6E1AFAF19782}" type="slidenum">
-              <a:rPr lang="en-US" altLang="x-none" smtClean="0"/>
-              <a:pPr>
-                <a:defRPr/>
-              </a:pPr>
-              <a:t>2</a:t>
-            </a:fld>
-            <a:endParaRPr lang="en-US" altLang="x-none"/>
-          </a:p>
-        </p:txBody>
+        <p:spPr>
+          <a:xfrm>
+            <a:off x="1143000" y="685800"/>
+            <a:ext cx="4572000" cy="3429000"/>
+          </a:xfrm>
+          <a:custGeom>
+            <a:avLst/>
+            <a:gdLst/>
+            <a:ahLst/>
+            <a:cxnLst/>
+            <a:rect l="l" t="t" r="r" b="b"/>
+            <a:pathLst>
+              <a:path w="120000" h="120000" extrusionOk="0">
+                <a:moveTo>
+                  <a:pt x="0" y="0"/>
+                </a:moveTo>
+                <a:lnTo>
+                  <a:pt x="120000" y="0"/>
+                </a:lnTo>
+                <a:lnTo>
+                  <a:pt x="120000" y="120000"/>
+                </a:lnTo>
+                <a:lnTo>
+                  <a:pt x="0" y="120000"/>
+                </a:lnTo>
+                <a:close/>
+              </a:path>
+            </a:pathLst>
+          </a:custGeom>
+        </p:spPr>
       </p:sp>
     </p:spTree>
-    <p:extLst>
-      <p:ext uri="{BB962C8B-B14F-4D97-AF65-F5344CB8AC3E}">
-        <p14:creationId xmlns:p14="http://schemas.microsoft.com/office/powerpoint/2010/main" val="2764546569"/>
-      </p:ext>
-    </p:extLst>
   </p:cSld>
   <p:clrMapOvr>
     <a:masterClrMapping/>
@@ -1821,7 +1832,7 @@
     </p:spTree>
     <p:extLst>
       <p:ext uri="{BB962C8B-B14F-4D97-AF65-F5344CB8AC3E}">
-        <p14:creationId xmlns:p14="http://schemas.microsoft.com/office/powerpoint/2010/main" val="879760589"/>
+        <p14:creationId xmlns:p14="http://schemas.microsoft.com/office/powerpoint/2010/main" val="2764546569"/>
       </p:ext>
     </p:extLst>
   </p:cSld>
@@ -10122,6 +10133,991 @@
 </p:sldLayout>
 </file>
 
+<file path=ppt/slideLayouts/slideLayout9.xml><?xml version="1.0" encoding="utf-8"?>
+<p:sldLayout xmlns:a="http://schemas.openxmlformats.org/drawingml/2006/main" xmlns:r="http://schemas.openxmlformats.org/officeDocument/2006/relationships" xmlns:p="http://schemas.openxmlformats.org/presentationml/2006/main" matchingName="Title and Content">
+  <p:cSld name="Title and Content">
+    <p:spTree>
+      <p:nvGrpSpPr>
+        <p:cNvPr id="1" name="Shape 30"/>
+        <p:cNvGrpSpPr/>
+        <p:nvPr/>
+      </p:nvGrpSpPr>
+      <p:grpSpPr>
+        <a:xfrm>
+          <a:off x="0" y="0"/>
+          <a:ext cx="0" cy="0"/>
+          <a:chOff x="0" y="0"/>
+          <a:chExt cx="0" cy="0"/>
+        </a:xfrm>
+      </p:grpSpPr>
+      <p:sp>
+        <p:nvSpPr>
+          <p:cNvPr id="31" name="Google Shape;31;p36"/>
+          <p:cNvSpPr/>
+          <p:nvPr/>
+        </p:nvSpPr>
+        <p:spPr>
+          <a:xfrm>
+            <a:off x="447675" y="152400"/>
+            <a:ext cx="3314700" cy="215900"/>
+          </a:xfrm>
+          <a:prstGeom prst="rect">
+            <a:avLst/>
+          </a:prstGeom>
+          <a:solidFill>
+            <a:schemeClr val="lt1"/>
+          </a:solidFill>
+          <a:ln>
+            <a:noFill/>
+          </a:ln>
+        </p:spPr>
+        <p:txBody>
+          <a:bodyPr spcFirstLastPara="1" wrap="square" lIns="91425" tIns="45700" rIns="91425" bIns="45700" anchor="ctr" anchorCtr="0">
+            <a:noAutofit/>
+          </a:bodyPr>
+          <a:lstStyle/>
+          <a:p>
+            <a:pPr marL="0" marR="0" lvl="0" indent="0" algn="ctr" rtl="0">
+              <a:spcBef>
+                <a:spcPts val="0"/>
+              </a:spcBef>
+              <a:spcAft>
+                <a:spcPts val="0"/>
+              </a:spcAft>
+              <a:buNone/>
+            </a:pPr>
+            <a:endParaRPr sz="1800" b="0" i="0" u="none" strike="noStrike" cap="none">
+              <a:solidFill>
+                <a:srgbClr val="FFFFFF"/>
+              </a:solidFill>
+              <a:latin typeface="Arial"/>
+              <a:ea typeface="Arial"/>
+              <a:cs typeface="Arial"/>
+              <a:sym typeface="Arial"/>
+            </a:endParaRPr>
+          </a:p>
+        </p:txBody>
+      </p:sp>
+      <p:pic>
+        <p:nvPicPr>
+          <p:cNvPr id="32" name="Google Shape;32;p36" descr="UW.Wordmark_ctr.jpg"/>
+          <p:cNvPicPr preferRelativeResize="0"/>
+          <p:nvPr/>
+        </p:nvPicPr>
+        <p:blipFill rotWithShape="1">
+          <a:blip r:embed="rId2">
+            <a:alphaModFix/>
+          </a:blip>
+          <a:srcRect/>
+          <a:stretch/>
+        </p:blipFill>
+        <p:spPr>
+          <a:xfrm>
+            <a:off x="498475" y="152400"/>
+            <a:ext cx="3213100" cy="215900"/>
+          </a:xfrm>
+          <a:prstGeom prst="rect">
+            <a:avLst/>
+          </a:prstGeom>
+          <a:noFill/>
+          <a:ln>
+            <a:noFill/>
+          </a:ln>
+        </p:spPr>
+      </p:pic>
+      <p:grpSp>
+        <p:nvGrpSpPr>
+          <p:cNvPr id="33" name="Google Shape;33;p36"/>
+          <p:cNvGrpSpPr/>
+          <p:nvPr/>
+        </p:nvGrpSpPr>
+        <p:grpSpPr>
+          <a:xfrm>
+            <a:off x="8167688" y="6348413"/>
+            <a:ext cx="595312" cy="400050"/>
+            <a:chOff x="8045450" y="6222997"/>
+            <a:chExt cx="745067" cy="500464"/>
+          </a:xfrm>
+        </p:grpSpPr>
+        <p:sp>
+          <p:nvSpPr>
+            <p:cNvPr id="34" name="Google Shape;34;p36"/>
+            <p:cNvSpPr/>
+            <p:nvPr/>
+          </p:nvSpPr>
+          <p:spPr>
+            <a:xfrm rot="10800000" flipH="1">
+              <a:off x="8045450" y="6222997"/>
+              <a:ext cx="733146" cy="494505"/>
+            </a:xfrm>
+            <a:prstGeom prst="trapezoid">
+              <a:avLst>
+                <a:gd name="adj" fmla="val 25000"/>
+              </a:avLst>
+            </a:prstGeom>
+            <a:solidFill>
+              <a:schemeClr val="lt1"/>
+            </a:solidFill>
+            <a:ln>
+              <a:noFill/>
+            </a:ln>
+          </p:spPr>
+          <p:txBody>
+            <a:bodyPr spcFirstLastPara="1" wrap="square" lIns="91425" tIns="45700" rIns="91425" bIns="45700" anchor="ctr" anchorCtr="0">
+              <a:noAutofit/>
+            </a:bodyPr>
+            <a:lstStyle/>
+            <a:p>
+              <a:pPr marL="0" marR="0" lvl="0" indent="0" algn="ctr" rtl="0">
+                <a:spcBef>
+                  <a:spcPts val="0"/>
+                </a:spcBef>
+                <a:spcAft>
+                  <a:spcPts val="0"/>
+                </a:spcAft>
+                <a:buNone/>
+              </a:pPr>
+              <a:endParaRPr sz="1800" b="0" i="0" u="none" strike="noStrike" cap="none">
+                <a:solidFill>
+                  <a:srgbClr val="FFFFFF"/>
+                </a:solidFill>
+                <a:latin typeface="Arial"/>
+                <a:ea typeface="Arial"/>
+                <a:cs typeface="Arial"/>
+                <a:sym typeface="Arial"/>
+              </a:endParaRPr>
+            </a:p>
+          </p:txBody>
+        </p:sp>
+        <p:pic>
+          <p:nvPicPr>
+            <p:cNvPr id="35" name="Google Shape;35;p36" descr="UW_W-Logo_RGB.png"/>
+            <p:cNvPicPr preferRelativeResize="0"/>
+            <p:nvPr/>
+          </p:nvPicPr>
+          <p:blipFill rotWithShape="1">
+            <a:blip r:embed="rId3">
+              <a:alphaModFix/>
+            </a:blip>
+            <a:srcRect/>
+            <a:stretch/>
+          </p:blipFill>
+          <p:spPr>
+            <a:xfrm>
+              <a:off x="8047567" y="6223002"/>
+              <a:ext cx="742950" cy="500459"/>
+            </a:xfrm>
+            <a:prstGeom prst="rect">
+              <a:avLst/>
+            </a:prstGeom>
+            <a:noFill/>
+            <a:ln>
+              <a:noFill/>
+            </a:ln>
+          </p:spPr>
+        </p:pic>
+      </p:grpSp>
+      <p:sp>
+        <p:nvSpPr>
+          <p:cNvPr id="36" name="Google Shape;36;p36"/>
+          <p:cNvSpPr txBox="1">
+            <a:spLocks noGrp="1"/>
+          </p:cNvSpPr>
+          <p:nvPr>
+            <p:ph type="title"/>
+          </p:nvPr>
+        </p:nvSpPr>
+        <p:spPr>
+          <a:xfrm>
+            <a:off x="457200" y="381000"/>
+            <a:ext cx="8229600" cy="838200"/>
+          </a:xfrm>
+          <a:prstGeom prst="rect">
+            <a:avLst/>
+          </a:prstGeom>
+          <a:noFill/>
+          <a:ln>
+            <a:noFill/>
+          </a:ln>
+        </p:spPr>
+        <p:txBody>
+          <a:bodyPr spcFirstLastPara="1" wrap="square" lIns="91425" tIns="45700" rIns="91425" bIns="45700" anchor="t" anchorCtr="0">
+            <a:noAutofit/>
+          </a:bodyPr>
+          <a:lstStyle>
+            <a:lvl1pPr marR="0" lvl="0" algn="ctr" rtl="0">
+              <a:spcBef>
+                <a:spcPts val="0"/>
+              </a:spcBef>
+              <a:spcAft>
+                <a:spcPts val="0"/>
+              </a:spcAft>
+              <a:buSzPts val="1400"/>
+              <a:buNone/>
+              <a:defRPr sz="3600" b="1" i="0" u="none" strike="noStrike" cap="none">
+                <a:solidFill>
+                  <a:schemeClr val="dk1"/>
+                </a:solidFill>
+                <a:latin typeface="Calibri"/>
+                <a:ea typeface="Calibri"/>
+                <a:cs typeface="Calibri"/>
+                <a:sym typeface="Calibri"/>
+              </a:defRPr>
+            </a:lvl1pPr>
+            <a:lvl2pPr marR="0" lvl="1" algn="ctr" rtl="0">
+              <a:spcBef>
+                <a:spcPts val="0"/>
+              </a:spcBef>
+              <a:spcAft>
+                <a:spcPts val="0"/>
+              </a:spcAft>
+              <a:buSzPts val="1400"/>
+              <a:buNone/>
+              <a:defRPr sz="3600" b="0" i="0" u="none" strike="noStrike" cap="none">
+                <a:solidFill>
+                  <a:schemeClr val="dk1"/>
+                </a:solidFill>
+                <a:latin typeface="Calibri"/>
+                <a:ea typeface="Calibri"/>
+                <a:cs typeface="Calibri"/>
+                <a:sym typeface="Calibri"/>
+              </a:defRPr>
+            </a:lvl2pPr>
+            <a:lvl3pPr marR="0" lvl="2" algn="ctr" rtl="0">
+              <a:spcBef>
+                <a:spcPts val="0"/>
+              </a:spcBef>
+              <a:spcAft>
+                <a:spcPts val="0"/>
+              </a:spcAft>
+              <a:buSzPts val="1400"/>
+              <a:buNone/>
+              <a:defRPr sz="3600" b="0" i="0" u="none" strike="noStrike" cap="none">
+                <a:solidFill>
+                  <a:schemeClr val="dk1"/>
+                </a:solidFill>
+                <a:latin typeface="Calibri"/>
+                <a:ea typeface="Calibri"/>
+                <a:cs typeface="Calibri"/>
+                <a:sym typeface="Calibri"/>
+              </a:defRPr>
+            </a:lvl3pPr>
+            <a:lvl4pPr marR="0" lvl="3" algn="ctr" rtl="0">
+              <a:spcBef>
+                <a:spcPts val="0"/>
+              </a:spcBef>
+              <a:spcAft>
+                <a:spcPts val="0"/>
+              </a:spcAft>
+              <a:buSzPts val="1400"/>
+              <a:buNone/>
+              <a:defRPr sz="3600" b="0" i="0" u="none" strike="noStrike" cap="none">
+                <a:solidFill>
+                  <a:schemeClr val="dk1"/>
+                </a:solidFill>
+                <a:latin typeface="Calibri"/>
+                <a:ea typeface="Calibri"/>
+                <a:cs typeface="Calibri"/>
+                <a:sym typeface="Calibri"/>
+              </a:defRPr>
+            </a:lvl4pPr>
+            <a:lvl5pPr marR="0" lvl="4" algn="ctr" rtl="0">
+              <a:spcBef>
+                <a:spcPts val="0"/>
+              </a:spcBef>
+              <a:spcAft>
+                <a:spcPts val="0"/>
+              </a:spcAft>
+              <a:buSzPts val="1400"/>
+              <a:buNone/>
+              <a:defRPr sz="3600" b="0" i="0" u="none" strike="noStrike" cap="none">
+                <a:solidFill>
+                  <a:schemeClr val="dk1"/>
+                </a:solidFill>
+                <a:latin typeface="Calibri"/>
+                <a:ea typeface="Calibri"/>
+                <a:cs typeface="Calibri"/>
+                <a:sym typeface="Calibri"/>
+              </a:defRPr>
+            </a:lvl5pPr>
+            <a:lvl6pPr marR="0" lvl="5" algn="ctr" rtl="0">
+              <a:spcBef>
+                <a:spcPts val="0"/>
+              </a:spcBef>
+              <a:spcAft>
+                <a:spcPts val="0"/>
+              </a:spcAft>
+              <a:buSzPts val="1400"/>
+              <a:buNone/>
+              <a:defRPr sz="4400" b="0" i="0" u="none" strike="noStrike" cap="none">
+                <a:solidFill>
+                  <a:schemeClr val="dk1"/>
+                </a:solidFill>
+                <a:latin typeface="Calibri"/>
+                <a:ea typeface="Calibri"/>
+                <a:cs typeface="Calibri"/>
+                <a:sym typeface="Calibri"/>
+              </a:defRPr>
+            </a:lvl6pPr>
+            <a:lvl7pPr marR="0" lvl="6" algn="ctr" rtl="0">
+              <a:spcBef>
+                <a:spcPts val="0"/>
+              </a:spcBef>
+              <a:spcAft>
+                <a:spcPts val="0"/>
+              </a:spcAft>
+              <a:buSzPts val="1400"/>
+              <a:buNone/>
+              <a:defRPr sz="4400" b="0" i="0" u="none" strike="noStrike" cap="none">
+                <a:solidFill>
+                  <a:schemeClr val="dk1"/>
+                </a:solidFill>
+                <a:latin typeface="Calibri"/>
+                <a:ea typeface="Calibri"/>
+                <a:cs typeface="Calibri"/>
+                <a:sym typeface="Calibri"/>
+              </a:defRPr>
+            </a:lvl7pPr>
+            <a:lvl8pPr marR="0" lvl="7" algn="ctr" rtl="0">
+              <a:spcBef>
+                <a:spcPts val="0"/>
+              </a:spcBef>
+              <a:spcAft>
+                <a:spcPts val="0"/>
+              </a:spcAft>
+              <a:buSzPts val="1400"/>
+              <a:buNone/>
+              <a:defRPr sz="4400" b="0" i="0" u="none" strike="noStrike" cap="none">
+                <a:solidFill>
+                  <a:schemeClr val="dk1"/>
+                </a:solidFill>
+                <a:latin typeface="Calibri"/>
+                <a:ea typeface="Calibri"/>
+                <a:cs typeface="Calibri"/>
+                <a:sym typeface="Calibri"/>
+              </a:defRPr>
+            </a:lvl8pPr>
+            <a:lvl9pPr marR="0" lvl="8" algn="ctr" rtl="0">
+              <a:spcBef>
+                <a:spcPts val="0"/>
+              </a:spcBef>
+              <a:spcAft>
+                <a:spcPts val="0"/>
+              </a:spcAft>
+              <a:buSzPts val="1400"/>
+              <a:buNone/>
+              <a:defRPr sz="4400" b="0" i="0" u="none" strike="noStrike" cap="none">
+                <a:solidFill>
+                  <a:schemeClr val="dk1"/>
+                </a:solidFill>
+                <a:latin typeface="Calibri"/>
+                <a:ea typeface="Calibri"/>
+                <a:cs typeface="Calibri"/>
+                <a:sym typeface="Calibri"/>
+              </a:defRPr>
+            </a:lvl9pPr>
+          </a:lstStyle>
+          <a:p>
+            <a:endParaRPr/>
+          </a:p>
+        </p:txBody>
+      </p:sp>
+      <p:sp>
+        <p:nvSpPr>
+          <p:cNvPr id="37" name="Google Shape;37;p36"/>
+          <p:cNvSpPr txBox="1">
+            <a:spLocks noGrp="1"/>
+          </p:cNvSpPr>
+          <p:nvPr>
+            <p:ph type="body" idx="1"/>
+          </p:nvPr>
+        </p:nvSpPr>
+        <p:spPr>
+          <a:xfrm>
+            <a:off x="457200" y="1371599"/>
+            <a:ext cx="8229600" cy="4572001"/>
+          </a:xfrm>
+          <a:prstGeom prst="rect">
+            <a:avLst/>
+          </a:prstGeom>
+          <a:noFill/>
+          <a:ln>
+            <a:noFill/>
+          </a:ln>
+        </p:spPr>
+        <p:txBody>
+          <a:bodyPr spcFirstLastPara="1" wrap="square" lIns="91425" tIns="45700" rIns="91425" bIns="45700" anchor="t" anchorCtr="0">
+            <a:noAutofit/>
+          </a:bodyPr>
+          <a:lstStyle>
+            <a:lvl1pPr marL="457200" marR="0" lvl="0" indent="-431800" algn="l" rtl="0">
+              <a:spcBef>
+                <a:spcPts val="640"/>
+              </a:spcBef>
+              <a:spcAft>
+                <a:spcPts val="0"/>
+              </a:spcAft>
+              <a:buClr>
+                <a:schemeClr val="dk1"/>
+              </a:buClr>
+              <a:buSzPts val="3200"/>
+              <a:buFont typeface="Arial"/>
+              <a:buChar char="•"/>
+              <a:defRPr sz="3200" b="0" i="0" u="none" strike="noStrike" cap="none">
+                <a:solidFill>
+                  <a:schemeClr val="dk1"/>
+                </a:solidFill>
+                <a:latin typeface="Calibri"/>
+                <a:ea typeface="Calibri"/>
+                <a:cs typeface="Calibri"/>
+                <a:sym typeface="Calibri"/>
+              </a:defRPr>
+            </a:lvl1pPr>
+            <a:lvl2pPr marL="914400" marR="0" lvl="1" indent="-406400" algn="l" rtl="0">
+              <a:spcBef>
+                <a:spcPts val="560"/>
+              </a:spcBef>
+              <a:spcAft>
+                <a:spcPts val="0"/>
+              </a:spcAft>
+              <a:buClr>
+                <a:schemeClr val="dk1"/>
+              </a:buClr>
+              <a:buSzPts val="2800"/>
+              <a:buFont typeface="Arial"/>
+              <a:buChar char="–"/>
+              <a:defRPr sz="2800" b="0" i="0" u="none" strike="noStrike" cap="none">
+                <a:solidFill>
+                  <a:schemeClr val="dk1"/>
+                </a:solidFill>
+                <a:latin typeface="Calibri"/>
+                <a:ea typeface="Calibri"/>
+                <a:cs typeface="Calibri"/>
+                <a:sym typeface="Calibri"/>
+              </a:defRPr>
+            </a:lvl2pPr>
+            <a:lvl3pPr marL="1371600" marR="0" lvl="2" indent="-381000" algn="l" rtl="0">
+              <a:spcBef>
+                <a:spcPts val="480"/>
+              </a:spcBef>
+              <a:spcAft>
+                <a:spcPts val="0"/>
+              </a:spcAft>
+              <a:buClr>
+                <a:schemeClr val="dk1"/>
+              </a:buClr>
+              <a:buSzPts val="2400"/>
+              <a:buFont typeface="Arial"/>
+              <a:buChar char="•"/>
+              <a:defRPr sz="2400" b="0" i="0" u="none" strike="noStrike" cap="none">
+                <a:solidFill>
+                  <a:schemeClr val="dk1"/>
+                </a:solidFill>
+                <a:latin typeface="Calibri"/>
+                <a:ea typeface="Calibri"/>
+                <a:cs typeface="Calibri"/>
+                <a:sym typeface="Calibri"/>
+              </a:defRPr>
+            </a:lvl3pPr>
+            <a:lvl4pPr marL="1828800" marR="0" lvl="3" indent="-355600" algn="l" rtl="0">
+              <a:spcBef>
+                <a:spcPts val="400"/>
+              </a:spcBef>
+              <a:spcAft>
+                <a:spcPts val="0"/>
+              </a:spcAft>
+              <a:buClr>
+                <a:schemeClr val="dk1"/>
+              </a:buClr>
+              <a:buSzPts val="2000"/>
+              <a:buFont typeface="Arial"/>
+              <a:buChar char="–"/>
+              <a:defRPr sz="2000" b="0" i="0" u="none" strike="noStrike" cap="none">
+                <a:solidFill>
+                  <a:schemeClr val="dk1"/>
+                </a:solidFill>
+                <a:latin typeface="Calibri"/>
+                <a:ea typeface="Calibri"/>
+                <a:cs typeface="Calibri"/>
+                <a:sym typeface="Calibri"/>
+              </a:defRPr>
+            </a:lvl4pPr>
+            <a:lvl5pPr marL="2286000" marR="0" lvl="4" indent="-355600" algn="l" rtl="0">
+              <a:spcBef>
+                <a:spcPts val="400"/>
+              </a:spcBef>
+              <a:spcAft>
+                <a:spcPts val="0"/>
+              </a:spcAft>
+              <a:buClr>
+                <a:schemeClr val="dk1"/>
+              </a:buClr>
+              <a:buSzPts val="2000"/>
+              <a:buFont typeface="Arial"/>
+              <a:buChar char="»"/>
+              <a:defRPr sz="2000" b="0" i="0" u="none" strike="noStrike" cap="none">
+                <a:solidFill>
+                  <a:schemeClr val="dk1"/>
+                </a:solidFill>
+                <a:latin typeface="Calibri"/>
+                <a:ea typeface="Calibri"/>
+                <a:cs typeface="Calibri"/>
+                <a:sym typeface="Calibri"/>
+              </a:defRPr>
+            </a:lvl5pPr>
+            <a:lvl6pPr marL="2743200" marR="0" lvl="5" indent="-355600" algn="l" rtl="0">
+              <a:spcBef>
+                <a:spcPts val="400"/>
+              </a:spcBef>
+              <a:spcAft>
+                <a:spcPts val="0"/>
+              </a:spcAft>
+              <a:buClr>
+                <a:schemeClr val="dk1"/>
+              </a:buClr>
+              <a:buSzPts val="2000"/>
+              <a:buFont typeface="Arial"/>
+              <a:buChar char="•"/>
+              <a:defRPr sz="2000" b="0" i="0" u="none" strike="noStrike" cap="none">
+                <a:solidFill>
+                  <a:schemeClr val="dk1"/>
+                </a:solidFill>
+                <a:latin typeface="Calibri"/>
+                <a:ea typeface="Calibri"/>
+                <a:cs typeface="Calibri"/>
+                <a:sym typeface="Calibri"/>
+              </a:defRPr>
+            </a:lvl6pPr>
+            <a:lvl7pPr marL="3200400" marR="0" lvl="6" indent="-355600" algn="l" rtl="0">
+              <a:spcBef>
+                <a:spcPts val="400"/>
+              </a:spcBef>
+              <a:spcAft>
+                <a:spcPts val="0"/>
+              </a:spcAft>
+              <a:buClr>
+                <a:schemeClr val="dk1"/>
+              </a:buClr>
+              <a:buSzPts val="2000"/>
+              <a:buFont typeface="Arial"/>
+              <a:buChar char="•"/>
+              <a:defRPr sz="2000" b="0" i="0" u="none" strike="noStrike" cap="none">
+                <a:solidFill>
+                  <a:schemeClr val="dk1"/>
+                </a:solidFill>
+                <a:latin typeface="Calibri"/>
+                <a:ea typeface="Calibri"/>
+                <a:cs typeface="Calibri"/>
+                <a:sym typeface="Calibri"/>
+              </a:defRPr>
+            </a:lvl7pPr>
+            <a:lvl8pPr marL="3657600" marR="0" lvl="7" indent="-355600" algn="l" rtl="0">
+              <a:spcBef>
+                <a:spcPts val="400"/>
+              </a:spcBef>
+              <a:spcAft>
+                <a:spcPts val="0"/>
+              </a:spcAft>
+              <a:buClr>
+                <a:schemeClr val="dk1"/>
+              </a:buClr>
+              <a:buSzPts val="2000"/>
+              <a:buFont typeface="Arial"/>
+              <a:buChar char="•"/>
+              <a:defRPr sz="2000" b="0" i="0" u="none" strike="noStrike" cap="none">
+                <a:solidFill>
+                  <a:schemeClr val="dk1"/>
+                </a:solidFill>
+                <a:latin typeface="Calibri"/>
+                <a:ea typeface="Calibri"/>
+                <a:cs typeface="Calibri"/>
+                <a:sym typeface="Calibri"/>
+              </a:defRPr>
+            </a:lvl8pPr>
+            <a:lvl9pPr marL="4114800" marR="0" lvl="8" indent="-355600" algn="l" rtl="0">
+              <a:spcBef>
+                <a:spcPts val="400"/>
+              </a:spcBef>
+              <a:spcAft>
+                <a:spcPts val="0"/>
+              </a:spcAft>
+              <a:buClr>
+                <a:schemeClr val="dk1"/>
+              </a:buClr>
+              <a:buSzPts val="2000"/>
+              <a:buFont typeface="Arial"/>
+              <a:buChar char="•"/>
+              <a:defRPr sz="2000" b="0" i="0" u="none" strike="noStrike" cap="none">
+                <a:solidFill>
+                  <a:schemeClr val="dk1"/>
+                </a:solidFill>
+                <a:latin typeface="Calibri"/>
+                <a:ea typeface="Calibri"/>
+                <a:cs typeface="Calibri"/>
+                <a:sym typeface="Calibri"/>
+              </a:defRPr>
+            </a:lvl9pPr>
+          </a:lstStyle>
+          <a:p>
+            <a:endParaRPr/>
+          </a:p>
+        </p:txBody>
+      </p:sp>
+      <p:sp>
+        <p:nvSpPr>
+          <p:cNvPr id="38" name="Google Shape;38;p36"/>
+          <p:cNvSpPr txBox="1">
+            <a:spLocks noGrp="1"/>
+          </p:cNvSpPr>
+          <p:nvPr>
+            <p:ph type="ftr" idx="11"/>
+          </p:nvPr>
+        </p:nvSpPr>
+        <p:spPr>
+          <a:xfrm>
+            <a:off x="3114675" y="6264275"/>
+            <a:ext cx="2895600" cy="365125"/>
+          </a:xfrm>
+          <a:prstGeom prst="rect">
+            <a:avLst/>
+          </a:prstGeom>
+          <a:noFill/>
+          <a:ln>
+            <a:noFill/>
+          </a:ln>
+        </p:spPr>
+        <p:txBody>
+          <a:bodyPr spcFirstLastPara="1" wrap="square" lIns="91425" tIns="45700" rIns="91425" bIns="45700" anchor="ctr" anchorCtr="0">
+            <a:noAutofit/>
+          </a:bodyPr>
+          <a:lstStyle>
+            <a:lvl1pPr lvl="0" algn="ctr">
+              <a:spcBef>
+                <a:spcPts val="0"/>
+              </a:spcBef>
+              <a:spcAft>
+                <a:spcPts val="0"/>
+              </a:spcAft>
+              <a:buSzPts val="1400"/>
+              <a:buNone/>
+              <a:defRPr/>
+            </a:lvl1pPr>
+            <a:lvl2pPr lvl="1" algn="l">
+              <a:spcBef>
+                <a:spcPts val="0"/>
+              </a:spcBef>
+              <a:spcAft>
+                <a:spcPts val="0"/>
+              </a:spcAft>
+              <a:buSzPts val="1400"/>
+              <a:buNone/>
+              <a:defRPr/>
+            </a:lvl2pPr>
+            <a:lvl3pPr lvl="2" algn="l">
+              <a:spcBef>
+                <a:spcPts val="0"/>
+              </a:spcBef>
+              <a:spcAft>
+                <a:spcPts val="0"/>
+              </a:spcAft>
+              <a:buSzPts val="1400"/>
+              <a:buNone/>
+              <a:defRPr/>
+            </a:lvl3pPr>
+            <a:lvl4pPr lvl="3" algn="l">
+              <a:spcBef>
+                <a:spcPts val="0"/>
+              </a:spcBef>
+              <a:spcAft>
+                <a:spcPts val="0"/>
+              </a:spcAft>
+              <a:buSzPts val="1400"/>
+              <a:buNone/>
+              <a:defRPr/>
+            </a:lvl4pPr>
+            <a:lvl5pPr lvl="4" algn="l">
+              <a:spcBef>
+                <a:spcPts val="0"/>
+              </a:spcBef>
+              <a:spcAft>
+                <a:spcPts val="0"/>
+              </a:spcAft>
+              <a:buSzPts val="1400"/>
+              <a:buNone/>
+              <a:defRPr/>
+            </a:lvl5pPr>
+            <a:lvl6pPr lvl="5" algn="l">
+              <a:spcBef>
+                <a:spcPts val="0"/>
+              </a:spcBef>
+              <a:spcAft>
+                <a:spcPts val="0"/>
+              </a:spcAft>
+              <a:buSzPts val="1400"/>
+              <a:buNone/>
+              <a:defRPr/>
+            </a:lvl6pPr>
+            <a:lvl7pPr lvl="6" algn="l">
+              <a:spcBef>
+                <a:spcPts val="0"/>
+              </a:spcBef>
+              <a:spcAft>
+                <a:spcPts val="0"/>
+              </a:spcAft>
+              <a:buSzPts val="1400"/>
+              <a:buNone/>
+              <a:defRPr/>
+            </a:lvl7pPr>
+            <a:lvl8pPr lvl="7" algn="l">
+              <a:spcBef>
+                <a:spcPts val="0"/>
+              </a:spcBef>
+              <a:spcAft>
+                <a:spcPts val="0"/>
+              </a:spcAft>
+              <a:buSzPts val="1400"/>
+              <a:buNone/>
+              <a:defRPr/>
+            </a:lvl8pPr>
+            <a:lvl9pPr lvl="8" algn="l">
+              <a:spcBef>
+                <a:spcPts val="0"/>
+              </a:spcBef>
+              <a:spcAft>
+                <a:spcPts val="0"/>
+              </a:spcAft>
+              <a:buSzPts val="1400"/>
+              <a:buNone/>
+              <a:defRPr/>
+            </a:lvl9pPr>
+          </a:lstStyle>
+          <a:p>
+            <a:endParaRPr/>
+          </a:p>
+        </p:txBody>
+      </p:sp>
+      <p:sp>
+        <p:nvSpPr>
+          <p:cNvPr id="39" name="Google Shape;39;p36"/>
+          <p:cNvSpPr txBox="1">
+            <a:spLocks noGrp="1"/>
+          </p:cNvSpPr>
+          <p:nvPr>
+            <p:ph type="sldNum" idx="12"/>
+          </p:nvPr>
+        </p:nvSpPr>
+        <p:spPr>
+          <a:xfrm>
+            <a:off x="7543801" y="6248400"/>
+            <a:ext cx="533400" cy="365125"/>
+          </a:xfrm>
+          <a:prstGeom prst="rect">
+            <a:avLst/>
+          </a:prstGeom>
+          <a:noFill/>
+          <a:ln>
+            <a:noFill/>
+          </a:ln>
+        </p:spPr>
+        <p:txBody>
+          <a:bodyPr spcFirstLastPara="1" wrap="square" lIns="91425" tIns="45700" rIns="91425" bIns="45700" anchor="t" anchorCtr="0">
+            <a:noAutofit/>
+          </a:bodyPr>
+          <a:lstStyle>
+            <a:lvl1pPr marL="0" marR="0" lvl="0" indent="0" algn="l">
+              <a:spcBef>
+                <a:spcPts val="0"/>
+              </a:spcBef>
+              <a:spcAft>
+                <a:spcPts val="0"/>
+              </a:spcAft>
+              <a:buNone/>
+              <a:defRPr sz="1800" b="0" i="0" u="none" strike="noStrike" cap="none">
+                <a:solidFill>
+                  <a:schemeClr val="dk1"/>
+                </a:solidFill>
+                <a:latin typeface="Arial"/>
+                <a:ea typeface="Arial"/>
+                <a:cs typeface="Arial"/>
+                <a:sym typeface="Arial"/>
+              </a:defRPr>
+            </a:lvl1pPr>
+            <a:lvl2pPr marL="0" marR="0" lvl="1" indent="0" algn="l">
+              <a:spcBef>
+                <a:spcPts val="0"/>
+              </a:spcBef>
+              <a:spcAft>
+                <a:spcPts val="0"/>
+              </a:spcAft>
+              <a:buNone/>
+              <a:defRPr sz="1800" b="0" i="0" u="none" strike="noStrike" cap="none">
+                <a:solidFill>
+                  <a:schemeClr val="dk1"/>
+                </a:solidFill>
+                <a:latin typeface="Arial"/>
+                <a:ea typeface="Arial"/>
+                <a:cs typeface="Arial"/>
+                <a:sym typeface="Arial"/>
+              </a:defRPr>
+            </a:lvl2pPr>
+            <a:lvl3pPr marL="0" marR="0" lvl="2" indent="0" algn="l">
+              <a:spcBef>
+                <a:spcPts val="0"/>
+              </a:spcBef>
+              <a:spcAft>
+                <a:spcPts val="0"/>
+              </a:spcAft>
+              <a:buNone/>
+              <a:defRPr sz="1800" b="0" i="0" u="none" strike="noStrike" cap="none">
+                <a:solidFill>
+                  <a:schemeClr val="dk1"/>
+                </a:solidFill>
+                <a:latin typeface="Arial"/>
+                <a:ea typeface="Arial"/>
+                <a:cs typeface="Arial"/>
+                <a:sym typeface="Arial"/>
+              </a:defRPr>
+            </a:lvl3pPr>
+            <a:lvl4pPr marL="0" marR="0" lvl="3" indent="0" algn="l">
+              <a:spcBef>
+                <a:spcPts val="0"/>
+              </a:spcBef>
+              <a:spcAft>
+                <a:spcPts val="0"/>
+              </a:spcAft>
+              <a:buNone/>
+              <a:defRPr sz="1800" b="0" i="0" u="none" strike="noStrike" cap="none">
+                <a:solidFill>
+                  <a:schemeClr val="dk1"/>
+                </a:solidFill>
+                <a:latin typeface="Arial"/>
+                <a:ea typeface="Arial"/>
+                <a:cs typeface="Arial"/>
+                <a:sym typeface="Arial"/>
+              </a:defRPr>
+            </a:lvl4pPr>
+            <a:lvl5pPr marL="0" marR="0" lvl="4" indent="0" algn="l">
+              <a:spcBef>
+                <a:spcPts val="0"/>
+              </a:spcBef>
+              <a:spcAft>
+                <a:spcPts val="0"/>
+              </a:spcAft>
+              <a:buNone/>
+              <a:defRPr sz="1800" b="0" i="0" u="none" strike="noStrike" cap="none">
+                <a:solidFill>
+                  <a:schemeClr val="dk1"/>
+                </a:solidFill>
+                <a:latin typeface="Arial"/>
+                <a:ea typeface="Arial"/>
+                <a:cs typeface="Arial"/>
+                <a:sym typeface="Arial"/>
+              </a:defRPr>
+            </a:lvl5pPr>
+            <a:lvl6pPr marL="0" marR="0" lvl="5" indent="0" algn="l">
+              <a:spcBef>
+                <a:spcPts val="0"/>
+              </a:spcBef>
+              <a:spcAft>
+                <a:spcPts val="0"/>
+              </a:spcAft>
+              <a:buNone/>
+              <a:defRPr sz="1800" b="0" i="0" u="none" strike="noStrike" cap="none">
+                <a:solidFill>
+                  <a:schemeClr val="dk1"/>
+                </a:solidFill>
+                <a:latin typeface="Arial"/>
+                <a:ea typeface="Arial"/>
+                <a:cs typeface="Arial"/>
+                <a:sym typeface="Arial"/>
+              </a:defRPr>
+            </a:lvl6pPr>
+            <a:lvl7pPr marL="0" marR="0" lvl="6" indent="0" algn="l">
+              <a:spcBef>
+                <a:spcPts val="0"/>
+              </a:spcBef>
+              <a:spcAft>
+                <a:spcPts val="0"/>
+              </a:spcAft>
+              <a:buNone/>
+              <a:defRPr sz="1800" b="0" i="0" u="none" strike="noStrike" cap="none">
+                <a:solidFill>
+                  <a:schemeClr val="dk1"/>
+                </a:solidFill>
+                <a:latin typeface="Arial"/>
+                <a:ea typeface="Arial"/>
+                <a:cs typeface="Arial"/>
+                <a:sym typeface="Arial"/>
+              </a:defRPr>
+            </a:lvl7pPr>
+            <a:lvl8pPr marL="0" marR="0" lvl="7" indent="0" algn="l">
+              <a:spcBef>
+                <a:spcPts val="0"/>
+              </a:spcBef>
+              <a:spcAft>
+                <a:spcPts val="0"/>
+              </a:spcAft>
+              <a:buNone/>
+              <a:defRPr sz="1800" b="0" i="0" u="none" strike="noStrike" cap="none">
+                <a:solidFill>
+                  <a:schemeClr val="dk1"/>
+                </a:solidFill>
+                <a:latin typeface="Arial"/>
+                <a:ea typeface="Arial"/>
+                <a:cs typeface="Arial"/>
+                <a:sym typeface="Arial"/>
+              </a:defRPr>
+            </a:lvl8pPr>
+            <a:lvl9pPr marL="0" marR="0" lvl="8" indent="0" algn="l">
+              <a:spcBef>
+                <a:spcPts val="0"/>
+              </a:spcBef>
+              <a:spcAft>
+                <a:spcPts val="0"/>
+              </a:spcAft>
+              <a:buNone/>
+              <a:defRPr sz="1800" b="0" i="0" u="none" strike="noStrike" cap="none">
+                <a:solidFill>
+                  <a:schemeClr val="dk1"/>
+                </a:solidFill>
+                <a:latin typeface="Arial"/>
+                <a:ea typeface="Arial"/>
+                <a:cs typeface="Arial"/>
+                <a:sym typeface="Arial"/>
+              </a:defRPr>
+            </a:lvl9pPr>
+          </a:lstStyle>
+          <a:p>
+            <a:pPr marL="0" lvl="0" indent="0" algn="l" rtl="0">
+              <a:spcBef>
+                <a:spcPts val="0"/>
+              </a:spcBef>
+              <a:spcAft>
+                <a:spcPts val="0"/>
+              </a:spcAft>
+              <a:buNone/>
+            </a:pPr>
+            <a:fld id="{00000000-1234-1234-1234-123412341234}" type="slidenum">
+              <a:rPr lang="en-US"/>
+              <a:t>‹#›</a:t>
+            </a:fld>
+            <a:endParaRPr/>
+          </a:p>
+        </p:txBody>
+      </p:sp>
+    </p:spTree>
+    <p:extLst>
+      <p:ext uri="{BB962C8B-B14F-4D97-AF65-F5344CB8AC3E}">
+        <p14:creationId xmlns:p14="http://schemas.microsoft.com/office/powerpoint/2010/main" val="2982590784"/>
+      </p:ext>
+    </p:extLst>
+  </p:cSld>
+  <p:clrMapOvr>
+    <a:masterClrMapping/>
+  </p:clrMapOvr>
+</p:sldLayout>
+</file>
+
 <file path=ppt/slideMasters/slideMaster1.xml><?xml version="1.0" encoding="utf-8"?>
 <p:sldMaster xmlns:a="http://schemas.openxmlformats.org/drawingml/2006/main" xmlns:r="http://schemas.openxmlformats.org/officeDocument/2006/relationships" xmlns:p="http://schemas.openxmlformats.org/presentationml/2006/main">
   <p:cSld>
@@ -10423,7 +11419,7 @@
             <p:nvPr/>
           </p:nvPicPr>
           <p:blipFill rotWithShape="1">
-            <a:blip r:embed="rId10">
+            <a:blip r:embed="rId11">
               <a:alphaModFix/>
             </a:blip>
             <a:srcRect/>
@@ -10503,7 +11499,7 @@
           <p:nvPr/>
         </p:nvPicPr>
         <p:blipFill rotWithShape="1">
-          <a:blip r:embed="rId11">
+          <a:blip r:embed="rId12">
             <a:alphaModFix/>
           </a:blip>
           <a:srcRect/>
@@ -10530,7 +11526,7 @@
           <p:nvPr/>
         </p:nvPicPr>
         <p:blipFill rotWithShape="1">
-          <a:blip r:embed="rId12">
+          <a:blip r:embed="rId13">
             <a:alphaModFix/>
           </a:blip>
           <a:srcRect/>
@@ -10771,6 +11767,7 @@
     <p:sldLayoutId id="2147483657" r:id="rId6"/>
     <p:sldLayoutId id="2147483658" r:id="rId7"/>
     <p:sldLayoutId id="2147483659" r:id="rId8"/>
+    <p:sldLayoutId id="2147483660" r:id="rId9"/>
   </p:sldLayoutIdLst>
   <p:hf hdr="0" ftr="0" dt="0"/>
   <p:txStyles>
@@ -11699,6 +12696,212 @@
   <p:cSld>
     <p:spTree>
       <p:nvGrpSpPr>
+        <p:cNvPr id="1" name="Shape 101"/>
+        <p:cNvGrpSpPr/>
+        <p:nvPr/>
+      </p:nvGrpSpPr>
+      <p:grpSpPr>
+        <a:xfrm>
+          <a:off x="0" y="0"/>
+          <a:ext cx="0" cy="0"/>
+          <a:chOff x="0" y="0"/>
+          <a:chExt cx="0" cy="0"/>
+        </a:xfrm>
+      </p:grpSpPr>
+      <p:sp>
+        <p:nvSpPr>
+          <p:cNvPr id="102" name="Google Shape;102;p2"/>
+          <p:cNvSpPr txBox="1">
+            <a:spLocks noGrp="1"/>
+          </p:cNvSpPr>
+          <p:nvPr>
+            <p:ph type="title"/>
+          </p:nvPr>
+        </p:nvSpPr>
+        <p:spPr>
+          <a:xfrm>
+            <a:off x="457200" y="381000"/>
+            <a:ext cx="8229600" cy="838200"/>
+          </a:xfrm>
+          <a:prstGeom prst="rect">
+            <a:avLst/>
+          </a:prstGeom>
+          <a:noFill/>
+          <a:ln>
+            <a:noFill/>
+          </a:ln>
+        </p:spPr>
+        <p:txBody>
+          <a:bodyPr spcFirstLastPara="1" wrap="square" lIns="91425" tIns="45700" rIns="91425" bIns="45700" anchor="t" anchorCtr="0">
+            <a:noAutofit/>
+          </a:bodyPr>
+          <a:lstStyle/>
+          <a:p>
+            <a:pPr marL="0" lvl="0" indent="0" algn="ctr" rtl="0">
+              <a:spcBef>
+                <a:spcPts val="0"/>
+              </a:spcBef>
+              <a:spcAft>
+                <a:spcPts val="0"/>
+              </a:spcAft>
+              <a:buNone/>
+            </a:pPr>
+            <a:r>
+              <a:rPr lang="en-US"/>
+              <a:t>Agenda</a:t>
+            </a:r>
+            <a:endParaRPr/>
+          </a:p>
+        </p:txBody>
+      </p:sp>
+      <p:sp>
+        <p:nvSpPr>
+          <p:cNvPr id="103" name="Google Shape;103;p2"/>
+          <p:cNvSpPr txBox="1">
+            <a:spLocks noGrp="1"/>
+          </p:cNvSpPr>
+          <p:nvPr>
+            <p:ph type="body" idx="1"/>
+          </p:nvPr>
+        </p:nvSpPr>
+        <p:spPr>
+          <a:xfrm>
+            <a:off x="457200" y="1371599"/>
+            <a:ext cx="8229600" cy="4572001"/>
+          </a:xfrm>
+          <a:prstGeom prst="rect">
+            <a:avLst/>
+          </a:prstGeom>
+          <a:noFill/>
+          <a:ln>
+            <a:noFill/>
+          </a:ln>
+        </p:spPr>
+        <p:txBody>
+          <a:bodyPr spcFirstLastPara="1" wrap="square" lIns="91425" tIns="45700" rIns="91425" bIns="45700" anchor="t" anchorCtr="0">
+            <a:noAutofit/>
+          </a:bodyPr>
+          <a:lstStyle/>
+          <a:p>
+            <a:pPr marL="342900" lvl="0" indent="-342900" algn="l" rtl="0">
+              <a:spcBef>
+                <a:spcPts val="0"/>
+              </a:spcBef>
+              <a:spcAft>
+                <a:spcPts val="0"/>
+              </a:spcAft>
+              <a:buClr>
+                <a:schemeClr val="dk1"/>
+              </a:buClr>
+              <a:buSzPts val="3200"/>
+              <a:buChar char="•"/>
+            </a:pPr>
+            <a:r>
+              <a:rPr lang="en-US" dirty="0"/>
+              <a:t>Controllers</a:t>
+            </a:r>
+            <a:endParaRPr dirty="0"/>
+          </a:p>
+          <a:p>
+            <a:pPr marL="342900" lvl="0" indent="-342900" algn="l" rtl="0">
+              <a:spcBef>
+                <a:spcPts val="640"/>
+              </a:spcBef>
+              <a:spcAft>
+                <a:spcPts val="0"/>
+              </a:spcAft>
+              <a:buClr>
+                <a:schemeClr val="dk1"/>
+              </a:buClr>
+              <a:buSzPts val="3200"/>
+              <a:buChar char="•"/>
+            </a:pPr>
+            <a:r>
+              <a:rPr lang="en-US" dirty="0"/>
+              <a:t>Filters</a:t>
+            </a:r>
+          </a:p>
+          <a:p>
+            <a:pPr marL="342900" lvl="0" indent="-342900" algn="l" rtl="0">
+              <a:spcBef>
+                <a:spcPts val="640"/>
+              </a:spcBef>
+              <a:spcAft>
+                <a:spcPts val="0"/>
+              </a:spcAft>
+              <a:buClr>
+                <a:schemeClr val="dk1"/>
+              </a:buClr>
+              <a:buSzPts val="3200"/>
+              <a:buChar char="•"/>
+            </a:pPr>
+            <a:r>
+              <a:rPr lang="en-US" dirty="0"/>
+              <a:t>Testbed-based control design</a:t>
+            </a:r>
+            <a:endParaRPr dirty="0"/>
+          </a:p>
+        </p:txBody>
+      </p:sp>
+      <p:sp>
+        <p:nvSpPr>
+          <p:cNvPr id="104" name="Google Shape;104;p2"/>
+          <p:cNvSpPr txBox="1">
+            <a:spLocks noGrp="1"/>
+          </p:cNvSpPr>
+          <p:nvPr>
+            <p:ph type="sldNum" idx="12"/>
+          </p:nvPr>
+        </p:nvSpPr>
+        <p:spPr>
+          <a:xfrm>
+            <a:off x="7620000" y="6248400"/>
+            <a:ext cx="304800" cy="365125"/>
+          </a:xfrm>
+          <a:prstGeom prst="rect">
+            <a:avLst/>
+          </a:prstGeom>
+          <a:noFill/>
+          <a:ln>
+            <a:noFill/>
+          </a:ln>
+        </p:spPr>
+        <p:txBody>
+          <a:bodyPr spcFirstLastPara="1" wrap="square" lIns="91425" tIns="45700" rIns="91425" bIns="45700" anchor="t" anchorCtr="0">
+            <a:noAutofit/>
+          </a:bodyPr>
+          <a:lstStyle/>
+          <a:p>
+            <a:pPr marL="0" lvl="0" indent="0" algn="l" rtl="0">
+              <a:spcBef>
+                <a:spcPts val="0"/>
+              </a:spcBef>
+              <a:spcAft>
+                <a:spcPts val="0"/>
+              </a:spcAft>
+              <a:buNone/>
+            </a:pPr>
+            <a:fld id="{00000000-1234-1234-1234-123412341234}" type="slidenum">
+              <a:rPr lang="en-US"/>
+              <a:t>2</a:t>
+            </a:fld>
+            <a:endParaRPr/>
+          </a:p>
+        </p:txBody>
+      </p:sp>
+    </p:spTree>
+  </p:cSld>
+  <p:clrMapOvr>
+    <a:masterClrMapping/>
+  </p:clrMapOvr>
+</p:sld>
+</file>
+
+<file path=ppt/slides/slide3.xml><?xml version="1.0" encoding="utf-8"?>
+<p:sld xmlns:a="http://schemas.openxmlformats.org/drawingml/2006/main" xmlns:r="http://schemas.openxmlformats.org/officeDocument/2006/relationships" xmlns:p="http://schemas.openxmlformats.org/presentationml/2006/main">
+  <p:cSld>
+    <p:spTree>
+      <p:nvGrpSpPr>
         <p:cNvPr id="1" name=""/>
         <p:cNvGrpSpPr/>
         <p:nvPr/>
@@ -11734,7 +12937,7 @@
           <a:p>
             <a:r>
               <a:rPr lang="en-US" dirty="0"/>
-              <a:t>CLS With Disturbances and Noise</a:t>
+              <a:t>Control Architecture</a:t>
             </a:r>
           </a:p>
         </p:txBody>
@@ -11768,7 +12971,7 @@
               <a:pPr>
                 <a:defRPr/>
               </a:pPr>
-              <a:t>2</a:t>
+              <a:t>3</a:t>
             </a:fld>
             <a:endParaRPr lang="en-US" altLang="x-none"/>
           </a:p>
@@ -12352,8 +13555,8 @@
           </p:sp>
         </mc:Fallback>
       </mc:AlternateContent>
-      <mc:AlternateContent xmlns:mc="http://schemas.openxmlformats.org/markup-compatibility/2006">
-        <mc:Choice xmlns:a14="http://schemas.microsoft.com/office/drawing/2010/main" Requires="a14">
+      <mc:AlternateContent xmlns:mc="http://schemas.openxmlformats.org/markup-compatibility/2006" xmlns:a14="http://schemas.microsoft.com/office/drawing/2010/main">
+        <mc:Choice Requires="a14">
           <p:sp>
             <p:nvSpPr>
               <p:cNvPr id="51" name="Rectangle 50">
@@ -12436,7 +13639,7 @@
             </p:txBody>
           </p:sp>
         </mc:Choice>
-        <mc:Fallback>
+        <mc:Fallback xmlns="">
           <p:sp>
             <p:nvSpPr>
               <p:cNvPr id="51" name="Rectangle 50">
@@ -12481,8 +13684,8 @@
           </p:sp>
         </mc:Fallback>
       </mc:AlternateContent>
-      <mc:AlternateContent xmlns:mc="http://schemas.openxmlformats.org/markup-compatibility/2006">
-        <mc:Choice xmlns:a14="http://schemas.microsoft.com/office/drawing/2010/main" Requires="a14">
+      <mc:AlternateContent xmlns:mc="http://schemas.openxmlformats.org/markup-compatibility/2006" xmlns:a14="http://schemas.microsoft.com/office/drawing/2010/main">
+        <mc:Choice Requires="a14">
           <p:sp>
             <p:nvSpPr>
               <p:cNvPr id="55" name="Rectangle 54">
@@ -12565,7 +13768,7 @@
             </p:txBody>
           </p:sp>
         </mc:Choice>
-        <mc:Fallback>
+        <mc:Fallback xmlns="">
           <p:sp>
             <p:nvSpPr>
               <p:cNvPr id="55" name="Rectangle 54">
@@ -12610,8 +13813,8 @@
           </p:sp>
         </mc:Fallback>
       </mc:AlternateContent>
-      <mc:AlternateContent xmlns:mc="http://schemas.openxmlformats.org/markup-compatibility/2006">
-        <mc:Choice xmlns:a14="http://schemas.microsoft.com/office/drawing/2010/main" Requires="a14">
+      <mc:AlternateContent xmlns:mc="http://schemas.openxmlformats.org/markup-compatibility/2006" xmlns:a14="http://schemas.microsoft.com/office/drawing/2010/main">
+        <mc:Choice Requires="a14">
           <p:sp>
             <p:nvSpPr>
               <p:cNvPr id="56" name="Rectangle 55">
@@ -12694,7 +13897,7 @@
             </p:txBody>
           </p:sp>
         </mc:Choice>
-        <mc:Fallback>
+        <mc:Fallback xmlns="">
           <p:sp>
             <p:nvSpPr>
               <p:cNvPr id="56" name="Rectangle 55">
@@ -12739,8 +13942,8 @@
           </p:sp>
         </mc:Fallback>
       </mc:AlternateContent>
-      <mc:AlternateContent xmlns:mc="http://schemas.openxmlformats.org/markup-compatibility/2006">
-        <mc:Choice xmlns:a14="http://schemas.microsoft.com/office/drawing/2010/main" Requires="a14">
+      <mc:AlternateContent xmlns:mc="http://schemas.openxmlformats.org/markup-compatibility/2006" xmlns:a14="http://schemas.microsoft.com/office/drawing/2010/main">
+        <mc:Choice Requires="a14">
           <p:sp>
             <p:nvSpPr>
               <p:cNvPr id="57" name="Rectangle 56">
@@ -12823,7 +14026,7 @@
             </p:txBody>
           </p:sp>
         </mc:Choice>
-        <mc:Fallback>
+        <mc:Fallback xmlns="">
           <p:sp>
             <p:nvSpPr>
               <p:cNvPr id="57" name="Rectangle 56">
@@ -13404,8 +14607,8 @@
           </a:p>
         </p:txBody>
       </p:sp>
-      <mc:AlternateContent xmlns:mc="http://schemas.openxmlformats.org/markup-compatibility/2006">
-        <mc:Choice xmlns:a14="http://schemas.microsoft.com/office/drawing/2010/main" Requires="a14">
+      <mc:AlternateContent xmlns:mc="http://schemas.openxmlformats.org/markup-compatibility/2006" xmlns:a14="http://schemas.microsoft.com/office/drawing/2010/main">
+        <mc:Choice Requires="a14">
           <p:sp>
             <p:nvSpPr>
               <p:cNvPr id="10" name="Text Placeholder 4">
@@ -13831,7 +15034,7 @@
             </p:txBody>
           </p:sp>
         </mc:Choice>
-        <mc:Fallback>
+        <mc:Fallback xmlns="">
           <p:sp>
             <p:nvSpPr>
               <p:cNvPr id="10" name="Text Placeholder 4">
@@ -14167,8 +15370,8 @@
           </a:p>
         </p:txBody>
       </p:sp>
-      <mc:AlternateContent xmlns:mc="http://schemas.openxmlformats.org/markup-compatibility/2006">
-        <mc:Choice xmlns:a14="http://schemas.microsoft.com/office/drawing/2010/main" Requires="a14">
+      <mc:AlternateContent xmlns:mc="http://schemas.openxmlformats.org/markup-compatibility/2006" xmlns:a14="http://schemas.microsoft.com/office/drawing/2010/main">
+        <mc:Choice Requires="a14">
           <p:sp>
             <p:nvSpPr>
               <p:cNvPr id="4" name="Rectangle 3">
@@ -14196,7 +15399,6 @@
               </a:bodyPr>
               <a:lstStyle/>
               <a:p>
-                <a:pPr/>
                 <a:r>
                   <a:rPr lang="en-US" sz="1600" b="0" i="1" dirty="0">
                     <a:solidFill>
@@ -14245,7 +15447,7 @@
             </p:txBody>
           </p:sp>
         </mc:Choice>
-        <mc:Fallback>
+        <mc:Fallback xmlns="">
           <p:sp>
             <p:nvSpPr>
               <p:cNvPr id="4" name="Rectangle 3">
@@ -14290,8 +15492,8 @@
           </p:sp>
         </mc:Fallback>
       </mc:AlternateContent>
-      <mc:AlternateContent xmlns:mc="http://schemas.openxmlformats.org/markup-compatibility/2006">
-        <mc:Choice xmlns:a14="http://schemas.microsoft.com/office/drawing/2010/main" Requires="a14">
+      <mc:AlternateContent xmlns:mc="http://schemas.openxmlformats.org/markup-compatibility/2006" xmlns:a14="http://schemas.microsoft.com/office/drawing/2010/main">
+        <mc:Choice Requires="a14">
           <p:sp>
             <p:nvSpPr>
               <p:cNvPr id="5" name="Rectangle 4">
@@ -14319,7 +15521,6 @@
               </a:bodyPr>
               <a:lstStyle/>
               <a:p>
-                <a:pPr/>
                 <a:r>
                   <a:rPr lang="en-US" sz="1600" i="1" dirty="0">
                     <a:solidFill>
@@ -14368,7 +15569,7 @@
             </p:txBody>
           </p:sp>
         </mc:Choice>
-        <mc:Fallback>
+        <mc:Fallback xmlns="">
           <p:sp>
             <p:nvSpPr>
               <p:cNvPr id="5" name="Rectangle 4">
@@ -14413,8 +15614,8 @@
           </p:sp>
         </mc:Fallback>
       </mc:AlternateContent>
-      <mc:AlternateContent xmlns:mc="http://schemas.openxmlformats.org/markup-compatibility/2006">
-        <mc:Choice xmlns:a14="http://schemas.microsoft.com/office/drawing/2010/main" Requires="a14">
+      <mc:AlternateContent xmlns:mc="http://schemas.openxmlformats.org/markup-compatibility/2006" xmlns:a14="http://schemas.microsoft.com/office/drawing/2010/main">
+        <mc:Choice Requires="a14">
           <p:sp>
             <p:nvSpPr>
               <p:cNvPr id="6" name="Rectangle 5">
@@ -14442,7 +15643,6 @@
               </a:bodyPr>
               <a:lstStyle/>
               <a:p>
-                <a:pPr/>
                 <a:r>
                   <a:rPr lang="en-US" sz="1600" i="1" dirty="0">
                     <a:solidFill>
@@ -14491,7 +15691,7 @@
             </p:txBody>
           </p:sp>
         </mc:Choice>
-        <mc:Fallback>
+        <mc:Fallback xmlns="">
           <p:sp>
             <p:nvSpPr>
               <p:cNvPr id="6" name="Rectangle 5">
@@ -14540,2756 +15740,6 @@
     <p:extLst>
       <p:ext uri="{BB962C8B-B14F-4D97-AF65-F5344CB8AC3E}">
         <p14:creationId xmlns:p14="http://schemas.microsoft.com/office/powerpoint/2010/main" val="3032551043"/>
-      </p:ext>
-    </p:extLst>
-  </p:cSld>
-  <p:clrMapOvr>
-    <a:masterClrMapping/>
-  </p:clrMapOvr>
-</p:sld>
-</file>
-
-<file path=ppt/slides/slide3.xml><?xml version="1.0" encoding="utf-8"?>
-<p:sld xmlns:a="http://schemas.openxmlformats.org/drawingml/2006/main" xmlns:r="http://schemas.openxmlformats.org/officeDocument/2006/relationships" xmlns:p="http://schemas.openxmlformats.org/presentationml/2006/main">
-  <p:cSld>
-    <p:spTree>
-      <p:nvGrpSpPr>
-        <p:cNvPr id="1" name=""/>
-        <p:cNvGrpSpPr/>
-        <p:nvPr/>
-      </p:nvGrpSpPr>
-      <p:grpSpPr>
-        <a:xfrm>
-          <a:off x="0" y="0"/>
-          <a:ext cx="0" cy="0"/>
-          <a:chOff x="0" y="0"/>
-          <a:chExt cx="0" cy="0"/>
-        </a:xfrm>
-      </p:grpSpPr>
-      <p:sp>
-        <p:nvSpPr>
-          <p:cNvPr id="2" name="Title 1">
-            <a:extLst>
-              <a:ext uri="{FF2B5EF4-FFF2-40B4-BE49-F238E27FC236}">
-                <a16:creationId xmlns:a16="http://schemas.microsoft.com/office/drawing/2014/main" id="{6CF811BA-8C43-DB43-9A58-7F630C6185FD}"/>
-              </a:ext>
-            </a:extLst>
-          </p:cNvPr>
-          <p:cNvSpPr>
-            <a:spLocks noGrp="1"/>
-          </p:cNvSpPr>
-          <p:nvPr>
-            <p:ph type="title"/>
-          </p:nvPr>
-        </p:nvSpPr>
-        <p:spPr/>
-        <p:txBody>
-          <a:bodyPr/>
-          <a:lstStyle/>
-          <a:p>
-            <a:r>
-              <a:rPr lang="en-US" dirty="0"/>
-              <a:t>CLS With Disturbances and Noise</a:t>
-            </a:r>
-          </a:p>
-        </p:txBody>
-      </p:sp>
-      <p:sp>
-        <p:nvSpPr>
-          <p:cNvPr id="3" name="Slide Number Placeholder 2">
-            <a:extLst>
-              <a:ext uri="{FF2B5EF4-FFF2-40B4-BE49-F238E27FC236}">
-                <a16:creationId xmlns:a16="http://schemas.microsoft.com/office/drawing/2014/main" id="{BF0E0FF1-290E-6F42-9F42-6FFE9B7272B7}"/>
-              </a:ext>
-            </a:extLst>
-          </p:cNvPr>
-          <p:cNvSpPr>
-            <a:spLocks noGrp="1"/>
-          </p:cNvSpPr>
-          <p:nvPr>
-            <p:ph type="sldNum" sz="quarter" idx="11"/>
-          </p:nvPr>
-        </p:nvSpPr>
-        <p:spPr/>
-        <p:txBody>
-          <a:bodyPr/>
-          <a:lstStyle/>
-          <a:p>
-            <a:pPr>
-              <a:defRPr/>
-            </a:pPr>
-            <a:fld id="{2E4304A7-0FB2-4094-BC1E-DB17183AD0C1}" type="slidenum">
-              <a:rPr lang="en-US" altLang="x-none" smtClean="0"/>
-              <a:pPr>
-                <a:defRPr/>
-              </a:pPr>
-              <a:t>3</a:t>
-            </a:fld>
-            <a:endParaRPr lang="en-US" altLang="x-none"/>
-          </a:p>
-        </p:txBody>
-      </p:sp>
-      <p:sp>
-        <p:nvSpPr>
-          <p:cNvPr id="41" name="Rectangle 40">
-            <a:extLst>
-              <a:ext uri="{FF2B5EF4-FFF2-40B4-BE49-F238E27FC236}">
-                <a16:creationId xmlns:a16="http://schemas.microsoft.com/office/drawing/2014/main" id="{9D2C5CD7-5EF7-0149-A160-721F4F8BF5A1}"/>
-              </a:ext>
-            </a:extLst>
-          </p:cNvPr>
-          <p:cNvSpPr>
-            <a:spLocks noChangeAspect="1"/>
-          </p:cNvSpPr>
-          <p:nvPr/>
-        </p:nvSpPr>
-        <p:spPr>
-          <a:xfrm>
-            <a:off x="4324486" y="1918675"/>
-            <a:ext cx="643565" cy="634949"/>
-          </a:xfrm>
-          <a:prstGeom prst="rect">
-            <a:avLst/>
-          </a:prstGeom>
-        </p:spPr>
-        <p:style>
-          <a:lnRef idx="1">
-            <a:schemeClr val="accent1"/>
-          </a:lnRef>
-          <a:fillRef idx="3">
-            <a:schemeClr val="accent1"/>
-          </a:fillRef>
-          <a:effectRef idx="2">
-            <a:schemeClr val="accent1"/>
-          </a:effectRef>
-          <a:fontRef idx="minor">
-            <a:schemeClr val="lt1"/>
-          </a:fontRef>
-        </p:style>
-        <p:txBody>
-          <a:bodyPr rtlCol="0" anchor="ctr"/>
-          <a:lstStyle/>
-          <a:p>
-            <a:pPr algn="ctr"/>
-            <a:endParaRPr lang="en-US" sz="1600" dirty="0"/>
-          </a:p>
-        </p:txBody>
-      </p:sp>
-      <p:cxnSp>
-        <p:nvCxnSpPr>
-          <p:cNvPr id="42" name="Straight Arrow Connector 41">
-            <a:extLst>
-              <a:ext uri="{FF2B5EF4-FFF2-40B4-BE49-F238E27FC236}">
-                <a16:creationId xmlns:a16="http://schemas.microsoft.com/office/drawing/2014/main" id="{33B85FA6-F565-A342-9B83-C988EFF8976A}"/>
-              </a:ext>
-            </a:extLst>
-          </p:cNvPr>
-          <p:cNvCxnSpPr>
-            <a:cxnSpLocks/>
-            <a:stCxn id="45" idx="3"/>
-            <a:endCxn id="41" idx="1"/>
-          </p:cNvCxnSpPr>
-          <p:nvPr/>
-        </p:nvCxnSpPr>
-        <p:spPr>
-          <a:xfrm>
-            <a:off x="3439079" y="2227603"/>
-            <a:ext cx="885407" cy="8547"/>
-          </a:xfrm>
-          <a:prstGeom prst="straightConnector1">
-            <a:avLst/>
-          </a:prstGeom>
-          <a:ln>
-            <a:tailEnd type="triangle" w="lg" len="lg"/>
-          </a:ln>
-          <a:effectLst>
-            <a:outerShdw dist="20000" sx="1000" sy="1000" rotWithShape="0">
-              <a:srgbClr val="000000"/>
-            </a:outerShdw>
-          </a:effectLst>
-        </p:spPr>
-        <p:style>
-          <a:lnRef idx="2">
-            <a:schemeClr val="accent1"/>
-          </a:lnRef>
-          <a:fillRef idx="0">
-            <a:schemeClr val="accent1"/>
-          </a:fillRef>
-          <a:effectRef idx="1">
-            <a:schemeClr val="accent1"/>
-          </a:effectRef>
-          <a:fontRef idx="minor">
-            <a:schemeClr val="tx1"/>
-          </a:fontRef>
-        </p:style>
-      </p:cxnSp>
-      <p:cxnSp>
-        <p:nvCxnSpPr>
-          <p:cNvPr id="43" name="Straight Arrow Connector 42">
-            <a:extLst>
-              <a:ext uri="{FF2B5EF4-FFF2-40B4-BE49-F238E27FC236}">
-                <a16:creationId xmlns:a16="http://schemas.microsoft.com/office/drawing/2014/main" id="{9283C526-95FD-DD48-8D64-79DF32A3018A}"/>
-              </a:ext>
-            </a:extLst>
-          </p:cNvPr>
-          <p:cNvCxnSpPr>
-            <a:cxnSpLocks/>
-            <a:stCxn id="44" idx="3"/>
-            <a:endCxn id="58" idx="2"/>
-          </p:cNvCxnSpPr>
-          <p:nvPr/>
-        </p:nvCxnSpPr>
-        <p:spPr>
-          <a:xfrm>
-            <a:off x="4981818" y="2162715"/>
-            <a:ext cx="597699" cy="8323"/>
-          </a:xfrm>
-          <a:prstGeom prst="straightConnector1">
-            <a:avLst/>
-          </a:prstGeom>
-          <a:ln>
-            <a:tailEnd type="triangle" w="lg" len="lg"/>
-          </a:ln>
-          <a:effectLst>
-            <a:outerShdw dist="20000" sx="1000" sy="1000" rotWithShape="0">
-              <a:srgbClr val="000000"/>
-            </a:outerShdw>
-          </a:effectLst>
-        </p:spPr>
-        <p:style>
-          <a:lnRef idx="2">
-            <a:schemeClr val="accent1"/>
-          </a:lnRef>
-          <a:fillRef idx="0">
-            <a:schemeClr val="accent1"/>
-          </a:fillRef>
-          <a:effectRef idx="1">
-            <a:schemeClr val="accent1"/>
-          </a:effectRef>
-          <a:fontRef idx="minor">
-            <a:schemeClr val="tx1"/>
-          </a:fontRef>
-        </p:style>
-      </p:cxnSp>
-      <mc:AlternateContent xmlns:mc="http://schemas.openxmlformats.org/markup-compatibility/2006" xmlns:a14="http://schemas.microsoft.com/office/drawing/2010/main">
-        <mc:Choice Requires="a14">
-          <p:sp>
-            <p:nvSpPr>
-              <p:cNvPr id="44" name="Rectangle 43">
-                <a:extLst>
-                  <a:ext uri="{FF2B5EF4-FFF2-40B4-BE49-F238E27FC236}">
-                    <a16:creationId xmlns:a16="http://schemas.microsoft.com/office/drawing/2014/main" id="{87D8735E-9031-3E41-B1B0-4871396BFB1A}"/>
-                  </a:ext>
-                </a:extLst>
-              </p:cNvPr>
-              <p:cNvSpPr/>
-              <p:nvPr/>
-            </p:nvSpPr>
-            <p:spPr>
-              <a:xfrm>
-                <a:off x="4269764" y="2008826"/>
-                <a:ext cx="712054" cy="307777"/>
-              </a:xfrm>
-              <a:prstGeom prst="rect">
-                <a:avLst/>
-              </a:prstGeom>
-            </p:spPr>
-            <p:txBody>
-              <a:bodyPr wrap="square">
-                <a:spAutoFit/>
-              </a:bodyPr>
-              <a:lstStyle/>
-              <a:p>
-                <a:pPr/>
-                <a14:m>
-                  <m:oMathPara xmlns:m="http://schemas.openxmlformats.org/officeDocument/2006/math">
-                    <m:oMathParaPr>
-                      <m:jc m:val="centerGroup"/>
-                    </m:oMathParaPr>
-                    <m:oMath xmlns:m="http://schemas.openxmlformats.org/officeDocument/2006/math">
-                      <m:r>
-                        <a:rPr lang="en-US" b="1" i="1" smtClean="0">
-                          <a:solidFill>
-                            <a:schemeClr val="bg1"/>
-                          </a:solidFill>
-                          <a:latin typeface="Cambria Math" panose="02040503050406030204" pitchFamily="18" charset="0"/>
-                        </a:rPr>
-                        <m:t>𝑶𝑳𝑺</m:t>
-                      </m:r>
-                    </m:oMath>
-                  </m:oMathPara>
-                </a14:m>
-                <a:endParaRPr lang="en-US" b="1" dirty="0">
-                  <a:solidFill>
-                    <a:schemeClr val="bg1"/>
-                  </a:solidFill>
-                </a:endParaRPr>
-              </a:p>
-            </p:txBody>
-          </p:sp>
-        </mc:Choice>
-        <mc:Fallback xmlns="">
-          <p:sp>
-            <p:nvSpPr>
-              <p:cNvPr id="44" name="Rectangle 43">
-                <a:extLst>
-                  <a:ext uri="{FF2B5EF4-FFF2-40B4-BE49-F238E27FC236}">
-                    <a16:creationId xmlns:a16="http://schemas.microsoft.com/office/drawing/2014/main" id="{87D8735E-9031-3E41-B1B0-4871396BFB1A}"/>
-                  </a:ext>
-                </a:extLst>
-              </p:cNvPr>
-              <p:cNvSpPr>
-                <a:spLocks noRot="1" noChangeAspect="1" noMove="1" noResize="1" noEditPoints="1" noAdjustHandles="1" noChangeArrowheads="1" noChangeShapeType="1" noTextEdit="1"/>
-              </p:cNvSpPr>
-              <p:nvPr/>
-            </p:nvSpPr>
-            <p:spPr>
-              <a:xfrm>
-                <a:off x="4269764" y="2008826"/>
-                <a:ext cx="712054" cy="307777"/>
-              </a:xfrm>
-              <a:prstGeom prst="rect">
-                <a:avLst/>
-              </a:prstGeom>
-              <a:blipFill>
-                <a:blip r:embed="rId3"/>
-                <a:stretch>
-                  <a:fillRect/>
-                </a:stretch>
-              </a:blipFill>
-            </p:spPr>
-            <p:txBody>
-              <a:bodyPr/>
-              <a:lstStyle/>
-              <a:p>
-                <a:r>
-                  <a:rPr lang="en-US">
-                    <a:noFill/>
-                  </a:rPr>
-                  <a:t> </a:t>
-                </a:r>
-              </a:p>
-            </p:txBody>
-          </p:sp>
-        </mc:Fallback>
-      </mc:AlternateContent>
-      <p:sp>
-        <p:nvSpPr>
-          <p:cNvPr id="45" name="Rectangle 44">
-            <a:extLst>
-              <a:ext uri="{FF2B5EF4-FFF2-40B4-BE49-F238E27FC236}">
-                <a16:creationId xmlns:a16="http://schemas.microsoft.com/office/drawing/2014/main" id="{17F19C0A-4E6F-334D-BD24-1FC484764B18}"/>
-              </a:ext>
-            </a:extLst>
-          </p:cNvPr>
-          <p:cNvSpPr>
-            <a:spLocks noChangeAspect="1"/>
-          </p:cNvSpPr>
-          <p:nvPr/>
-        </p:nvSpPr>
-        <p:spPr>
-          <a:xfrm>
-            <a:off x="2317188" y="1910128"/>
-            <a:ext cx="1121891" cy="634950"/>
-          </a:xfrm>
-          <a:prstGeom prst="rect">
-            <a:avLst/>
-          </a:prstGeom>
-        </p:spPr>
-        <p:style>
-          <a:lnRef idx="1">
-            <a:schemeClr val="accent1"/>
-          </a:lnRef>
-          <a:fillRef idx="3">
-            <a:schemeClr val="accent1"/>
-          </a:fillRef>
-          <a:effectRef idx="2">
-            <a:schemeClr val="accent1"/>
-          </a:effectRef>
-          <a:fontRef idx="minor">
-            <a:schemeClr val="lt1"/>
-          </a:fontRef>
-        </p:style>
-        <p:txBody>
-          <a:bodyPr rtlCol="0" anchor="ctr"/>
-          <a:lstStyle/>
-          <a:p>
-            <a:pPr algn="ctr"/>
-            <a:r>
-              <a:rPr lang="en-US" sz="1600" dirty="0"/>
-              <a:t>Controller</a:t>
-            </a:r>
-          </a:p>
-        </p:txBody>
-      </p:sp>
-      <p:cxnSp>
-        <p:nvCxnSpPr>
-          <p:cNvPr id="46" name="Straight Arrow Connector 45">
-            <a:extLst>
-              <a:ext uri="{FF2B5EF4-FFF2-40B4-BE49-F238E27FC236}">
-                <a16:creationId xmlns:a16="http://schemas.microsoft.com/office/drawing/2014/main" id="{18A7EBF1-5C9C-C245-A586-537F9E82050B}"/>
-              </a:ext>
-            </a:extLst>
-          </p:cNvPr>
-          <p:cNvCxnSpPr>
-            <a:cxnSpLocks/>
-          </p:cNvCxnSpPr>
-          <p:nvPr/>
-        </p:nvCxnSpPr>
-        <p:spPr>
-          <a:xfrm flipV="1">
-            <a:off x="951066" y="2258178"/>
-            <a:ext cx="644896" cy="3806"/>
-          </a:xfrm>
-          <a:prstGeom prst="straightConnector1">
-            <a:avLst/>
-          </a:prstGeom>
-          <a:ln>
-            <a:tailEnd type="triangle" w="lg" len="lg"/>
-          </a:ln>
-          <a:effectLst>
-            <a:outerShdw dist="20000" sx="1000" sy="1000" rotWithShape="0">
-              <a:srgbClr val="000000"/>
-            </a:outerShdw>
-          </a:effectLst>
-        </p:spPr>
-        <p:style>
-          <a:lnRef idx="2">
-            <a:schemeClr val="accent1"/>
-          </a:lnRef>
-          <a:fillRef idx="0">
-            <a:schemeClr val="accent1"/>
-          </a:fillRef>
-          <a:effectRef idx="1">
-            <a:schemeClr val="accent1"/>
-          </a:effectRef>
-          <a:fontRef idx="minor">
-            <a:schemeClr val="tx1"/>
-          </a:fontRef>
-        </p:style>
-      </p:cxnSp>
-      <p:sp>
-        <p:nvSpPr>
-          <p:cNvPr id="47" name="Oval 46">
-            <a:extLst>
-              <a:ext uri="{FF2B5EF4-FFF2-40B4-BE49-F238E27FC236}">
-                <a16:creationId xmlns:a16="http://schemas.microsoft.com/office/drawing/2014/main" id="{22932C7D-E4B3-5D47-A8D0-A906B69494C0}"/>
-              </a:ext>
-            </a:extLst>
-          </p:cNvPr>
-          <p:cNvSpPr/>
-          <p:nvPr/>
-        </p:nvSpPr>
-        <p:spPr>
-          <a:xfrm>
-            <a:off x="1625687" y="2085054"/>
-            <a:ext cx="301841" cy="301840"/>
-          </a:xfrm>
-          <a:prstGeom prst="ellipse">
-            <a:avLst/>
-          </a:prstGeom>
-        </p:spPr>
-        <p:style>
-          <a:lnRef idx="1">
-            <a:schemeClr val="accent1"/>
-          </a:lnRef>
-          <a:fillRef idx="3">
-            <a:schemeClr val="accent1"/>
-          </a:fillRef>
-          <a:effectRef idx="2">
-            <a:schemeClr val="accent1"/>
-          </a:effectRef>
-          <a:fontRef idx="minor">
-            <a:schemeClr val="lt1"/>
-          </a:fontRef>
-        </p:style>
-        <p:txBody>
-          <a:bodyPr rtlCol="0" anchor="ctr"/>
-          <a:lstStyle/>
-          <a:p>
-            <a:pPr algn="ctr"/>
-            <a:r>
-              <a:rPr lang="en-US" dirty="0"/>
-              <a:t>+</a:t>
-            </a:r>
-          </a:p>
-        </p:txBody>
-      </p:sp>
-      <p:cxnSp>
-        <p:nvCxnSpPr>
-          <p:cNvPr id="48" name="Elbow Connector 47">
-            <a:extLst>
-              <a:ext uri="{FF2B5EF4-FFF2-40B4-BE49-F238E27FC236}">
-                <a16:creationId xmlns:a16="http://schemas.microsoft.com/office/drawing/2014/main" id="{402BD592-75B2-8044-83BE-F469346766A9}"/>
-              </a:ext>
-            </a:extLst>
-          </p:cNvPr>
-          <p:cNvCxnSpPr>
-            <a:cxnSpLocks/>
-            <a:stCxn id="63" idx="1"/>
-            <a:endCxn id="47" idx="4"/>
-          </p:cNvCxnSpPr>
-          <p:nvPr/>
-        </p:nvCxnSpPr>
-        <p:spPr>
-          <a:xfrm rot="10800000">
-            <a:off x="1776609" y="2386895"/>
-            <a:ext cx="1749875" cy="640451"/>
-          </a:xfrm>
-          <a:prstGeom prst="bentConnector2">
-            <a:avLst/>
-          </a:prstGeom>
-          <a:ln w="19050">
-            <a:tailEnd type="triangle" w="lg" len="lg"/>
-          </a:ln>
-          <a:effectLst>
-            <a:outerShdw dist="20000" sx="1000" sy="1000" rotWithShape="0">
-              <a:srgbClr val="000000"/>
-            </a:outerShdw>
-          </a:effectLst>
-        </p:spPr>
-        <p:style>
-          <a:lnRef idx="2">
-            <a:schemeClr val="accent1"/>
-          </a:lnRef>
-          <a:fillRef idx="0">
-            <a:schemeClr val="accent1"/>
-          </a:fillRef>
-          <a:effectRef idx="1">
-            <a:schemeClr val="accent1"/>
-          </a:effectRef>
-          <a:fontRef idx="minor">
-            <a:schemeClr val="tx1"/>
-          </a:fontRef>
-        </p:style>
-      </p:cxnSp>
-      <p:cxnSp>
-        <p:nvCxnSpPr>
-          <p:cNvPr id="49" name="Straight Arrow Connector 48">
-            <a:extLst>
-              <a:ext uri="{FF2B5EF4-FFF2-40B4-BE49-F238E27FC236}">
-                <a16:creationId xmlns:a16="http://schemas.microsoft.com/office/drawing/2014/main" id="{C1809476-AEC6-624A-8C82-8DFB0AE7A83E}"/>
-              </a:ext>
-            </a:extLst>
-          </p:cNvPr>
-          <p:cNvCxnSpPr>
-            <a:cxnSpLocks/>
-            <a:stCxn id="47" idx="6"/>
-            <a:endCxn id="45" idx="1"/>
-          </p:cNvCxnSpPr>
-          <p:nvPr/>
-        </p:nvCxnSpPr>
-        <p:spPr>
-          <a:xfrm flipV="1">
-            <a:off x="1927528" y="2227603"/>
-            <a:ext cx="389660" cy="8371"/>
-          </a:xfrm>
-          <a:prstGeom prst="straightConnector1">
-            <a:avLst/>
-          </a:prstGeom>
-          <a:ln>
-            <a:tailEnd type="triangle" w="lg" len="lg"/>
-          </a:ln>
-          <a:effectLst>
-            <a:outerShdw dist="20000" sx="1000" sy="1000" rotWithShape="0">
-              <a:srgbClr val="000000"/>
-            </a:outerShdw>
-          </a:effectLst>
-        </p:spPr>
-        <p:style>
-          <a:lnRef idx="2">
-            <a:schemeClr val="accent1"/>
-          </a:lnRef>
-          <a:fillRef idx="0">
-            <a:schemeClr val="accent1"/>
-          </a:fillRef>
-          <a:effectRef idx="1">
-            <a:schemeClr val="accent1"/>
-          </a:effectRef>
-          <a:fontRef idx="minor">
-            <a:schemeClr val="tx1"/>
-          </a:fontRef>
-        </p:style>
-      </p:cxnSp>
-      <mc:AlternateContent xmlns:mc="http://schemas.openxmlformats.org/markup-compatibility/2006">
-        <mc:Choice xmlns:a14="http://schemas.microsoft.com/office/drawing/2010/main" Requires="a14">
-          <p:sp>
-            <p:nvSpPr>
-              <p:cNvPr id="50" name="TextBox 49">
-                <a:extLst>
-                  <a:ext uri="{FF2B5EF4-FFF2-40B4-BE49-F238E27FC236}">
-                    <a16:creationId xmlns:a16="http://schemas.microsoft.com/office/drawing/2014/main" id="{3A686EE9-AD7B-D74A-85C7-2924607BBD8A}"/>
-                  </a:ext>
-                </a:extLst>
-              </p:cNvPr>
-              <p:cNvSpPr txBox="1"/>
-              <p:nvPr/>
-            </p:nvSpPr>
-            <p:spPr>
-              <a:xfrm>
-                <a:off x="1509098" y="2558637"/>
-                <a:ext cx="237244" cy="276999"/>
-              </a:xfrm>
-              <a:prstGeom prst="rect">
-                <a:avLst/>
-              </a:prstGeom>
-              <a:noFill/>
-            </p:spPr>
-            <p:txBody>
-              <a:bodyPr wrap="none" lIns="0" tIns="0" rIns="0" bIns="0" rtlCol="0">
-                <a:spAutoFit/>
-              </a:bodyPr>
-              <a:lstStyle/>
-              <a:p>
-                <a:pPr/>
-                <a14:m>
-                  <m:oMathPara xmlns:m="http://schemas.openxmlformats.org/officeDocument/2006/math">
-                    <m:oMathParaPr>
-                      <m:jc m:val="centerGroup"/>
-                    </m:oMathParaPr>
-                    <m:oMath xmlns:m="http://schemas.openxmlformats.org/officeDocument/2006/math">
-                      <m:r>
-                        <a:rPr lang="en-US" b="0" i="1" smtClean="0">
-                          <a:latin typeface="Cambria Math" panose="02040503050406030204" pitchFamily="18" charset="0"/>
-                        </a:rPr>
-                        <m:t>−</m:t>
-                      </m:r>
-                    </m:oMath>
-                  </m:oMathPara>
-                </a14:m>
-                <a:endParaRPr lang="en-US" dirty="0"/>
-              </a:p>
-            </p:txBody>
-          </p:sp>
-        </mc:Choice>
-        <mc:Fallback>
-          <p:sp>
-            <p:nvSpPr>
-              <p:cNvPr id="50" name="TextBox 49">
-                <a:extLst>
-                  <a:ext uri="{FF2B5EF4-FFF2-40B4-BE49-F238E27FC236}">
-                    <a16:creationId xmlns:a16="http://schemas.microsoft.com/office/drawing/2014/main" id="{3A686EE9-AD7B-D74A-85C7-2924607BBD8A}"/>
-                  </a:ext>
-                </a:extLst>
-              </p:cNvPr>
-              <p:cNvSpPr txBox="1">
-                <a:spLocks noRot="1" noChangeAspect="1" noMove="1" noResize="1" noEditPoints="1" noAdjustHandles="1" noChangeArrowheads="1" noChangeShapeType="1" noTextEdit="1"/>
-              </p:cNvSpPr>
-              <p:nvPr/>
-            </p:nvSpPr>
-            <p:spPr>
-              <a:xfrm>
-                <a:off x="1509098" y="2558637"/>
-                <a:ext cx="237244" cy="276999"/>
-              </a:xfrm>
-              <a:prstGeom prst="rect">
-                <a:avLst/>
-              </a:prstGeom>
-              <a:blipFill>
-                <a:blip r:embed="rId4"/>
-                <a:stretch>
-                  <a:fillRect/>
-                </a:stretch>
-              </a:blipFill>
-            </p:spPr>
-            <p:txBody>
-              <a:bodyPr/>
-              <a:lstStyle/>
-              <a:p>
-                <a:r>
-                  <a:rPr lang="en-US">
-                    <a:noFill/>
-                  </a:rPr>
-                  <a:t> </a:t>
-                </a:r>
-              </a:p>
-            </p:txBody>
-          </p:sp>
-        </mc:Fallback>
-      </mc:AlternateContent>
-      <mc:AlternateContent xmlns:mc="http://schemas.openxmlformats.org/markup-compatibility/2006">
-        <mc:Choice xmlns:a14="http://schemas.microsoft.com/office/drawing/2010/main" Requires="a14">
-          <p:sp>
-            <p:nvSpPr>
-              <p:cNvPr id="51" name="Rectangle 50">
-                <a:extLst>
-                  <a:ext uri="{FF2B5EF4-FFF2-40B4-BE49-F238E27FC236}">
-                    <a16:creationId xmlns:a16="http://schemas.microsoft.com/office/drawing/2014/main" id="{5C0CC0A4-47F0-7849-B0ED-5689BEABB267}"/>
-                  </a:ext>
-                </a:extLst>
-              </p:cNvPr>
-              <p:cNvSpPr/>
-              <p:nvPr/>
-            </p:nvSpPr>
-            <p:spPr>
-              <a:xfrm>
-                <a:off x="907815" y="1792306"/>
-                <a:ext cx="601318" cy="338554"/>
-              </a:xfrm>
-              <a:prstGeom prst="rect">
-                <a:avLst/>
-              </a:prstGeom>
-            </p:spPr>
-            <p:txBody>
-              <a:bodyPr wrap="none">
-                <a:spAutoFit/>
-              </a:bodyPr>
-              <a:lstStyle/>
-              <a:p>
-                <a:pPr/>
-                <a14:m>
-                  <m:oMathPara xmlns:m="http://schemas.openxmlformats.org/officeDocument/2006/math">
-                    <m:oMathParaPr>
-                      <m:jc m:val="centerGroup"/>
-                    </m:oMathParaPr>
-                    <m:oMath xmlns:m="http://schemas.openxmlformats.org/officeDocument/2006/math">
-                      <m:r>
-                        <a:rPr lang="en-US" sz="1600" b="0" i="1" smtClean="0">
-                          <a:solidFill>
-                            <a:schemeClr val="tx1"/>
-                          </a:solidFill>
-                          <a:latin typeface="Cambria Math" panose="02040503050406030204" pitchFamily="18" charset="0"/>
-                        </a:rPr>
-                        <m:t>𝑟</m:t>
-                      </m:r>
-                      <m:r>
-                        <a:rPr lang="en-US" sz="1600" b="0" i="1" smtClean="0">
-                          <a:solidFill>
-                            <a:schemeClr val="tx1"/>
-                          </a:solidFill>
-                          <a:latin typeface="Cambria Math" panose="02040503050406030204" pitchFamily="18" charset="0"/>
-                        </a:rPr>
-                        <m:t>(</m:t>
-                      </m:r>
-                      <m:r>
-                        <a:rPr lang="en-US" sz="1600" b="0" i="1" smtClean="0">
-                          <a:solidFill>
-                            <a:schemeClr val="tx1"/>
-                          </a:solidFill>
-                          <a:latin typeface="Cambria Math" panose="02040503050406030204" pitchFamily="18" charset="0"/>
-                        </a:rPr>
-                        <m:t>𝑡</m:t>
-                      </m:r>
-                      <m:r>
-                        <a:rPr lang="en-US" sz="1600" b="0" i="1" smtClean="0">
-                          <a:solidFill>
-                            <a:schemeClr val="tx1"/>
-                          </a:solidFill>
-                          <a:latin typeface="Cambria Math" panose="02040503050406030204" pitchFamily="18" charset="0"/>
-                        </a:rPr>
-                        <m:t>)</m:t>
-                      </m:r>
-                    </m:oMath>
-                  </m:oMathPara>
-                </a14:m>
-                <a:endParaRPr lang="en-US" sz="1600" dirty="0">
-                  <a:solidFill>
-                    <a:schemeClr val="tx1"/>
-                  </a:solidFill>
-                </a:endParaRPr>
-              </a:p>
-            </p:txBody>
-          </p:sp>
-        </mc:Choice>
-        <mc:Fallback>
-          <p:sp>
-            <p:nvSpPr>
-              <p:cNvPr id="51" name="Rectangle 50">
-                <a:extLst>
-                  <a:ext uri="{FF2B5EF4-FFF2-40B4-BE49-F238E27FC236}">
-                    <a16:creationId xmlns:a16="http://schemas.microsoft.com/office/drawing/2014/main" id="{5C0CC0A4-47F0-7849-B0ED-5689BEABB267}"/>
-                  </a:ext>
-                </a:extLst>
-              </p:cNvPr>
-              <p:cNvSpPr>
-                <a:spLocks noRot="1" noChangeAspect="1" noMove="1" noResize="1" noEditPoints="1" noAdjustHandles="1" noChangeArrowheads="1" noChangeShapeType="1" noTextEdit="1"/>
-              </p:cNvSpPr>
-              <p:nvPr/>
-            </p:nvSpPr>
-            <p:spPr>
-              <a:xfrm>
-                <a:off x="907815" y="1792306"/>
-                <a:ext cx="601318" cy="338554"/>
-              </a:xfrm>
-              <a:prstGeom prst="rect">
-                <a:avLst/>
-              </a:prstGeom>
-              <a:blipFill>
-                <a:blip r:embed="rId5"/>
-                <a:stretch>
-                  <a:fillRect b="-18519"/>
-                </a:stretch>
-              </a:blipFill>
-            </p:spPr>
-            <p:txBody>
-              <a:bodyPr/>
-              <a:lstStyle/>
-              <a:p>
-                <a:r>
-                  <a:rPr lang="en-US">
-                    <a:noFill/>
-                  </a:rPr>
-                  <a:t> </a:t>
-                </a:r>
-              </a:p>
-            </p:txBody>
-          </p:sp>
-        </mc:Fallback>
-      </mc:AlternateContent>
-      <mc:AlternateContent xmlns:mc="http://schemas.openxmlformats.org/markup-compatibility/2006">
-        <mc:Choice xmlns:a14="http://schemas.microsoft.com/office/drawing/2010/main" Requires="a14">
-          <p:sp>
-            <p:nvSpPr>
-              <p:cNvPr id="55" name="Rectangle 54">
-                <a:extLst>
-                  <a:ext uri="{FF2B5EF4-FFF2-40B4-BE49-F238E27FC236}">
-                    <a16:creationId xmlns:a16="http://schemas.microsoft.com/office/drawing/2014/main" id="{50E298F7-77E1-7343-9570-9854F41AA804}"/>
-                  </a:ext>
-                </a:extLst>
-              </p:cNvPr>
-              <p:cNvSpPr/>
-              <p:nvPr/>
-            </p:nvSpPr>
-            <p:spPr>
-              <a:xfrm>
-                <a:off x="1767485" y="1751442"/>
-                <a:ext cx="606127" cy="338554"/>
-              </a:xfrm>
-              <a:prstGeom prst="rect">
-                <a:avLst/>
-              </a:prstGeom>
-            </p:spPr>
-            <p:txBody>
-              <a:bodyPr wrap="none">
-                <a:spAutoFit/>
-              </a:bodyPr>
-              <a:lstStyle/>
-              <a:p>
-                <a:pPr/>
-                <a14:m>
-                  <m:oMathPara xmlns:m="http://schemas.openxmlformats.org/officeDocument/2006/math">
-                    <m:oMathParaPr>
-                      <m:jc m:val="centerGroup"/>
-                    </m:oMathParaPr>
-                    <m:oMath xmlns:m="http://schemas.openxmlformats.org/officeDocument/2006/math">
-                      <m:r>
-                        <a:rPr lang="en-US" sz="1600" b="0" i="1" smtClean="0">
-                          <a:solidFill>
-                            <a:schemeClr val="tx1"/>
-                          </a:solidFill>
-                          <a:latin typeface="Cambria Math" panose="02040503050406030204" pitchFamily="18" charset="0"/>
-                        </a:rPr>
-                        <m:t>𝑒</m:t>
-                      </m:r>
-                      <m:r>
-                        <a:rPr lang="en-US" sz="1600" b="0" i="1" smtClean="0">
-                          <a:solidFill>
-                            <a:schemeClr val="tx1"/>
-                          </a:solidFill>
-                          <a:latin typeface="Cambria Math" panose="02040503050406030204" pitchFamily="18" charset="0"/>
-                        </a:rPr>
-                        <m:t>(</m:t>
-                      </m:r>
-                      <m:r>
-                        <a:rPr lang="en-US" sz="1600" b="0" i="1" smtClean="0">
-                          <a:solidFill>
-                            <a:schemeClr val="tx1"/>
-                          </a:solidFill>
-                          <a:latin typeface="Cambria Math" panose="02040503050406030204" pitchFamily="18" charset="0"/>
-                        </a:rPr>
-                        <m:t>𝑡</m:t>
-                      </m:r>
-                      <m:r>
-                        <a:rPr lang="en-US" sz="1600" b="0" i="1" smtClean="0">
-                          <a:solidFill>
-                            <a:schemeClr val="tx1"/>
-                          </a:solidFill>
-                          <a:latin typeface="Cambria Math" panose="02040503050406030204" pitchFamily="18" charset="0"/>
-                        </a:rPr>
-                        <m:t>)</m:t>
-                      </m:r>
-                    </m:oMath>
-                  </m:oMathPara>
-                </a14:m>
-                <a:endParaRPr lang="en-US" sz="1600" dirty="0">
-                  <a:solidFill>
-                    <a:schemeClr val="tx1"/>
-                  </a:solidFill>
-                </a:endParaRPr>
-              </a:p>
-            </p:txBody>
-          </p:sp>
-        </mc:Choice>
-        <mc:Fallback>
-          <p:sp>
-            <p:nvSpPr>
-              <p:cNvPr id="55" name="Rectangle 54">
-                <a:extLst>
-                  <a:ext uri="{FF2B5EF4-FFF2-40B4-BE49-F238E27FC236}">
-                    <a16:creationId xmlns:a16="http://schemas.microsoft.com/office/drawing/2014/main" id="{50E298F7-77E1-7343-9570-9854F41AA804}"/>
-                  </a:ext>
-                </a:extLst>
-              </p:cNvPr>
-              <p:cNvSpPr>
-                <a:spLocks noRot="1" noChangeAspect="1" noMove="1" noResize="1" noEditPoints="1" noAdjustHandles="1" noChangeArrowheads="1" noChangeShapeType="1" noTextEdit="1"/>
-              </p:cNvSpPr>
-              <p:nvPr/>
-            </p:nvSpPr>
-            <p:spPr>
-              <a:xfrm>
-                <a:off x="1767485" y="1751442"/>
-                <a:ext cx="606127" cy="338554"/>
-              </a:xfrm>
-              <a:prstGeom prst="rect">
-                <a:avLst/>
-              </a:prstGeom>
-              <a:blipFill>
-                <a:blip r:embed="rId6"/>
-                <a:stretch>
-                  <a:fillRect b="-17857"/>
-                </a:stretch>
-              </a:blipFill>
-            </p:spPr>
-            <p:txBody>
-              <a:bodyPr/>
-              <a:lstStyle/>
-              <a:p>
-                <a:r>
-                  <a:rPr lang="en-US">
-                    <a:noFill/>
-                  </a:rPr>
-                  <a:t> </a:t>
-                </a:r>
-              </a:p>
-            </p:txBody>
-          </p:sp>
-        </mc:Fallback>
-      </mc:AlternateContent>
-      <mc:AlternateContent xmlns:mc="http://schemas.openxmlformats.org/markup-compatibility/2006">
-        <mc:Choice xmlns:a14="http://schemas.microsoft.com/office/drawing/2010/main" Requires="a14">
-          <p:sp>
-            <p:nvSpPr>
-              <p:cNvPr id="56" name="Rectangle 55">
-                <a:extLst>
-                  <a:ext uri="{FF2B5EF4-FFF2-40B4-BE49-F238E27FC236}">
-                    <a16:creationId xmlns:a16="http://schemas.microsoft.com/office/drawing/2014/main" id="{7CE1576F-6AE3-594D-9BE2-58B9AB0EB921}"/>
-                  </a:ext>
-                </a:extLst>
-              </p:cNvPr>
-              <p:cNvSpPr/>
-              <p:nvPr/>
-            </p:nvSpPr>
-            <p:spPr>
-              <a:xfrm>
-                <a:off x="3475207" y="1806656"/>
-                <a:ext cx="716478" cy="338554"/>
-              </a:xfrm>
-              <a:prstGeom prst="rect">
-                <a:avLst/>
-              </a:prstGeom>
-            </p:spPr>
-            <p:txBody>
-              <a:bodyPr wrap="square">
-                <a:spAutoFit/>
-              </a:bodyPr>
-              <a:lstStyle/>
-              <a:p>
-                <a:pPr/>
-                <a14:m>
-                  <m:oMathPara xmlns:m="http://schemas.openxmlformats.org/officeDocument/2006/math">
-                    <m:oMathParaPr>
-                      <m:jc m:val="centerGroup"/>
-                    </m:oMathParaPr>
-                    <m:oMath xmlns:m="http://schemas.openxmlformats.org/officeDocument/2006/math">
-                      <m:r>
-                        <a:rPr lang="en-US" sz="1600" b="0" i="1" smtClean="0">
-                          <a:solidFill>
-                            <a:schemeClr val="tx1"/>
-                          </a:solidFill>
-                          <a:latin typeface="Cambria Math" panose="02040503050406030204" pitchFamily="18" charset="0"/>
-                        </a:rPr>
-                        <m:t>𝑢</m:t>
-                      </m:r>
-                      <m:r>
-                        <a:rPr lang="en-US" sz="1600" b="0" i="1" smtClean="0">
-                          <a:solidFill>
-                            <a:schemeClr val="tx1"/>
-                          </a:solidFill>
-                          <a:latin typeface="Cambria Math" panose="02040503050406030204" pitchFamily="18" charset="0"/>
-                        </a:rPr>
-                        <m:t>(</m:t>
-                      </m:r>
-                      <m:r>
-                        <a:rPr lang="en-US" sz="1600" b="0" i="1" smtClean="0">
-                          <a:solidFill>
-                            <a:schemeClr val="tx1"/>
-                          </a:solidFill>
-                          <a:latin typeface="Cambria Math" panose="02040503050406030204" pitchFamily="18" charset="0"/>
-                        </a:rPr>
-                        <m:t>𝑡</m:t>
-                      </m:r>
-                      <m:r>
-                        <a:rPr lang="en-US" sz="1600" b="0" i="1" smtClean="0">
-                          <a:solidFill>
-                            <a:schemeClr val="tx1"/>
-                          </a:solidFill>
-                          <a:latin typeface="Cambria Math" panose="02040503050406030204" pitchFamily="18" charset="0"/>
-                        </a:rPr>
-                        <m:t>)</m:t>
-                      </m:r>
-                    </m:oMath>
-                  </m:oMathPara>
-                </a14:m>
-                <a:endParaRPr lang="en-US" sz="1600" dirty="0">
-                  <a:solidFill>
-                    <a:schemeClr val="tx1"/>
-                  </a:solidFill>
-                </a:endParaRPr>
-              </a:p>
-            </p:txBody>
-          </p:sp>
-        </mc:Choice>
-        <mc:Fallback>
-          <p:sp>
-            <p:nvSpPr>
-              <p:cNvPr id="56" name="Rectangle 55">
-                <a:extLst>
-                  <a:ext uri="{FF2B5EF4-FFF2-40B4-BE49-F238E27FC236}">
-                    <a16:creationId xmlns:a16="http://schemas.microsoft.com/office/drawing/2014/main" id="{7CE1576F-6AE3-594D-9BE2-58B9AB0EB921}"/>
-                  </a:ext>
-                </a:extLst>
-              </p:cNvPr>
-              <p:cNvSpPr>
-                <a:spLocks noRot="1" noChangeAspect="1" noMove="1" noResize="1" noEditPoints="1" noAdjustHandles="1" noChangeArrowheads="1" noChangeShapeType="1" noTextEdit="1"/>
-              </p:cNvSpPr>
-              <p:nvPr/>
-            </p:nvSpPr>
-            <p:spPr>
-              <a:xfrm>
-                <a:off x="3475207" y="1806656"/>
-                <a:ext cx="716478" cy="338554"/>
-              </a:xfrm>
-              <a:prstGeom prst="rect">
-                <a:avLst/>
-              </a:prstGeom>
-              <a:blipFill>
-                <a:blip r:embed="rId7"/>
-                <a:stretch>
-                  <a:fillRect b="-18519"/>
-                </a:stretch>
-              </a:blipFill>
-            </p:spPr>
-            <p:txBody>
-              <a:bodyPr/>
-              <a:lstStyle/>
-              <a:p>
-                <a:r>
-                  <a:rPr lang="en-US">
-                    <a:noFill/>
-                  </a:rPr>
-                  <a:t> </a:t>
-                </a:r>
-              </a:p>
-            </p:txBody>
-          </p:sp>
-        </mc:Fallback>
-      </mc:AlternateContent>
-      <mc:AlternateContent xmlns:mc="http://schemas.openxmlformats.org/markup-compatibility/2006">
-        <mc:Choice xmlns:a14="http://schemas.microsoft.com/office/drawing/2010/main" Requires="a14">
-          <p:sp>
-            <p:nvSpPr>
-              <p:cNvPr id="57" name="Rectangle 56">
-                <a:extLst>
-                  <a:ext uri="{FF2B5EF4-FFF2-40B4-BE49-F238E27FC236}">
-                    <a16:creationId xmlns:a16="http://schemas.microsoft.com/office/drawing/2014/main" id="{AF2E63ED-93E9-E543-AE7E-ECFC6DD54B4B}"/>
-                  </a:ext>
-                </a:extLst>
-              </p:cNvPr>
-              <p:cNvSpPr/>
-              <p:nvPr/>
-            </p:nvSpPr>
-            <p:spPr>
-              <a:xfrm>
-                <a:off x="4916433" y="1741365"/>
-                <a:ext cx="716478" cy="338554"/>
-              </a:xfrm>
-              <a:prstGeom prst="rect">
-                <a:avLst/>
-              </a:prstGeom>
-            </p:spPr>
-            <p:txBody>
-              <a:bodyPr wrap="square">
-                <a:spAutoFit/>
-              </a:bodyPr>
-              <a:lstStyle/>
-              <a:p>
-                <a:pPr/>
-                <a14:m>
-                  <m:oMathPara xmlns:m="http://schemas.openxmlformats.org/officeDocument/2006/math">
-                    <m:oMathParaPr>
-                      <m:jc m:val="centerGroup"/>
-                    </m:oMathParaPr>
-                    <m:oMath xmlns:m="http://schemas.openxmlformats.org/officeDocument/2006/math">
-                      <m:r>
-                        <a:rPr lang="en-US" sz="1600" b="0" i="1" smtClean="0">
-                          <a:solidFill>
-                            <a:schemeClr val="tx1"/>
-                          </a:solidFill>
-                          <a:latin typeface="Cambria Math" panose="02040503050406030204" pitchFamily="18" charset="0"/>
-                        </a:rPr>
-                        <m:t>𝑦</m:t>
-                      </m:r>
-                      <m:r>
-                        <a:rPr lang="en-US" sz="1600" b="0" i="1" smtClean="0">
-                          <a:solidFill>
-                            <a:schemeClr val="tx1"/>
-                          </a:solidFill>
-                          <a:latin typeface="Cambria Math" panose="02040503050406030204" pitchFamily="18" charset="0"/>
-                        </a:rPr>
-                        <m:t>(</m:t>
-                      </m:r>
-                      <m:r>
-                        <a:rPr lang="en-US" sz="1600" b="0" i="1" smtClean="0">
-                          <a:solidFill>
-                            <a:schemeClr val="tx1"/>
-                          </a:solidFill>
-                          <a:latin typeface="Cambria Math" panose="02040503050406030204" pitchFamily="18" charset="0"/>
-                        </a:rPr>
-                        <m:t>𝑡</m:t>
-                      </m:r>
-                      <m:r>
-                        <a:rPr lang="en-US" sz="1600" b="0" i="1" smtClean="0">
-                          <a:solidFill>
-                            <a:schemeClr val="tx1"/>
-                          </a:solidFill>
-                          <a:latin typeface="Cambria Math" panose="02040503050406030204" pitchFamily="18" charset="0"/>
-                        </a:rPr>
-                        <m:t>)</m:t>
-                      </m:r>
-                    </m:oMath>
-                  </m:oMathPara>
-                </a14:m>
-                <a:endParaRPr lang="en-US" sz="1600" dirty="0">
-                  <a:solidFill>
-                    <a:schemeClr val="tx1"/>
-                  </a:solidFill>
-                </a:endParaRPr>
-              </a:p>
-            </p:txBody>
-          </p:sp>
-        </mc:Choice>
-        <mc:Fallback>
-          <p:sp>
-            <p:nvSpPr>
-              <p:cNvPr id="57" name="Rectangle 56">
-                <a:extLst>
-                  <a:ext uri="{FF2B5EF4-FFF2-40B4-BE49-F238E27FC236}">
-                    <a16:creationId xmlns:a16="http://schemas.microsoft.com/office/drawing/2014/main" id="{AF2E63ED-93E9-E543-AE7E-ECFC6DD54B4B}"/>
-                  </a:ext>
-                </a:extLst>
-              </p:cNvPr>
-              <p:cNvSpPr>
-                <a:spLocks noRot="1" noChangeAspect="1" noMove="1" noResize="1" noEditPoints="1" noAdjustHandles="1" noChangeArrowheads="1" noChangeShapeType="1" noTextEdit="1"/>
-              </p:cNvSpPr>
-              <p:nvPr/>
-            </p:nvSpPr>
-            <p:spPr>
-              <a:xfrm>
-                <a:off x="4916433" y="1741365"/>
-                <a:ext cx="716478" cy="338554"/>
-              </a:xfrm>
-              <a:prstGeom prst="rect">
-                <a:avLst/>
-              </a:prstGeom>
-              <a:blipFill>
-                <a:blip r:embed="rId8"/>
-                <a:stretch>
-                  <a:fillRect b="-18519"/>
-                </a:stretch>
-              </a:blipFill>
-            </p:spPr>
-            <p:txBody>
-              <a:bodyPr/>
-              <a:lstStyle/>
-              <a:p>
-                <a:r>
-                  <a:rPr lang="en-US">
-                    <a:noFill/>
-                  </a:rPr>
-                  <a:t> </a:t>
-                </a:r>
-              </a:p>
-            </p:txBody>
-          </p:sp>
-        </mc:Fallback>
-      </mc:AlternateContent>
-      <p:sp>
-        <p:nvSpPr>
-          <p:cNvPr id="58" name="Oval 57">
-            <a:extLst>
-              <a:ext uri="{FF2B5EF4-FFF2-40B4-BE49-F238E27FC236}">
-                <a16:creationId xmlns:a16="http://schemas.microsoft.com/office/drawing/2014/main" id="{663E4834-183D-824E-BFDF-4BEF73BB9D53}"/>
-              </a:ext>
-            </a:extLst>
-          </p:cNvPr>
-          <p:cNvSpPr/>
-          <p:nvPr/>
-        </p:nvSpPr>
-        <p:spPr>
-          <a:xfrm>
-            <a:off x="5579517" y="2020118"/>
-            <a:ext cx="301841" cy="301840"/>
-          </a:xfrm>
-          <a:prstGeom prst="ellipse">
-            <a:avLst/>
-          </a:prstGeom>
-        </p:spPr>
-        <p:style>
-          <a:lnRef idx="1">
-            <a:schemeClr val="accent1"/>
-          </a:lnRef>
-          <a:fillRef idx="3">
-            <a:schemeClr val="accent1"/>
-          </a:fillRef>
-          <a:effectRef idx="2">
-            <a:schemeClr val="accent1"/>
-          </a:effectRef>
-          <a:fontRef idx="minor">
-            <a:schemeClr val="lt1"/>
-          </a:fontRef>
-        </p:style>
-        <p:txBody>
-          <a:bodyPr rtlCol="0" anchor="ctr"/>
-          <a:lstStyle/>
-          <a:p>
-            <a:pPr algn="ctr"/>
-            <a:r>
-              <a:rPr lang="en-US" dirty="0"/>
-              <a:t>+</a:t>
-            </a:r>
-          </a:p>
-        </p:txBody>
-      </p:sp>
-      <p:cxnSp>
-        <p:nvCxnSpPr>
-          <p:cNvPr id="59" name="Straight Arrow Connector 58">
-            <a:extLst>
-              <a:ext uri="{FF2B5EF4-FFF2-40B4-BE49-F238E27FC236}">
-                <a16:creationId xmlns:a16="http://schemas.microsoft.com/office/drawing/2014/main" id="{05D7142B-DF18-474D-A65D-D0A0FA353A05}"/>
-              </a:ext>
-            </a:extLst>
-          </p:cNvPr>
-          <p:cNvCxnSpPr>
-            <a:cxnSpLocks/>
-            <a:stCxn id="58" idx="6"/>
-          </p:cNvCxnSpPr>
-          <p:nvPr/>
-        </p:nvCxnSpPr>
-        <p:spPr>
-          <a:xfrm flipV="1">
-            <a:off x="5881358" y="2162714"/>
-            <a:ext cx="866283" cy="8324"/>
-          </a:xfrm>
-          <a:prstGeom prst="straightConnector1">
-            <a:avLst/>
-          </a:prstGeom>
-          <a:ln>
-            <a:tailEnd type="triangle" w="lg" len="lg"/>
-          </a:ln>
-          <a:effectLst>
-            <a:outerShdw dist="20000" sx="1000" sy="1000" rotWithShape="0">
-              <a:srgbClr val="000000"/>
-            </a:outerShdw>
-          </a:effectLst>
-        </p:spPr>
-        <p:style>
-          <a:lnRef idx="2">
-            <a:schemeClr val="accent1"/>
-          </a:lnRef>
-          <a:fillRef idx="0">
-            <a:schemeClr val="accent1"/>
-          </a:fillRef>
-          <a:effectRef idx="1">
-            <a:schemeClr val="accent1"/>
-          </a:effectRef>
-          <a:fontRef idx="minor">
-            <a:schemeClr val="tx1"/>
-          </a:fontRef>
-        </p:style>
-      </p:cxnSp>
-      <p:cxnSp>
-        <p:nvCxnSpPr>
-          <p:cNvPr id="61" name="Straight Arrow Connector 60">
-            <a:extLst>
-              <a:ext uri="{FF2B5EF4-FFF2-40B4-BE49-F238E27FC236}">
-                <a16:creationId xmlns:a16="http://schemas.microsoft.com/office/drawing/2014/main" id="{F10DC58C-B601-3447-9B9C-2D712DE9DBD3}"/>
-              </a:ext>
-            </a:extLst>
-          </p:cNvPr>
-          <p:cNvCxnSpPr>
-            <a:cxnSpLocks/>
-            <a:endCxn id="58" idx="0"/>
-          </p:cNvCxnSpPr>
-          <p:nvPr/>
-        </p:nvCxnSpPr>
-        <p:spPr>
-          <a:xfrm flipH="1">
-            <a:off x="5730438" y="1462682"/>
-            <a:ext cx="6358" cy="557436"/>
-          </a:xfrm>
-          <a:prstGeom prst="straightConnector1">
-            <a:avLst/>
-          </a:prstGeom>
-          <a:ln>
-            <a:tailEnd type="triangle" w="lg" len="lg"/>
-          </a:ln>
-          <a:effectLst>
-            <a:outerShdw dist="20000" sx="1000" sy="1000" rotWithShape="0">
-              <a:srgbClr val="000000"/>
-            </a:outerShdw>
-          </a:effectLst>
-        </p:spPr>
-        <p:style>
-          <a:lnRef idx="2">
-            <a:schemeClr val="accent1"/>
-          </a:lnRef>
-          <a:fillRef idx="0">
-            <a:schemeClr val="accent1"/>
-          </a:fillRef>
-          <a:effectRef idx="1">
-            <a:schemeClr val="accent1"/>
-          </a:effectRef>
-          <a:fontRef idx="minor">
-            <a:schemeClr val="tx1"/>
-          </a:fontRef>
-        </p:style>
-      </p:cxnSp>
-      <mc:AlternateContent xmlns:mc="http://schemas.openxmlformats.org/markup-compatibility/2006">
-        <mc:Choice xmlns:a14="http://schemas.microsoft.com/office/drawing/2010/main" Requires="a14">
-          <p:sp>
-            <p:nvSpPr>
-              <p:cNvPr id="63" name="Rectangle 62">
-                <a:extLst>
-                  <a:ext uri="{FF2B5EF4-FFF2-40B4-BE49-F238E27FC236}">
-                    <a16:creationId xmlns:a16="http://schemas.microsoft.com/office/drawing/2014/main" id="{1336909E-06B1-E34C-AB3F-E36742C44926}"/>
-                  </a:ext>
-                </a:extLst>
-              </p:cNvPr>
-              <p:cNvSpPr>
-                <a:spLocks noChangeAspect="1"/>
-              </p:cNvSpPr>
-              <p:nvPr/>
-            </p:nvSpPr>
-            <p:spPr>
-              <a:xfrm>
-                <a:off x="3526483" y="2709870"/>
-                <a:ext cx="643565" cy="634949"/>
-              </a:xfrm>
-              <a:prstGeom prst="rect">
-                <a:avLst/>
-              </a:prstGeom>
-            </p:spPr>
-            <p:style>
-              <a:lnRef idx="1">
-                <a:schemeClr val="accent1"/>
-              </a:lnRef>
-              <a:fillRef idx="3">
-                <a:schemeClr val="accent1"/>
-              </a:fillRef>
-              <a:effectRef idx="2">
-                <a:schemeClr val="accent1"/>
-              </a:effectRef>
-              <a:fontRef idx="minor">
-                <a:schemeClr val="lt1"/>
-              </a:fontRef>
-            </p:style>
-            <p:txBody>
-              <a:bodyPr rtlCol="0" anchor="ctr"/>
-              <a:lstStyle/>
-              <a:p>
-                <a:pPr algn="ctr"/>
-                <a14:m>
-                  <m:oMathPara xmlns:m="http://schemas.openxmlformats.org/officeDocument/2006/math">
-                    <m:oMathParaPr>
-                      <m:jc m:val="centerGroup"/>
-                    </m:oMathParaPr>
-                    <m:oMath xmlns:m="http://schemas.openxmlformats.org/officeDocument/2006/math">
-                      <m:r>
-                        <m:rPr>
-                          <m:sty m:val="p"/>
-                        </m:rPr>
-                        <a:rPr lang="en-US" sz="1600" b="0" i="0" smtClean="0">
-                          <a:solidFill>
-                            <a:schemeClr val="bg1"/>
-                          </a:solidFill>
-                          <a:latin typeface="Cambria Math" panose="02040503050406030204" pitchFamily="18" charset="0"/>
-                        </a:rPr>
-                        <m:t>Filter</m:t>
-                      </m:r>
-                    </m:oMath>
-                  </m:oMathPara>
-                </a14:m>
-                <a:endParaRPr lang="en-US" sz="1600" dirty="0">
-                  <a:solidFill>
-                    <a:schemeClr val="bg1"/>
-                  </a:solidFill>
-                </a:endParaRPr>
-              </a:p>
-            </p:txBody>
-          </p:sp>
-        </mc:Choice>
-        <mc:Fallback>
-          <p:sp>
-            <p:nvSpPr>
-              <p:cNvPr id="63" name="Rectangle 62">
-                <a:extLst>
-                  <a:ext uri="{FF2B5EF4-FFF2-40B4-BE49-F238E27FC236}">
-                    <a16:creationId xmlns:a16="http://schemas.microsoft.com/office/drawing/2014/main" id="{1336909E-06B1-E34C-AB3F-E36742C44926}"/>
-                  </a:ext>
-                </a:extLst>
-              </p:cNvPr>
-              <p:cNvSpPr>
-                <a:spLocks noRot="1" noChangeAspect="1" noMove="1" noResize="1" noEditPoints="1" noAdjustHandles="1" noChangeArrowheads="1" noChangeShapeType="1" noTextEdit="1"/>
-              </p:cNvSpPr>
-              <p:nvPr/>
-            </p:nvSpPr>
-            <p:spPr>
-              <a:xfrm>
-                <a:off x="3526483" y="2709870"/>
-                <a:ext cx="643565" cy="634949"/>
-              </a:xfrm>
-              <a:prstGeom prst="rect">
-                <a:avLst/>
-              </a:prstGeom>
-              <a:blipFill>
-                <a:blip r:embed="rId9"/>
-                <a:stretch>
-                  <a:fillRect/>
-                </a:stretch>
-              </a:blipFill>
-            </p:spPr>
-            <p:txBody>
-              <a:bodyPr/>
-              <a:lstStyle/>
-              <a:p>
-                <a:r>
-                  <a:rPr lang="en-US">
-                    <a:noFill/>
-                  </a:rPr>
-                  <a:t> </a:t>
-                </a:r>
-              </a:p>
-            </p:txBody>
-          </p:sp>
-        </mc:Fallback>
-      </mc:AlternateContent>
-      <p:cxnSp>
-        <p:nvCxnSpPr>
-          <p:cNvPr id="64" name="Elbow Connector 63">
-            <a:extLst>
-              <a:ext uri="{FF2B5EF4-FFF2-40B4-BE49-F238E27FC236}">
-                <a16:creationId xmlns:a16="http://schemas.microsoft.com/office/drawing/2014/main" id="{320150CC-EEFB-1346-9D45-02D18A784683}"/>
-              </a:ext>
-            </a:extLst>
-          </p:cNvPr>
-          <p:cNvCxnSpPr>
-            <a:cxnSpLocks/>
-            <a:stCxn id="58" idx="4"/>
-            <a:endCxn id="63" idx="3"/>
-          </p:cNvCxnSpPr>
-          <p:nvPr/>
-        </p:nvCxnSpPr>
-        <p:spPr>
-          <a:xfrm rot="5400000">
-            <a:off x="4597550" y="1894456"/>
-            <a:ext cx="705387" cy="1560390"/>
-          </a:xfrm>
-          <a:prstGeom prst="bentConnector2">
-            <a:avLst/>
-          </a:prstGeom>
-          <a:ln w="19050">
-            <a:tailEnd type="triangle" w="lg" len="lg"/>
-          </a:ln>
-          <a:effectLst>
-            <a:outerShdw dist="20000" sx="1000" sy="1000" rotWithShape="0">
-              <a:srgbClr val="000000"/>
-            </a:outerShdw>
-          </a:effectLst>
-        </p:spPr>
-        <p:style>
-          <a:lnRef idx="2">
-            <a:schemeClr val="accent1"/>
-          </a:lnRef>
-          <a:fillRef idx="0">
-            <a:schemeClr val="accent1"/>
-          </a:fillRef>
-          <a:effectRef idx="1">
-            <a:schemeClr val="accent1"/>
-          </a:effectRef>
-          <a:fontRef idx="minor">
-            <a:schemeClr val="tx1"/>
-          </a:fontRef>
-        </p:style>
-      </p:cxnSp>
-      <mc:AlternateContent xmlns:mc="http://schemas.openxmlformats.org/markup-compatibility/2006">
-        <mc:Choice xmlns:a14="http://schemas.microsoft.com/office/drawing/2010/main" Requires="a14">
-          <p:sp>
-            <p:nvSpPr>
-              <p:cNvPr id="10" name="Text Placeholder 4">
-                <a:extLst>
-                  <a:ext uri="{FF2B5EF4-FFF2-40B4-BE49-F238E27FC236}">
-                    <a16:creationId xmlns:a16="http://schemas.microsoft.com/office/drawing/2014/main" id="{DB1B42CF-51D4-794F-631B-9D28E05C1EA3}"/>
-                  </a:ext>
-                </a:extLst>
-              </p:cNvPr>
-              <p:cNvSpPr txBox="1">
-                <a:spLocks/>
-              </p:cNvSpPr>
-              <p:nvPr/>
-            </p:nvSpPr>
-            <p:spPr>
-              <a:xfrm>
-                <a:off x="447675" y="3361059"/>
-                <a:ext cx="4355553" cy="3126829"/>
-              </a:xfrm>
-              <a:prstGeom prst="rect">
-                <a:avLst/>
-              </a:prstGeom>
-            </p:spPr>
-            <p:txBody>
-              <a:bodyPr/>
-              <a:lstStyle>
-                <a:defPPr marR="0" lvl="0" algn="l" rtl="0">
-                  <a:lnSpc>
-                    <a:spcPct val="100000"/>
-                  </a:lnSpc>
-                  <a:spcBef>
-                    <a:spcPts val="0"/>
-                  </a:spcBef>
-                  <a:spcAft>
-                    <a:spcPts val="0"/>
-                  </a:spcAft>
-                </a:defPPr>
-                <a:lvl1pPr marR="0" lvl="0" algn="l" rtl="0">
-                  <a:lnSpc>
-                    <a:spcPct val="100000"/>
-                  </a:lnSpc>
-                  <a:spcBef>
-                    <a:spcPts val="0"/>
-                  </a:spcBef>
-                  <a:spcAft>
-                    <a:spcPts val="0"/>
-                  </a:spcAft>
-                  <a:buClr>
-                    <a:srgbClr val="000000"/>
-                  </a:buClr>
-                  <a:buFont typeface="Arial"/>
-                  <a:defRPr sz="1400" b="0" i="0" u="none" strike="noStrike" cap="none">
-                    <a:solidFill>
-                      <a:srgbClr val="000000"/>
-                    </a:solidFill>
-                    <a:latin typeface="Arial"/>
-                    <a:ea typeface="Arial"/>
-                    <a:cs typeface="Arial"/>
-                    <a:sym typeface="Arial"/>
-                  </a:defRPr>
-                </a:lvl1pPr>
-                <a:lvl2pPr marR="0" lvl="1" algn="l" rtl="0">
-                  <a:lnSpc>
-                    <a:spcPct val="100000"/>
-                  </a:lnSpc>
-                  <a:spcBef>
-                    <a:spcPts val="0"/>
-                  </a:spcBef>
-                  <a:spcAft>
-                    <a:spcPts val="0"/>
-                  </a:spcAft>
-                  <a:buClr>
-                    <a:srgbClr val="000000"/>
-                  </a:buClr>
-                  <a:buFont typeface="Arial"/>
-                  <a:defRPr sz="1400" b="0" i="0" u="none" strike="noStrike" cap="none">
-                    <a:solidFill>
-                      <a:srgbClr val="000000"/>
-                    </a:solidFill>
-                    <a:latin typeface="Arial"/>
-                    <a:ea typeface="Arial"/>
-                    <a:cs typeface="Arial"/>
-                    <a:sym typeface="Arial"/>
-                  </a:defRPr>
-                </a:lvl2pPr>
-                <a:lvl3pPr marR="0" lvl="2" algn="l" rtl="0">
-                  <a:lnSpc>
-                    <a:spcPct val="100000"/>
-                  </a:lnSpc>
-                  <a:spcBef>
-                    <a:spcPts val="0"/>
-                  </a:spcBef>
-                  <a:spcAft>
-                    <a:spcPts val="0"/>
-                  </a:spcAft>
-                  <a:buClr>
-                    <a:srgbClr val="000000"/>
-                  </a:buClr>
-                  <a:buFont typeface="Arial"/>
-                  <a:defRPr sz="1400" b="0" i="0" u="none" strike="noStrike" cap="none">
-                    <a:solidFill>
-                      <a:srgbClr val="000000"/>
-                    </a:solidFill>
-                    <a:latin typeface="Arial"/>
-                    <a:ea typeface="Arial"/>
-                    <a:cs typeface="Arial"/>
-                    <a:sym typeface="Arial"/>
-                  </a:defRPr>
-                </a:lvl3pPr>
-                <a:lvl4pPr marR="0" lvl="3" algn="l" rtl="0">
-                  <a:lnSpc>
-                    <a:spcPct val="100000"/>
-                  </a:lnSpc>
-                  <a:spcBef>
-                    <a:spcPts val="0"/>
-                  </a:spcBef>
-                  <a:spcAft>
-                    <a:spcPts val="0"/>
-                  </a:spcAft>
-                  <a:buClr>
-                    <a:srgbClr val="000000"/>
-                  </a:buClr>
-                  <a:buFont typeface="Arial"/>
-                  <a:defRPr sz="1400" b="0" i="0" u="none" strike="noStrike" cap="none">
-                    <a:solidFill>
-                      <a:srgbClr val="000000"/>
-                    </a:solidFill>
-                    <a:latin typeface="Arial"/>
-                    <a:ea typeface="Arial"/>
-                    <a:cs typeface="Arial"/>
-                    <a:sym typeface="Arial"/>
-                  </a:defRPr>
-                </a:lvl4pPr>
-                <a:lvl5pPr marR="0" lvl="4" algn="l" rtl="0">
-                  <a:lnSpc>
-                    <a:spcPct val="100000"/>
-                  </a:lnSpc>
-                  <a:spcBef>
-                    <a:spcPts val="0"/>
-                  </a:spcBef>
-                  <a:spcAft>
-                    <a:spcPts val="0"/>
-                  </a:spcAft>
-                  <a:buClr>
-                    <a:srgbClr val="000000"/>
-                  </a:buClr>
-                  <a:buFont typeface="Arial"/>
-                  <a:defRPr sz="1400" b="0" i="0" u="none" strike="noStrike" cap="none">
-                    <a:solidFill>
-                      <a:srgbClr val="000000"/>
-                    </a:solidFill>
-                    <a:latin typeface="Arial"/>
-                    <a:ea typeface="Arial"/>
-                    <a:cs typeface="Arial"/>
-                    <a:sym typeface="Arial"/>
-                  </a:defRPr>
-                </a:lvl5pPr>
-                <a:lvl6pPr marR="0" lvl="5" algn="l" rtl="0">
-                  <a:lnSpc>
-                    <a:spcPct val="100000"/>
-                  </a:lnSpc>
-                  <a:spcBef>
-                    <a:spcPts val="0"/>
-                  </a:spcBef>
-                  <a:spcAft>
-                    <a:spcPts val="0"/>
-                  </a:spcAft>
-                  <a:buClr>
-                    <a:srgbClr val="000000"/>
-                  </a:buClr>
-                  <a:buFont typeface="Arial"/>
-                  <a:defRPr sz="1400" b="0" i="0" u="none" strike="noStrike" cap="none">
-                    <a:solidFill>
-                      <a:srgbClr val="000000"/>
-                    </a:solidFill>
-                    <a:latin typeface="Arial"/>
-                    <a:ea typeface="Arial"/>
-                    <a:cs typeface="Arial"/>
-                    <a:sym typeface="Arial"/>
-                  </a:defRPr>
-                </a:lvl6pPr>
-                <a:lvl7pPr marR="0" lvl="6" algn="l" rtl="0">
-                  <a:lnSpc>
-                    <a:spcPct val="100000"/>
-                  </a:lnSpc>
-                  <a:spcBef>
-                    <a:spcPts val="0"/>
-                  </a:spcBef>
-                  <a:spcAft>
-                    <a:spcPts val="0"/>
-                  </a:spcAft>
-                  <a:buClr>
-                    <a:srgbClr val="000000"/>
-                  </a:buClr>
-                  <a:buFont typeface="Arial"/>
-                  <a:defRPr sz="1400" b="0" i="0" u="none" strike="noStrike" cap="none">
-                    <a:solidFill>
-                      <a:srgbClr val="000000"/>
-                    </a:solidFill>
-                    <a:latin typeface="Arial"/>
-                    <a:ea typeface="Arial"/>
-                    <a:cs typeface="Arial"/>
-                    <a:sym typeface="Arial"/>
-                  </a:defRPr>
-                </a:lvl7pPr>
-                <a:lvl8pPr marR="0" lvl="7" algn="l" rtl="0">
-                  <a:lnSpc>
-                    <a:spcPct val="100000"/>
-                  </a:lnSpc>
-                  <a:spcBef>
-                    <a:spcPts val="0"/>
-                  </a:spcBef>
-                  <a:spcAft>
-                    <a:spcPts val="0"/>
-                  </a:spcAft>
-                  <a:buClr>
-                    <a:srgbClr val="000000"/>
-                  </a:buClr>
-                  <a:buFont typeface="Arial"/>
-                  <a:defRPr sz="1400" b="0" i="0" u="none" strike="noStrike" cap="none">
-                    <a:solidFill>
-                      <a:srgbClr val="000000"/>
-                    </a:solidFill>
-                    <a:latin typeface="Arial"/>
-                    <a:ea typeface="Arial"/>
-                    <a:cs typeface="Arial"/>
-                    <a:sym typeface="Arial"/>
-                  </a:defRPr>
-                </a:lvl8pPr>
-                <a:lvl9pPr marR="0" lvl="8" algn="l" rtl="0">
-                  <a:lnSpc>
-                    <a:spcPct val="100000"/>
-                  </a:lnSpc>
-                  <a:spcBef>
-                    <a:spcPts val="0"/>
-                  </a:spcBef>
-                  <a:spcAft>
-                    <a:spcPts val="0"/>
-                  </a:spcAft>
-                  <a:buClr>
-                    <a:srgbClr val="000000"/>
-                  </a:buClr>
-                  <a:buFont typeface="Arial"/>
-                  <a:defRPr sz="1400" b="0" i="0" u="none" strike="noStrike" cap="none">
-                    <a:solidFill>
-                      <a:srgbClr val="000000"/>
-                    </a:solidFill>
-                    <a:latin typeface="Arial"/>
-                    <a:ea typeface="Arial"/>
-                    <a:cs typeface="Arial"/>
-                    <a:sym typeface="Arial"/>
-                  </a:defRPr>
-                </a:lvl9pPr>
-              </a:lstStyle>
-              <a:p>
-                <a:pPr marL="25400"/>
-                <a:r>
-                  <a:rPr lang="en-US" sz="2400" b="1" dirty="0">
-                    <a:latin typeface="Calibri" panose="020F0502020204030204" pitchFamily="34" charset="0"/>
-                    <a:cs typeface="Calibri" panose="020F0502020204030204" pitchFamily="34" charset="0"/>
-                  </a:rPr>
-                  <a:t>Signals</a:t>
-                </a:r>
-              </a:p>
-              <a:p>
-                <a14:m>
-                  <m:oMath xmlns:m="http://schemas.openxmlformats.org/officeDocument/2006/math">
-                    <m:r>
-                      <a:rPr lang="en-US" sz="2400" i="1" smtClean="0">
-                        <a:latin typeface="Cambria Math" panose="02040503050406030204" pitchFamily="18" charset="0"/>
-                      </a:rPr>
-                      <m:t>𝑟</m:t>
-                    </m:r>
-                    <m:r>
-                      <a:rPr lang="en-US" sz="2400" i="1" smtClean="0">
-                        <a:latin typeface="Cambria Math" panose="02040503050406030204" pitchFamily="18" charset="0"/>
-                      </a:rPr>
-                      <m:t>(</m:t>
-                    </m:r>
-                    <m:r>
-                      <a:rPr lang="en-US" sz="2400" i="1" smtClean="0">
-                        <a:latin typeface="Cambria Math" panose="02040503050406030204" pitchFamily="18" charset="0"/>
-                      </a:rPr>
-                      <m:t>𝑡</m:t>
-                    </m:r>
-                    <m:r>
-                      <a:rPr lang="en-US" sz="2400" i="1" smtClean="0">
-                        <a:latin typeface="Cambria Math" panose="02040503050406030204" pitchFamily="18" charset="0"/>
-                      </a:rPr>
-                      <m:t>)</m:t>
-                    </m:r>
-                  </m:oMath>
-                </a14:m>
-                <a:r>
-                  <a:rPr lang="en-US" sz="2400" dirty="0"/>
-                  <a:t>: reference input</a:t>
-                </a:r>
-              </a:p>
-              <a:p>
-                <a14:m>
-                  <m:oMath xmlns:m="http://schemas.openxmlformats.org/officeDocument/2006/math">
-                    <m:r>
-                      <a:rPr lang="en-US" sz="2400" i="1" smtClean="0">
-                        <a:latin typeface="Cambria Math" panose="02040503050406030204" pitchFamily="18" charset="0"/>
-                      </a:rPr>
-                      <m:t>𝑒</m:t>
-                    </m:r>
-                    <m:r>
-                      <a:rPr lang="en-US" sz="2400" i="1" smtClean="0">
-                        <a:latin typeface="Cambria Math" panose="02040503050406030204" pitchFamily="18" charset="0"/>
-                      </a:rPr>
-                      <m:t>(</m:t>
-                    </m:r>
-                    <m:r>
-                      <a:rPr lang="en-US" sz="2400" i="1" smtClean="0">
-                        <a:latin typeface="Cambria Math" panose="02040503050406030204" pitchFamily="18" charset="0"/>
-                      </a:rPr>
-                      <m:t>𝑡</m:t>
-                    </m:r>
-                    <m:r>
-                      <a:rPr lang="en-US" sz="2400" i="1" smtClean="0">
-                        <a:latin typeface="Cambria Math" panose="02040503050406030204" pitchFamily="18" charset="0"/>
-                      </a:rPr>
-                      <m:t>)</m:t>
-                    </m:r>
-                  </m:oMath>
-                </a14:m>
-                <a:r>
-                  <a:rPr lang="en-US" sz="2400" dirty="0"/>
-                  <a:t>: control error</a:t>
-                </a:r>
-              </a:p>
-              <a:p>
-                <a14:m>
-                  <m:oMath xmlns:m="http://schemas.openxmlformats.org/officeDocument/2006/math">
-                    <m:r>
-                      <a:rPr lang="en-US" sz="2400" b="0" i="1" smtClean="0">
-                        <a:latin typeface="Cambria Math" panose="02040503050406030204" pitchFamily="18" charset="0"/>
-                      </a:rPr>
-                      <m:t>𝑚</m:t>
-                    </m:r>
-                    <m:r>
-                      <a:rPr lang="en-US" sz="2400" i="1" smtClean="0">
-                        <a:latin typeface="Cambria Math" panose="02040503050406030204" pitchFamily="18" charset="0"/>
-                      </a:rPr>
-                      <m:t>(</m:t>
-                    </m:r>
-                    <m:r>
-                      <a:rPr lang="en-US" sz="2400" i="1" smtClean="0">
-                        <a:latin typeface="Cambria Math" panose="02040503050406030204" pitchFamily="18" charset="0"/>
-                      </a:rPr>
-                      <m:t>𝑡</m:t>
-                    </m:r>
-                    <m:r>
-                      <a:rPr lang="en-US" sz="2400" i="1" smtClean="0">
-                        <a:latin typeface="Cambria Math" panose="02040503050406030204" pitchFamily="18" charset="0"/>
-                      </a:rPr>
-                      <m:t>)</m:t>
-                    </m:r>
-                  </m:oMath>
-                </a14:m>
-                <a:r>
-                  <a:rPr lang="en-US" sz="2400" dirty="0"/>
-                  <a:t>: measured output</a:t>
-                </a:r>
-              </a:p>
-              <a:p>
-                <a14:m>
-                  <m:oMath xmlns:m="http://schemas.openxmlformats.org/officeDocument/2006/math">
-                    <m:r>
-                      <a:rPr lang="en-US" sz="2400" b="0" i="1" smtClean="0">
-                        <a:latin typeface="Cambria Math" panose="02040503050406030204" pitchFamily="18" charset="0"/>
-                      </a:rPr>
-                      <m:t>𝑓</m:t>
-                    </m:r>
-                    <m:r>
-                      <a:rPr lang="en-US" sz="2400" i="1" smtClean="0">
-                        <a:latin typeface="Cambria Math" panose="02040503050406030204" pitchFamily="18" charset="0"/>
-                      </a:rPr>
-                      <m:t>(</m:t>
-                    </m:r>
-                    <m:r>
-                      <a:rPr lang="en-US" sz="2400" i="1" smtClean="0">
-                        <a:latin typeface="Cambria Math" panose="02040503050406030204" pitchFamily="18" charset="0"/>
-                      </a:rPr>
-                      <m:t>𝑡</m:t>
-                    </m:r>
-                    <m:r>
-                      <a:rPr lang="en-US" sz="2400" i="1" smtClean="0">
-                        <a:latin typeface="Cambria Math" panose="02040503050406030204" pitchFamily="18" charset="0"/>
-                      </a:rPr>
-                      <m:t>)</m:t>
-                    </m:r>
-                  </m:oMath>
-                </a14:m>
-                <a:r>
-                  <a:rPr lang="en-US" sz="2400" dirty="0"/>
-                  <a:t>: filtered output</a:t>
-                </a:r>
-              </a:p>
-              <a:p>
-                <a:r>
-                  <a:rPr lang="en-US" sz="2400" dirty="0"/>
-                  <a:t>Actuator disturbance</a:t>
-                </a:r>
-              </a:p>
-              <a:p>
-                <a:r>
-                  <a:rPr lang="en-US" sz="2400" dirty="0"/>
-                  <a:t>Measurement Noise</a:t>
-                </a:r>
-              </a:p>
-              <a:p>
-                <a:pPr marL="25400"/>
-                <a:endParaRPr lang="en-US" sz="2400" dirty="0"/>
-              </a:p>
-              <a:p>
-                <a:endParaRPr lang="en-US" sz="2400" i="1" dirty="0"/>
-              </a:p>
-              <a:p>
-                <a:endParaRPr lang="en-US" sz="2400" i="1" dirty="0"/>
-              </a:p>
-            </p:txBody>
-          </p:sp>
-        </mc:Choice>
-        <mc:Fallback>
-          <p:sp>
-            <p:nvSpPr>
-              <p:cNvPr id="10" name="Text Placeholder 4">
-                <a:extLst>
-                  <a:ext uri="{FF2B5EF4-FFF2-40B4-BE49-F238E27FC236}">
-                    <a16:creationId xmlns:a16="http://schemas.microsoft.com/office/drawing/2014/main" id="{DB1B42CF-51D4-794F-631B-9D28E05C1EA3}"/>
-                  </a:ext>
-                </a:extLst>
-              </p:cNvPr>
-              <p:cNvSpPr txBox="1">
-                <a:spLocks noRot="1" noChangeAspect="1" noMove="1" noResize="1" noEditPoints="1" noAdjustHandles="1" noChangeArrowheads="1" noChangeShapeType="1" noTextEdit="1"/>
-              </p:cNvSpPr>
-              <p:nvPr/>
-            </p:nvSpPr>
-            <p:spPr>
-              <a:xfrm>
-                <a:off x="447675" y="3361059"/>
-                <a:ext cx="4355553" cy="3126829"/>
-              </a:xfrm>
-              <a:prstGeom prst="rect">
-                <a:avLst/>
-              </a:prstGeom>
-              <a:blipFill>
-                <a:blip r:embed="rId10"/>
-                <a:stretch>
-                  <a:fillRect l="-2326" t="-1619"/>
-                </a:stretch>
-              </a:blipFill>
-            </p:spPr>
-            <p:txBody>
-              <a:bodyPr/>
-              <a:lstStyle/>
-              <a:p>
-                <a:r>
-                  <a:rPr lang="en-US">
-                    <a:noFill/>
-                  </a:rPr>
-                  <a:t> </a:t>
-                </a:r>
-              </a:p>
-            </p:txBody>
-          </p:sp>
-        </mc:Fallback>
-      </mc:AlternateContent>
-      <p:sp>
-        <p:nvSpPr>
-          <p:cNvPr id="11" name="Text Placeholder 4">
-            <a:extLst>
-              <a:ext uri="{FF2B5EF4-FFF2-40B4-BE49-F238E27FC236}">
-                <a16:creationId xmlns:a16="http://schemas.microsoft.com/office/drawing/2014/main" id="{A915CA75-DCDD-5876-379A-7EA9B42197B3}"/>
-              </a:ext>
-            </a:extLst>
-          </p:cNvPr>
-          <p:cNvSpPr txBox="1">
-            <a:spLocks/>
-          </p:cNvSpPr>
-          <p:nvPr/>
-        </p:nvSpPr>
-        <p:spPr>
-          <a:xfrm>
-            <a:off x="4559354" y="3410116"/>
-            <a:ext cx="4355553" cy="1614228"/>
-          </a:xfrm>
-          <a:prstGeom prst="rect">
-            <a:avLst/>
-          </a:prstGeom>
-        </p:spPr>
-        <p:txBody>
-          <a:bodyPr/>
-          <a:lstStyle>
-            <a:defPPr marR="0" lvl="0" algn="l" rtl="0">
-              <a:lnSpc>
-                <a:spcPct val="100000"/>
-              </a:lnSpc>
-              <a:spcBef>
-                <a:spcPts val="0"/>
-              </a:spcBef>
-              <a:spcAft>
-                <a:spcPts val="0"/>
-              </a:spcAft>
-            </a:defPPr>
-            <a:lvl1pPr marR="0" lvl="0" algn="l" rtl="0">
-              <a:lnSpc>
-                <a:spcPct val="100000"/>
-              </a:lnSpc>
-              <a:spcBef>
-                <a:spcPts val="0"/>
-              </a:spcBef>
-              <a:spcAft>
-                <a:spcPts val="0"/>
-              </a:spcAft>
-              <a:buClr>
-                <a:srgbClr val="000000"/>
-              </a:buClr>
-              <a:buFont typeface="Arial"/>
-              <a:defRPr sz="1400" b="0" i="0" u="none" strike="noStrike" cap="none">
-                <a:solidFill>
-                  <a:srgbClr val="000000"/>
-                </a:solidFill>
-                <a:latin typeface="Arial"/>
-                <a:ea typeface="Arial"/>
-                <a:cs typeface="Arial"/>
-                <a:sym typeface="Arial"/>
-              </a:defRPr>
-            </a:lvl1pPr>
-            <a:lvl2pPr marR="0" lvl="1" algn="l" rtl="0">
-              <a:lnSpc>
-                <a:spcPct val="100000"/>
-              </a:lnSpc>
-              <a:spcBef>
-                <a:spcPts val="0"/>
-              </a:spcBef>
-              <a:spcAft>
-                <a:spcPts val="0"/>
-              </a:spcAft>
-              <a:buClr>
-                <a:srgbClr val="000000"/>
-              </a:buClr>
-              <a:buFont typeface="Arial"/>
-              <a:defRPr sz="1400" b="0" i="0" u="none" strike="noStrike" cap="none">
-                <a:solidFill>
-                  <a:srgbClr val="000000"/>
-                </a:solidFill>
-                <a:latin typeface="Arial"/>
-                <a:ea typeface="Arial"/>
-                <a:cs typeface="Arial"/>
-                <a:sym typeface="Arial"/>
-              </a:defRPr>
-            </a:lvl2pPr>
-            <a:lvl3pPr marR="0" lvl="2" algn="l" rtl="0">
-              <a:lnSpc>
-                <a:spcPct val="100000"/>
-              </a:lnSpc>
-              <a:spcBef>
-                <a:spcPts val="0"/>
-              </a:spcBef>
-              <a:spcAft>
-                <a:spcPts val="0"/>
-              </a:spcAft>
-              <a:buClr>
-                <a:srgbClr val="000000"/>
-              </a:buClr>
-              <a:buFont typeface="Arial"/>
-              <a:defRPr sz="1400" b="0" i="0" u="none" strike="noStrike" cap="none">
-                <a:solidFill>
-                  <a:srgbClr val="000000"/>
-                </a:solidFill>
-                <a:latin typeface="Arial"/>
-                <a:ea typeface="Arial"/>
-                <a:cs typeface="Arial"/>
-                <a:sym typeface="Arial"/>
-              </a:defRPr>
-            </a:lvl3pPr>
-            <a:lvl4pPr marR="0" lvl="3" algn="l" rtl="0">
-              <a:lnSpc>
-                <a:spcPct val="100000"/>
-              </a:lnSpc>
-              <a:spcBef>
-                <a:spcPts val="0"/>
-              </a:spcBef>
-              <a:spcAft>
-                <a:spcPts val="0"/>
-              </a:spcAft>
-              <a:buClr>
-                <a:srgbClr val="000000"/>
-              </a:buClr>
-              <a:buFont typeface="Arial"/>
-              <a:defRPr sz="1400" b="0" i="0" u="none" strike="noStrike" cap="none">
-                <a:solidFill>
-                  <a:srgbClr val="000000"/>
-                </a:solidFill>
-                <a:latin typeface="Arial"/>
-                <a:ea typeface="Arial"/>
-                <a:cs typeface="Arial"/>
-                <a:sym typeface="Arial"/>
-              </a:defRPr>
-            </a:lvl4pPr>
-            <a:lvl5pPr marR="0" lvl="4" algn="l" rtl="0">
-              <a:lnSpc>
-                <a:spcPct val="100000"/>
-              </a:lnSpc>
-              <a:spcBef>
-                <a:spcPts val="0"/>
-              </a:spcBef>
-              <a:spcAft>
-                <a:spcPts val="0"/>
-              </a:spcAft>
-              <a:buClr>
-                <a:srgbClr val="000000"/>
-              </a:buClr>
-              <a:buFont typeface="Arial"/>
-              <a:defRPr sz="1400" b="0" i="0" u="none" strike="noStrike" cap="none">
-                <a:solidFill>
-                  <a:srgbClr val="000000"/>
-                </a:solidFill>
-                <a:latin typeface="Arial"/>
-                <a:ea typeface="Arial"/>
-                <a:cs typeface="Arial"/>
-                <a:sym typeface="Arial"/>
-              </a:defRPr>
-            </a:lvl5pPr>
-            <a:lvl6pPr marR="0" lvl="5" algn="l" rtl="0">
-              <a:lnSpc>
-                <a:spcPct val="100000"/>
-              </a:lnSpc>
-              <a:spcBef>
-                <a:spcPts val="0"/>
-              </a:spcBef>
-              <a:spcAft>
-                <a:spcPts val="0"/>
-              </a:spcAft>
-              <a:buClr>
-                <a:srgbClr val="000000"/>
-              </a:buClr>
-              <a:buFont typeface="Arial"/>
-              <a:defRPr sz="1400" b="0" i="0" u="none" strike="noStrike" cap="none">
-                <a:solidFill>
-                  <a:srgbClr val="000000"/>
-                </a:solidFill>
-                <a:latin typeface="Arial"/>
-                <a:ea typeface="Arial"/>
-                <a:cs typeface="Arial"/>
-                <a:sym typeface="Arial"/>
-              </a:defRPr>
-            </a:lvl6pPr>
-            <a:lvl7pPr marR="0" lvl="6" algn="l" rtl="0">
-              <a:lnSpc>
-                <a:spcPct val="100000"/>
-              </a:lnSpc>
-              <a:spcBef>
-                <a:spcPts val="0"/>
-              </a:spcBef>
-              <a:spcAft>
-                <a:spcPts val="0"/>
-              </a:spcAft>
-              <a:buClr>
-                <a:srgbClr val="000000"/>
-              </a:buClr>
-              <a:buFont typeface="Arial"/>
-              <a:defRPr sz="1400" b="0" i="0" u="none" strike="noStrike" cap="none">
-                <a:solidFill>
-                  <a:srgbClr val="000000"/>
-                </a:solidFill>
-                <a:latin typeface="Arial"/>
-                <a:ea typeface="Arial"/>
-                <a:cs typeface="Arial"/>
-                <a:sym typeface="Arial"/>
-              </a:defRPr>
-            </a:lvl7pPr>
-            <a:lvl8pPr marR="0" lvl="7" algn="l" rtl="0">
-              <a:lnSpc>
-                <a:spcPct val="100000"/>
-              </a:lnSpc>
-              <a:spcBef>
-                <a:spcPts val="0"/>
-              </a:spcBef>
-              <a:spcAft>
-                <a:spcPts val="0"/>
-              </a:spcAft>
-              <a:buClr>
-                <a:srgbClr val="000000"/>
-              </a:buClr>
-              <a:buFont typeface="Arial"/>
-              <a:defRPr sz="1400" b="0" i="0" u="none" strike="noStrike" cap="none">
-                <a:solidFill>
-                  <a:srgbClr val="000000"/>
-                </a:solidFill>
-                <a:latin typeface="Arial"/>
-                <a:ea typeface="Arial"/>
-                <a:cs typeface="Arial"/>
-                <a:sym typeface="Arial"/>
-              </a:defRPr>
-            </a:lvl8pPr>
-            <a:lvl9pPr marR="0" lvl="8" algn="l" rtl="0">
-              <a:lnSpc>
-                <a:spcPct val="100000"/>
-              </a:lnSpc>
-              <a:spcBef>
-                <a:spcPts val="0"/>
-              </a:spcBef>
-              <a:spcAft>
-                <a:spcPts val="0"/>
-              </a:spcAft>
-              <a:buClr>
-                <a:srgbClr val="000000"/>
-              </a:buClr>
-              <a:buFont typeface="Arial"/>
-              <a:defRPr sz="1400" b="0" i="0" u="none" strike="noStrike" cap="none">
-                <a:solidFill>
-                  <a:srgbClr val="000000"/>
-                </a:solidFill>
-                <a:latin typeface="Arial"/>
-                <a:ea typeface="Arial"/>
-                <a:cs typeface="Arial"/>
-                <a:sym typeface="Arial"/>
-              </a:defRPr>
-            </a:lvl9pPr>
-          </a:lstStyle>
-          <a:p>
-            <a:pPr marL="25400"/>
-            <a:r>
-              <a:rPr lang="en-US" sz="2400" b="1" dirty="0"/>
-              <a:t>Systems</a:t>
-            </a:r>
-          </a:p>
-          <a:p>
-            <a:r>
-              <a:rPr lang="en-US" sz="2400" dirty="0"/>
-              <a:t>Open loop system (OLS)</a:t>
-            </a:r>
-          </a:p>
-          <a:p>
-            <a:r>
-              <a:rPr lang="en-US" sz="2400" dirty="0"/>
-              <a:t>Controller</a:t>
-            </a:r>
-          </a:p>
-          <a:p>
-            <a:r>
-              <a:rPr lang="en-US" sz="2400" dirty="0"/>
-              <a:t>Filter</a:t>
-            </a:r>
-          </a:p>
-          <a:p>
-            <a:pPr marL="25400"/>
-            <a:endParaRPr lang="en-US" sz="2400" dirty="0"/>
-          </a:p>
-          <a:p>
-            <a:endParaRPr lang="en-US" sz="2400" i="1" dirty="0"/>
-          </a:p>
-          <a:p>
-            <a:endParaRPr lang="en-US" sz="2400" i="1" dirty="0"/>
-          </a:p>
-        </p:txBody>
-      </p:sp>
-      <mc:AlternateContent xmlns:mc="http://schemas.openxmlformats.org/markup-compatibility/2006">
-        <mc:Choice xmlns:a14="http://schemas.microsoft.com/office/drawing/2010/main" Requires="a14">
-          <p:sp>
-            <p:nvSpPr>
-              <p:cNvPr id="4" name="Rectangle 3">
-                <a:extLst>
-                  <a:ext uri="{FF2B5EF4-FFF2-40B4-BE49-F238E27FC236}">
-                    <a16:creationId xmlns:a16="http://schemas.microsoft.com/office/drawing/2014/main" id="{132DA671-7A13-694B-DE37-8A8DBB480BCA}"/>
-                  </a:ext>
-                </a:extLst>
-              </p:cNvPr>
-              <p:cNvSpPr/>
-              <p:nvPr/>
-            </p:nvSpPr>
-            <p:spPr>
-              <a:xfrm>
-                <a:off x="2698134" y="2694281"/>
-                <a:ext cx="716478" cy="338554"/>
-              </a:xfrm>
-              <a:prstGeom prst="rect">
-                <a:avLst/>
-              </a:prstGeom>
-            </p:spPr>
-            <p:txBody>
-              <a:bodyPr wrap="square">
-                <a:spAutoFit/>
-              </a:bodyPr>
-              <a:lstStyle/>
-              <a:p>
-                <a:pPr/>
-                <a:r>
-                  <a:rPr lang="en-US" sz="1600" b="0" i="1" dirty="0">
-                    <a:solidFill>
-                      <a:schemeClr val="tx1"/>
-                    </a:solidFill>
-                  </a:rPr>
-                  <a:t>f</a:t>
-                </a:r>
-                <a14:m>
-                  <m:oMath xmlns:m="http://schemas.openxmlformats.org/officeDocument/2006/math">
-                    <m:r>
-                      <a:rPr lang="en-US" sz="1600" b="0" i="1" smtClean="0">
-                        <a:solidFill>
-                          <a:schemeClr val="tx1"/>
-                        </a:solidFill>
-                        <a:latin typeface="Cambria Math" panose="02040503050406030204" pitchFamily="18" charset="0"/>
-                      </a:rPr>
-                      <m:t>(</m:t>
-                    </m:r>
-                    <m:r>
-                      <a:rPr lang="en-US" sz="1600" b="0" i="1" smtClean="0">
-                        <a:solidFill>
-                          <a:schemeClr val="tx1"/>
-                        </a:solidFill>
-                        <a:latin typeface="Cambria Math" panose="02040503050406030204" pitchFamily="18" charset="0"/>
-                      </a:rPr>
-                      <m:t>𝑡</m:t>
-                    </m:r>
-                    <m:r>
-                      <a:rPr lang="en-US" sz="1600" b="0" i="1" smtClean="0">
-                        <a:solidFill>
-                          <a:schemeClr val="tx1"/>
-                        </a:solidFill>
-                        <a:latin typeface="Cambria Math" panose="02040503050406030204" pitchFamily="18" charset="0"/>
-                      </a:rPr>
-                      <m:t>)</m:t>
-                    </m:r>
-                  </m:oMath>
-                </a14:m>
-                <a:endParaRPr lang="en-US" sz="1600" dirty="0">
-                  <a:solidFill>
-                    <a:schemeClr val="tx1"/>
-                  </a:solidFill>
-                </a:endParaRPr>
-              </a:p>
-            </p:txBody>
-          </p:sp>
-        </mc:Choice>
-        <mc:Fallback>
-          <p:sp>
-            <p:nvSpPr>
-              <p:cNvPr id="4" name="Rectangle 3">
-                <a:extLst>
-                  <a:ext uri="{FF2B5EF4-FFF2-40B4-BE49-F238E27FC236}">
-                    <a16:creationId xmlns:a16="http://schemas.microsoft.com/office/drawing/2014/main" id="{132DA671-7A13-694B-DE37-8A8DBB480BCA}"/>
-                  </a:ext>
-                </a:extLst>
-              </p:cNvPr>
-              <p:cNvSpPr>
-                <a:spLocks noRot="1" noChangeAspect="1" noMove="1" noResize="1" noEditPoints="1" noAdjustHandles="1" noChangeArrowheads="1" noChangeShapeType="1" noTextEdit="1"/>
-              </p:cNvSpPr>
-              <p:nvPr/>
-            </p:nvSpPr>
-            <p:spPr>
-              <a:xfrm>
-                <a:off x="2698134" y="2694281"/>
-                <a:ext cx="716478" cy="338554"/>
-              </a:xfrm>
-              <a:prstGeom prst="rect">
-                <a:avLst/>
-              </a:prstGeom>
-              <a:blipFill>
-                <a:blip r:embed="rId11"/>
-                <a:stretch>
-                  <a:fillRect l="-5263" t="-7143" b="-21429"/>
-                </a:stretch>
-              </a:blipFill>
-            </p:spPr>
-            <p:txBody>
-              <a:bodyPr/>
-              <a:lstStyle/>
-              <a:p>
-                <a:r>
-                  <a:rPr lang="en-US">
-                    <a:noFill/>
-                  </a:rPr>
-                  <a:t> </a:t>
-                </a:r>
-              </a:p>
-            </p:txBody>
-          </p:sp>
-        </mc:Fallback>
-      </mc:AlternateContent>
-      <mc:AlternateContent xmlns:mc="http://schemas.openxmlformats.org/markup-compatibility/2006">
-        <mc:Choice xmlns:a14="http://schemas.microsoft.com/office/drawing/2010/main" Requires="a14">
-          <p:sp>
-            <p:nvSpPr>
-              <p:cNvPr id="5" name="Rectangle 4">
-                <a:extLst>
-                  <a:ext uri="{FF2B5EF4-FFF2-40B4-BE49-F238E27FC236}">
-                    <a16:creationId xmlns:a16="http://schemas.microsoft.com/office/drawing/2014/main" id="{3D0B7366-8621-31DA-C3E1-F93A2B2B589C}"/>
-                  </a:ext>
-                </a:extLst>
-              </p:cNvPr>
-              <p:cNvSpPr/>
-              <p:nvPr/>
-            </p:nvSpPr>
-            <p:spPr>
-              <a:xfrm>
-                <a:off x="5859293" y="1789795"/>
-                <a:ext cx="716478" cy="338554"/>
-              </a:xfrm>
-              <a:prstGeom prst="rect">
-                <a:avLst/>
-              </a:prstGeom>
-            </p:spPr>
-            <p:txBody>
-              <a:bodyPr wrap="square">
-                <a:spAutoFit/>
-              </a:bodyPr>
-              <a:lstStyle/>
-              <a:p>
-                <a:pPr/>
-                <a:r>
-                  <a:rPr lang="en-US" sz="1600" i="1" dirty="0">
-                    <a:solidFill>
-                      <a:schemeClr val="tx1"/>
-                    </a:solidFill>
-                  </a:rPr>
-                  <a:t>m</a:t>
-                </a:r>
-                <a14:m>
-                  <m:oMath xmlns:m="http://schemas.openxmlformats.org/officeDocument/2006/math">
-                    <m:r>
-                      <a:rPr lang="en-US" sz="1600" b="0" i="1" smtClean="0">
-                        <a:solidFill>
-                          <a:schemeClr val="tx1"/>
-                        </a:solidFill>
-                        <a:latin typeface="Cambria Math" panose="02040503050406030204" pitchFamily="18" charset="0"/>
-                      </a:rPr>
-                      <m:t>(</m:t>
-                    </m:r>
-                    <m:r>
-                      <a:rPr lang="en-US" sz="1600" b="0" i="1" smtClean="0">
-                        <a:solidFill>
-                          <a:schemeClr val="tx1"/>
-                        </a:solidFill>
-                        <a:latin typeface="Cambria Math" panose="02040503050406030204" pitchFamily="18" charset="0"/>
-                      </a:rPr>
-                      <m:t>𝑡</m:t>
-                    </m:r>
-                    <m:r>
-                      <a:rPr lang="en-US" sz="1600" b="0" i="1" smtClean="0">
-                        <a:solidFill>
-                          <a:schemeClr val="tx1"/>
-                        </a:solidFill>
-                        <a:latin typeface="Cambria Math" panose="02040503050406030204" pitchFamily="18" charset="0"/>
-                      </a:rPr>
-                      <m:t>)</m:t>
-                    </m:r>
-                  </m:oMath>
-                </a14:m>
-                <a:endParaRPr lang="en-US" sz="1600" dirty="0">
-                  <a:solidFill>
-                    <a:schemeClr val="tx1"/>
-                  </a:solidFill>
-                </a:endParaRPr>
-              </a:p>
-            </p:txBody>
-          </p:sp>
-        </mc:Choice>
-        <mc:Fallback>
-          <p:sp>
-            <p:nvSpPr>
-              <p:cNvPr id="5" name="Rectangle 4">
-                <a:extLst>
-                  <a:ext uri="{FF2B5EF4-FFF2-40B4-BE49-F238E27FC236}">
-                    <a16:creationId xmlns:a16="http://schemas.microsoft.com/office/drawing/2014/main" id="{3D0B7366-8621-31DA-C3E1-F93A2B2B589C}"/>
-                  </a:ext>
-                </a:extLst>
-              </p:cNvPr>
-              <p:cNvSpPr>
-                <a:spLocks noRot="1" noChangeAspect="1" noMove="1" noResize="1" noEditPoints="1" noAdjustHandles="1" noChangeArrowheads="1" noChangeShapeType="1" noTextEdit="1"/>
-              </p:cNvSpPr>
-              <p:nvPr/>
-            </p:nvSpPr>
-            <p:spPr>
-              <a:xfrm>
-                <a:off x="5859293" y="1789795"/>
-                <a:ext cx="716478" cy="338554"/>
-              </a:xfrm>
-              <a:prstGeom prst="rect">
-                <a:avLst/>
-              </a:prstGeom>
-              <a:blipFill>
-                <a:blip r:embed="rId12"/>
-                <a:stretch>
-                  <a:fillRect l="-5263" t="-7407" b="-25926"/>
-                </a:stretch>
-              </a:blipFill>
-            </p:spPr>
-            <p:txBody>
-              <a:bodyPr/>
-              <a:lstStyle/>
-              <a:p>
-                <a:r>
-                  <a:rPr lang="en-US">
-                    <a:noFill/>
-                  </a:rPr>
-                  <a:t> </a:t>
-                </a:r>
-              </a:p>
-            </p:txBody>
-          </p:sp>
-        </mc:Fallback>
-      </mc:AlternateContent>
-      <mc:AlternateContent xmlns:mc="http://schemas.openxmlformats.org/markup-compatibility/2006">
-        <mc:Choice xmlns:a14="http://schemas.microsoft.com/office/drawing/2010/main" Requires="a14">
-          <p:sp>
-            <p:nvSpPr>
-              <p:cNvPr id="6" name="Rectangle 5">
-                <a:extLst>
-                  <a:ext uri="{FF2B5EF4-FFF2-40B4-BE49-F238E27FC236}">
-                    <a16:creationId xmlns:a16="http://schemas.microsoft.com/office/drawing/2014/main" id="{6ADC3E98-9B36-2B13-9648-90DA577B05C7}"/>
-                  </a:ext>
-                </a:extLst>
-              </p:cNvPr>
-              <p:cNvSpPr/>
-              <p:nvPr/>
-            </p:nvSpPr>
-            <p:spPr>
-              <a:xfrm>
-                <a:off x="5710548" y="2463014"/>
-                <a:ext cx="716478" cy="338554"/>
-              </a:xfrm>
-              <a:prstGeom prst="rect">
-                <a:avLst/>
-              </a:prstGeom>
-            </p:spPr>
-            <p:txBody>
-              <a:bodyPr wrap="square">
-                <a:spAutoFit/>
-              </a:bodyPr>
-              <a:lstStyle/>
-              <a:p>
-                <a:pPr/>
-                <a:r>
-                  <a:rPr lang="en-US" sz="1600" i="1" dirty="0">
-                    <a:solidFill>
-                      <a:schemeClr val="tx1"/>
-                    </a:solidFill>
-                  </a:rPr>
-                  <a:t>m</a:t>
-                </a:r>
-                <a14:m>
-                  <m:oMath xmlns:m="http://schemas.openxmlformats.org/officeDocument/2006/math">
-                    <m:r>
-                      <a:rPr lang="en-US" sz="1600" b="0" i="1" smtClean="0">
-                        <a:solidFill>
-                          <a:schemeClr val="tx1"/>
-                        </a:solidFill>
-                        <a:latin typeface="Cambria Math" panose="02040503050406030204" pitchFamily="18" charset="0"/>
-                      </a:rPr>
-                      <m:t>(</m:t>
-                    </m:r>
-                    <m:r>
-                      <a:rPr lang="en-US" sz="1600" b="0" i="1" smtClean="0">
-                        <a:solidFill>
-                          <a:schemeClr val="tx1"/>
-                        </a:solidFill>
-                        <a:latin typeface="Cambria Math" panose="02040503050406030204" pitchFamily="18" charset="0"/>
-                      </a:rPr>
-                      <m:t>𝑡</m:t>
-                    </m:r>
-                    <m:r>
-                      <a:rPr lang="en-US" sz="1600" b="0" i="1" smtClean="0">
-                        <a:solidFill>
-                          <a:schemeClr val="tx1"/>
-                        </a:solidFill>
-                        <a:latin typeface="Cambria Math" panose="02040503050406030204" pitchFamily="18" charset="0"/>
-                      </a:rPr>
-                      <m:t>)</m:t>
-                    </m:r>
-                  </m:oMath>
-                </a14:m>
-                <a:endParaRPr lang="en-US" sz="1600" dirty="0">
-                  <a:solidFill>
-                    <a:schemeClr val="tx1"/>
-                  </a:solidFill>
-                </a:endParaRPr>
-              </a:p>
-            </p:txBody>
-          </p:sp>
-        </mc:Choice>
-        <mc:Fallback>
-          <p:sp>
-            <p:nvSpPr>
-              <p:cNvPr id="6" name="Rectangle 5">
-                <a:extLst>
-                  <a:ext uri="{FF2B5EF4-FFF2-40B4-BE49-F238E27FC236}">
-                    <a16:creationId xmlns:a16="http://schemas.microsoft.com/office/drawing/2014/main" id="{6ADC3E98-9B36-2B13-9648-90DA577B05C7}"/>
-                  </a:ext>
-                </a:extLst>
-              </p:cNvPr>
-              <p:cNvSpPr>
-                <a:spLocks noRot="1" noChangeAspect="1" noMove="1" noResize="1" noEditPoints="1" noAdjustHandles="1" noChangeArrowheads="1" noChangeShapeType="1" noTextEdit="1"/>
-              </p:cNvSpPr>
-              <p:nvPr/>
-            </p:nvSpPr>
-            <p:spPr>
-              <a:xfrm>
-                <a:off x="5710548" y="2463014"/>
-                <a:ext cx="716478" cy="338554"/>
-              </a:xfrm>
-              <a:prstGeom prst="rect">
-                <a:avLst/>
-              </a:prstGeom>
-              <a:blipFill>
-                <a:blip r:embed="rId13"/>
-                <a:stretch>
-                  <a:fillRect l="-5263" t="-3571" b="-25000"/>
-                </a:stretch>
-              </a:blipFill>
-            </p:spPr>
-            <p:txBody>
-              <a:bodyPr/>
-              <a:lstStyle/>
-              <a:p>
-                <a:r>
-                  <a:rPr lang="en-US">
-                    <a:noFill/>
-                  </a:rPr>
-                  <a:t> </a:t>
-                </a:r>
-              </a:p>
-            </p:txBody>
-          </p:sp>
-        </mc:Fallback>
-      </mc:AlternateContent>
-      <mc:AlternateContent xmlns:mc="http://schemas.openxmlformats.org/markup-compatibility/2006">
-        <mc:Choice xmlns:a14="http://schemas.microsoft.com/office/drawing/2010/main" Requires="a14">
-          <p:sp>
-            <p:nvSpPr>
-              <p:cNvPr id="8" name="Rectangle 7">
-                <a:extLst>
-                  <a:ext uri="{FF2B5EF4-FFF2-40B4-BE49-F238E27FC236}">
-                    <a16:creationId xmlns:a16="http://schemas.microsoft.com/office/drawing/2014/main" id="{058767D8-EDDC-7990-6312-8F259948664E}"/>
-                  </a:ext>
-                </a:extLst>
-              </p:cNvPr>
-              <p:cNvSpPr/>
-              <p:nvPr/>
-            </p:nvSpPr>
-            <p:spPr>
-              <a:xfrm>
-                <a:off x="5380135" y="1068096"/>
-                <a:ext cx="716478" cy="338554"/>
-              </a:xfrm>
-              <a:prstGeom prst="rect">
-                <a:avLst/>
-              </a:prstGeom>
-            </p:spPr>
-            <p:txBody>
-              <a:bodyPr wrap="square">
-                <a:spAutoFit/>
-              </a:bodyPr>
-              <a:lstStyle/>
-              <a:p>
-                <a:pPr/>
-                <a:r>
-                  <a:rPr lang="en-US" sz="1600" i="1" dirty="0">
-                    <a:solidFill>
-                      <a:schemeClr val="tx1"/>
-                    </a:solidFill>
-                  </a:rPr>
-                  <a:t>n</a:t>
-                </a:r>
-                <a14:m>
-                  <m:oMath xmlns:m="http://schemas.openxmlformats.org/officeDocument/2006/math">
-                    <m:r>
-                      <a:rPr lang="en-US" sz="1600" b="0" i="1" smtClean="0">
-                        <a:solidFill>
-                          <a:schemeClr val="tx1"/>
-                        </a:solidFill>
-                        <a:latin typeface="Cambria Math" panose="02040503050406030204" pitchFamily="18" charset="0"/>
-                      </a:rPr>
-                      <m:t>(</m:t>
-                    </m:r>
-                    <m:r>
-                      <a:rPr lang="en-US" sz="1600" b="0" i="1" smtClean="0">
-                        <a:solidFill>
-                          <a:schemeClr val="tx1"/>
-                        </a:solidFill>
-                        <a:latin typeface="Cambria Math" panose="02040503050406030204" pitchFamily="18" charset="0"/>
-                      </a:rPr>
-                      <m:t>𝑡</m:t>
-                    </m:r>
-                    <m:r>
-                      <a:rPr lang="en-US" sz="1600" b="0" i="1" smtClean="0">
-                        <a:solidFill>
-                          <a:schemeClr val="tx1"/>
-                        </a:solidFill>
-                        <a:latin typeface="Cambria Math" panose="02040503050406030204" pitchFamily="18" charset="0"/>
-                      </a:rPr>
-                      <m:t>)</m:t>
-                    </m:r>
-                  </m:oMath>
-                </a14:m>
-                <a:endParaRPr lang="en-US" sz="1600" dirty="0">
-                  <a:solidFill>
-                    <a:schemeClr val="tx1"/>
-                  </a:solidFill>
-                </a:endParaRPr>
-              </a:p>
-            </p:txBody>
-          </p:sp>
-        </mc:Choice>
-        <mc:Fallback>
-          <p:sp>
-            <p:nvSpPr>
-              <p:cNvPr id="8" name="Rectangle 7">
-                <a:extLst>
-                  <a:ext uri="{FF2B5EF4-FFF2-40B4-BE49-F238E27FC236}">
-                    <a16:creationId xmlns:a16="http://schemas.microsoft.com/office/drawing/2014/main" id="{058767D8-EDDC-7990-6312-8F259948664E}"/>
-                  </a:ext>
-                </a:extLst>
-              </p:cNvPr>
-              <p:cNvSpPr>
-                <a:spLocks noRot="1" noChangeAspect="1" noMove="1" noResize="1" noEditPoints="1" noAdjustHandles="1" noChangeArrowheads="1" noChangeShapeType="1" noTextEdit="1"/>
-              </p:cNvSpPr>
-              <p:nvPr/>
-            </p:nvSpPr>
-            <p:spPr>
-              <a:xfrm>
-                <a:off x="5380135" y="1068096"/>
-                <a:ext cx="716478" cy="338554"/>
-              </a:xfrm>
-              <a:prstGeom prst="rect">
-                <a:avLst/>
-              </a:prstGeom>
-              <a:blipFill>
-                <a:blip r:embed="rId14"/>
-                <a:stretch>
-                  <a:fillRect l="-5172" t="-7407" b="-25926"/>
-                </a:stretch>
-              </a:blipFill>
-            </p:spPr>
-            <p:txBody>
-              <a:bodyPr/>
-              <a:lstStyle/>
-              <a:p>
-                <a:r>
-                  <a:rPr lang="en-US">
-                    <a:noFill/>
-                  </a:rPr>
-                  <a:t> </a:t>
-                </a:r>
-              </a:p>
-            </p:txBody>
-          </p:sp>
-        </mc:Fallback>
-      </mc:AlternateContent>
-    </p:spTree>
-    <p:extLst>
-      <p:ext uri="{BB962C8B-B14F-4D97-AF65-F5344CB8AC3E}">
-        <p14:creationId xmlns:p14="http://schemas.microsoft.com/office/powerpoint/2010/main" val="4160370430"/>
       </p:ext>
     </p:extLst>
   </p:cSld>
@@ -17689,8 +16139,8 @@
             </a:fontRef>
           </p:style>
         </p:cxnSp>
-        <mc:AlternateContent xmlns:mc="http://schemas.openxmlformats.org/markup-compatibility/2006">
-          <mc:Choice xmlns:a14="http://schemas.microsoft.com/office/drawing/2010/main" Requires="a14">
+        <mc:AlternateContent xmlns:mc="http://schemas.openxmlformats.org/markup-compatibility/2006" xmlns:a14="http://schemas.microsoft.com/office/drawing/2010/main">
+          <mc:Choice Requires="a14">
             <p:sp>
               <p:nvSpPr>
                 <p:cNvPr id="46" name="Rectangle 45">
@@ -17746,7 +16196,7 @@
               </p:txBody>
             </p:sp>
           </mc:Choice>
-          <mc:Fallback>
+          <mc:Fallback xmlns="">
             <p:sp>
               <p:nvSpPr>
                 <p:cNvPr id="46" name="Rectangle 45">
@@ -17813,6 +16263,12 @@
             <a:prstGeom prst="rect">
               <a:avLst/>
             </a:prstGeom>
+            <a:solidFill>
+              <a:srgbClr val="FF0000"/>
+            </a:solidFill>
+            <a:ln>
+              <a:noFill/>
+            </a:ln>
           </p:spPr>
           <p:style>
             <a:lnRef idx="1">
@@ -18029,8 +16485,8 @@
             </a:fontRef>
           </p:style>
         </p:cxnSp>
-        <mc:AlternateContent xmlns:mc="http://schemas.openxmlformats.org/markup-compatibility/2006">
-          <mc:Choice xmlns:a14="http://schemas.microsoft.com/office/drawing/2010/main" Requires="a14">
+        <mc:AlternateContent xmlns:mc="http://schemas.openxmlformats.org/markup-compatibility/2006" xmlns:a14="http://schemas.microsoft.com/office/drawing/2010/main">
+          <mc:Choice Requires="a14">
             <p:sp>
               <p:nvSpPr>
                 <p:cNvPr id="52" name="TextBox 51">
@@ -18080,7 +16536,7 @@
               </p:txBody>
             </p:sp>
           </mc:Choice>
-          <mc:Fallback>
+          <mc:Fallback xmlns="">
             <p:sp>
               <p:nvSpPr>
                 <p:cNvPr id="52" name="TextBox 51">
@@ -18125,8 +16581,8 @@
             </p:sp>
           </mc:Fallback>
         </mc:AlternateContent>
-        <mc:AlternateContent xmlns:mc="http://schemas.openxmlformats.org/markup-compatibility/2006">
-          <mc:Choice xmlns:a14="http://schemas.microsoft.com/office/drawing/2010/main" Requires="a14">
+        <mc:AlternateContent xmlns:mc="http://schemas.openxmlformats.org/markup-compatibility/2006" xmlns:a14="http://schemas.microsoft.com/office/drawing/2010/main">
+          <mc:Choice Requires="a14">
             <p:sp>
               <p:nvSpPr>
                 <p:cNvPr id="53" name="Rectangle 52">
@@ -18209,7 +16665,7 @@
               </p:txBody>
             </p:sp>
           </mc:Choice>
-          <mc:Fallback>
+          <mc:Fallback xmlns="">
             <p:sp>
               <p:nvSpPr>
                 <p:cNvPr id="53" name="Rectangle 52">
@@ -18254,8 +16710,8 @@
             </p:sp>
           </mc:Fallback>
         </mc:AlternateContent>
-        <mc:AlternateContent xmlns:mc="http://schemas.openxmlformats.org/markup-compatibility/2006">
-          <mc:Choice xmlns:a14="http://schemas.microsoft.com/office/drawing/2010/main" Requires="a14">
+        <mc:AlternateContent xmlns:mc="http://schemas.openxmlformats.org/markup-compatibility/2006" xmlns:a14="http://schemas.microsoft.com/office/drawing/2010/main">
+          <mc:Choice Requires="a14">
             <p:sp>
               <p:nvSpPr>
                 <p:cNvPr id="54" name="Rectangle 53">
@@ -18338,7 +16794,7 @@
               </p:txBody>
             </p:sp>
           </mc:Choice>
-          <mc:Fallback>
+          <mc:Fallback xmlns="">
             <p:sp>
               <p:nvSpPr>
                 <p:cNvPr id="54" name="Rectangle 53">
@@ -18383,8 +16839,8 @@
             </p:sp>
           </mc:Fallback>
         </mc:AlternateContent>
-        <mc:AlternateContent xmlns:mc="http://schemas.openxmlformats.org/markup-compatibility/2006">
-          <mc:Choice xmlns:a14="http://schemas.microsoft.com/office/drawing/2010/main" Requires="a14">
+        <mc:AlternateContent xmlns:mc="http://schemas.openxmlformats.org/markup-compatibility/2006" xmlns:a14="http://schemas.microsoft.com/office/drawing/2010/main">
+          <mc:Choice Requires="a14">
             <p:sp>
               <p:nvSpPr>
                 <p:cNvPr id="55" name="Rectangle 54">
@@ -18467,7 +16923,7 @@
               </p:txBody>
             </p:sp>
           </mc:Choice>
-          <mc:Fallback>
+          <mc:Fallback xmlns="">
             <p:sp>
               <p:nvSpPr>
                 <p:cNvPr id="55" name="Rectangle 54">
@@ -18512,8 +16968,8 @@
             </p:sp>
           </mc:Fallback>
         </mc:AlternateContent>
-        <mc:AlternateContent xmlns:mc="http://schemas.openxmlformats.org/markup-compatibility/2006">
-          <mc:Choice xmlns:a14="http://schemas.microsoft.com/office/drawing/2010/main" Requires="a14">
+        <mc:AlternateContent xmlns:mc="http://schemas.openxmlformats.org/markup-compatibility/2006" xmlns:a14="http://schemas.microsoft.com/office/drawing/2010/main">
+          <mc:Choice Requires="a14">
             <p:sp>
               <p:nvSpPr>
                 <p:cNvPr id="56" name="Rectangle 55">
@@ -18596,7 +17052,7 @@
               </p:txBody>
             </p:sp>
           </mc:Choice>
-          <mc:Fallback>
+          <mc:Fallback xmlns="">
             <p:sp>
               <p:nvSpPr>
                 <p:cNvPr id="56" name="Rectangle 55">
@@ -18825,8 +17281,8 @@
             </a:p>
           </p:txBody>
         </p:sp>
-        <mc:AlternateContent xmlns:mc="http://schemas.openxmlformats.org/markup-compatibility/2006">
-          <mc:Choice xmlns:a14="http://schemas.microsoft.com/office/drawing/2010/main" Requires="a14">
+        <mc:AlternateContent xmlns:mc="http://schemas.openxmlformats.org/markup-compatibility/2006" xmlns:a14="http://schemas.microsoft.com/office/drawing/2010/main">
+          <mc:Choice Requires="a14">
             <p:sp>
               <p:nvSpPr>
                 <p:cNvPr id="61" name="Rectangle 60">
@@ -18899,7 +17355,7 @@
               </p:txBody>
             </p:sp>
           </mc:Choice>
-          <mc:Fallback>
+          <mc:Fallback xmlns="">
             <p:sp>
               <p:nvSpPr>
                 <p:cNvPr id="61" name="Rectangle 60">
@@ -19188,6 +17644,176 @@
   <p:clrMapOvr>
     <a:masterClrMapping/>
   </p:clrMapOvr>
+  <p:timing>
+    <p:tnLst>
+      <p:par>
+        <p:cTn id="1" dur="indefinite" restart="never" nodeType="tmRoot">
+          <p:childTnLst>
+            <p:seq concurrent="1" nextAc="seek">
+              <p:cTn id="2" dur="indefinite" nodeType="mainSeq">
+                <p:childTnLst>
+                  <p:par>
+                    <p:cTn id="3" fill="hold">
+                      <p:stCondLst>
+                        <p:cond delay="indefinite"/>
+                      </p:stCondLst>
+                      <p:childTnLst>
+                        <p:par>
+                          <p:cTn id="4" fill="hold">
+                            <p:stCondLst>
+                              <p:cond delay="0"/>
+                            </p:stCondLst>
+                            <p:childTnLst>
+                              <p:par>
+                                <p:cTn id="5" presetID="1" presetClass="entr" presetSubtype="0" fill="hold" grpId="0" nodeType="clickEffect">
+                                  <p:stCondLst>
+                                    <p:cond delay="0"/>
+                                  </p:stCondLst>
+                                  <p:childTnLst>
+                                    <p:set>
+                                      <p:cBhvr>
+                                        <p:cTn id="6" dur="1" fill="hold">
+                                          <p:stCondLst>
+                                            <p:cond delay="0"/>
+                                          </p:stCondLst>
+                                        </p:cTn>
+                                        <p:tgtEl>
+                                          <p:spTgt spid="10"/>
+                                        </p:tgtEl>
+                                        <p:attrNameLst>
+                                          <p:attrName>style.visibility</p:attrName>
+                                        </p:attrNameLst>
+                                      </p:cBhvr>
+                                      <p:to>
+                                        <p:strVal val="visible"/>
+                                      </p:to>
+                                    </p:set>
+                                  </p:childTnLst>
+                                </p:cTn>
+                              </p:par>
+                            </p:childTnLst>
+                          </p:cTn>
+                        </p:par>
+                      </p:childTnLst>
+                    </p:cTn>
+                  </p:par>
+                  <p:par>
+                    <p:cTn id="7" fill="hold">
+                      <p:stCondLst>
+                        <p:cond delay="indefinite"/>
+                      </p:stCondLst>
+                      <p:childTnLst>
+                        <p:par>
+                          <p:cTn id="8" fill="hold">
+                            <p:stCondLst>
+                              <p:cond delay="0"/>
+                            </p:stCondLst>
+                            <p:childTnLst>
+                              <p:par>
+                                <p:cTn id="9" presetID="1" presetClass="entr" presetSubtype="0" fill="hold" grpId="0" nodeType="clickEffect">
+                                  <p:stCondLst>
+                                    <p:cond delay="0"/>
+                                  </p:stCondLst>
+                                  <p:childTnLst>
+                                    <p:set>
+                                      <p:cBhvr>
+                                        <p:cTn id="10" dur="1" fill="hold">
+                                          <p:stCondLst>
+                                            <p:cond delay="0"/>
+                                          </p:stCondLst>
+                                        </p:cTn>
+                                        <p:tgtEl>
+                                          <p:spTgt spid="11"/>
+                                        </p:tgtEl>
+                                        <p:attrNameLst>
+                                          <p:attrName>style.visibility</p:attrName>
+                                        </p:attrNameLst>
+                                      </p:cBhvr>
+                                      <p:to>
+                                        <p:strVal val="visible"/>
+                                      </p:to>
+                                    </p:set>
+                                  </p:childTnLst>
+                                </p:cTn>
+                              </p:par>
+                            </p:childTnLst>
+                          </p:cTn>
+                        </p:par>
+                      </p:childTnLst>
+                    </p:cTn>
+                  </p:par>
+                  <p:par>
+                    <p:cTn id="11" fill="hold">
+                      <p:stCondLst>
+                        <p:cond delay="indefinite"/>
+                      </p:stCondLst>
+                      <p:childTnLst>
+                        <p:par>
+                          <p:cTn id="12" fill="hold">
+                            <p:stCondLst>
+                              <p:cond delay="0"/>
+                            </p:stCondLst>
+                            <p:childTnLst>
+                              <p:par>
+                                <p:cTn id="13" presetID="1" presetClass="entr" presetSubtype="0" fill="hold" grpId="0" nodeType="clickEffect">
+                                  <p:stCondLst>
+                                    <p:cond delay="0"/>
+                                  </p:stCondLst>
+                                  <p:childTnLst>
+                                    <p:set>
+                                      <p:cBhvr>
+                                        <p:cTn id="14" dur="1" fill="hold">
+                                          <p:stCondLst>
+                                            <p:cond delay="0"/>
+                                          </p:stCondLst>
+                                        </p:cTn>
+                                        <p:tgtEl>
+                                          <p:spTgt spid="12"/>
+                                        </p:tgtEl>
+                                        <p:attrNameLst>
+                                          <p:attrName>style.visibility</p:attrName>
+                                        </p:attrNameLst>
+                                      </p:cBhvr>
+                                      <p:to>
+                                        <p:strVal val="visible"/>
+                                      </p:to>
+                                    </p:set>
+                                  </p:childTnLst>
+                                </p:cTn>
+                              </p:par>
+                            </p:childTnLst>
+                          </p:cTn>
+                        </p:par>
+                      </p:childTnLst>
+                    </p:cTn>
+                  </p:par>
+                </p:childTnLst>
+              </p:cTn>
+              <p:prevCondLst>
+                <p:cond evt="onPrev" delay="0">
+                  <p:tgtEl>
+                    <p:sldTgt/>
+                  </p:tgtEl>
+                </p:cond>
+              </p:prevCondLst>
+              <p:nextCondLst>
+                <p:cond evt="onNext" delay="0">
+                  <p:tgtEl>
+                    <p:sldTgt/>
+                  </p:tgtEl>
+                </p:cond>
+              </p:nextCondLst>
+            </p:seq>
+          </p:childTnLst>
+        </p:cTn>
+      </p:par>
+    </p:tnLst>
+    <p:bldLst>
+      <p:bldP spid="10" grpId="0"/>
+      <p:bldP spid="11" grpId="0"/>
+      <p:bldP spid="12" grpId="0"/>
+    </p:bldLst>
+  </p:timing>
 </p:sld>
 </file>
 
@@ -19325,8 +17951,8 @@
           </a:p>
         </p:txBody>
       </p:sp>
-      <mc:AlternateContent xmlns:mc="http://schemas.openxmlformats.org/markup-compatibility/2006">
-        <mc:Choice xmlns:a14="http://schemas.microsoft.com/office/drawing/2010/main" Requires="a14">
+      <mc:AlternateContent xmlns:mc="http://schemas.openxmlformats.org/markup-compatibility/2006" xmlns:a14="http://schemas.microsoft.com/office/drawing/2010/main">
+        <mc:Choice Requires="a14">
           <p:sp>
             <p:nvSpPr>
               <p:cNvPr id="7" name="TextBox 6">
@@ -19355,6 +17981,7 @@
               </a:bodyPr>
               <a:lstStyle/>
               <a:p>
+                <a:pPr/>
                 <a14:m>
                   <m:oMathPara xmlns:m="http://schemas.openxmlformats.org/officeDocument/2006/math">
                     <m:oMathParaPr>
@@ -19407,7 +18034,7 @@
             </p:txBody>
           </p:sp>
         </mc:Choice>
-        <mc:Fallback>
+        <mc:Fallback xmlns="">
           <p:sp>
             <p:nvSpPr>
               <p:cNvPr id="7" name="TextBox 6">
@@ -19498,8 +18125,8 @@
           </a:fontRef>
         </p:style>
       </p:cxnSp>
-      <mc:AlternateContent xmlns:mc="http://schemas.openxmlformats.org/markup-compatibility/2006">
-        <mc:Choice xmlns:a14="http://schemas.microsoft.com/office/drawing/2010/main" Requires="a14">
+      <mc:AlternateContent xmlns:mc="http://schemas.openxmlformats.org/markup-compatibility/2006" xmlns:a14="http://schemas.microsoft.com/office/drawing/2010/main">
+        <mc:Choice Requires="a14">
           <p:sp>
             <p:nvSpPr>
               <p:cNvPr id="10" name="Rectangle 9">
@@ -19582,7 +18209,7 @@
             </p:txBody>
           </p:sp>
         </mc:Choice>
-        <mc:Fallback>
+        <mc:Fallback xmlns="">
           <p:sp>
             <p:nvSpPr>
               <p:cNvPr id="10" name="Rectangle 9">
@@ -19673,8 +18300,8 @@
           </a:fontRef>
         </p:style>
       </p:cxnSp>
-      <mc:AlternateContent xmlns:mc="http://schemas.openxmlformats.org/markup-compatibility/2006">
-        <mc:Choice xmlns:a14="http://schemas.microsoft.com/office/drawing/2010/main" Requires="a14">
+      <mc:AlternateContent xmlns:mc="http://schemas.openxmlformats.org/markup-compatibility/2006" xmlns:a14="http://schemas.microsoft.com/office/drawing/2010/main">
+        <mc:Choice Requires="a14">
           <p:sp>
             <p:nvSpPr>
               <p:cNvPr id="12" name="Rectangle 11">
@@ -19757,7 +18384,7 @@
             </p:txBody>
           </p:sp>
         </mc:Choice>
-        <mc:Fallback>
+        <mc:Fallback xmlns="">
           <p:sp>
             <p:nvSpPr>
               <p:cNvPr id="12" name="Rectangle 11">
@@ -19878,8 +18505,8 @@
           </a:p>
         </p:txBody>
       </p:sp>
-      <mc:AlternateContent xmlns:mc="http://schemas.openxmlformats.org/markup-compatibility/2006">
-        <mc:Choice xmlns:a14="http://schemas.microsoft.com/office/drawing/2010/main" Requires="a14">
+      <mc:AlternateContent xmlns:mc="http://schemas.openxmlformats.org/markup-compatibility/2006" xmlns:a14="http://schemas.microsoft.com/office/drawing/2010/main">
+        <mc:Choice Requires="a14">
           <p:sp>
             <p:nvSpPr>
               <p:cNvPr id="16" name="TextBox 15">
@@ -19908,6 +18535,7 @@
               </a:bodyPr>
               <a:lstStyle/>
               <a:p>
+                <a:pPr/>
                 <a14:m>
                   <m:oMathPara xmlns:m="http://schemas.openxmlformats.org/officeDocument/2006/math">
                     <m:oMathParaPr>
@@ -20000,7 +18628,7 @@
             </p:txBody>
           </p:sp>
         </mc:Choice>
-        <mc:Fallback>
+        <mc:Fallback xmlns="">
           <p:sp>
             <p:nvSpPr>
               <p:cNvPr id="16" name="TextBox 15">
@@ -20256,8 +18884,8 @@
             </a:fontRef>
           </p:style>
         </p:cxnSp>
-        <mc:AlternateContent xmlns:mc="http://schemas.openxmlformats.org/markup-compatibility/2006">
-          <mc:Choice xmlns:a14="http://schemas.microsoft.com/office/drawing/2010/main" Requires="a14">
+        <mc:AlternateContent xmlns:mc="http://schemas.openxmlformats.org/markup-compatibility/2006" xmlns:a14="http://schemas.microsoft.com/office/drawing/2010/main">
+          <mc:Choice Requires="a14">
             <p:sp>
               <p:nvSpPr>
                 <p:cNvPr id="24" name="Rectangle 23">
@@ -20313,7 +18941,7 @@
               </p:txBody>
             </p:sp>
           </mc:Choice>
-          <mc:Fallback>
+          <mc:Fallback xmlns="">
             <p:sp>
               <p:nvSpPr>
                 <p:cNvPr id="24" name="Rectangle 23">
@@ -20737,8 +19365,8 @@
             </a:fontRef>
           </p:style>
         </p:cxnSp>
-        <mc:AlternateContent xmlns:mc="http://schemas.openxmlformats.org/markup-compatibility/2006">
-          <mc:Choice xmlns:a14="http://schemas.microsoft.com/office/drawing/2010/main" Requires="a14">
+        <mc:AlternateContent xmlns:mc="http://schemas.openxmlformats.org/markup-compatibility/2006" xmlns:a14="http://schemas.microsoft.com/office/drawing/2010/main">
+          <mc:Choice Requires="a14">
             <p:sp>
               <p:nvSpPr>
                 <p:cNvPr id="33" name="Rectangle 32">
@@ -20811,7 +19439,7 @@
               </p:txBody>
             </p:sp>
           </mc:Choice>
-          <mc:Fallback>
+          <mc:Fallback xmlns="">
             <p:sp>
               <p:nvSpPr>
                 <p:cNvPr id="33" name="Rectangle 32">
@@ -21092,6 +19720,130 @@
   <p:clrMapOvr>
     <a:masterClrMapping/>
   </p:clrMapOvr>
+  <p:timing>
+    <p:tnLst>
+      <p:par>
+        <p:cTn id="1" dur="indefinite" restart="never" nodeType="tmRoot">
+          <p:childTnLst>
+            <p:seq concurrent="1" nextAc="seek">
+              <p:cTn id="2" dur="indefinite" nodeType="mainSeq">
+                <p:childTnLst>
+                  <p:par>
+                    <p:cTn id="3" fill="hold">
+                      <p:stCondLst>
+                        <p:cond delay="indefinite"/>
+                      </p:stCondLst>
+                      <p:childTnLst>
+                        <p:par>
+                          <p:cTn id="4" fill="hold">
+                            <p:stCondLst>
+                              <p:cond delay="0"/>
+                            </p:stCondLst>
+                            <p:childTnLst>
+                              <p:par>
+                                <p:cTn id="5" presetID="1" presetClass="entr" presetSubtype="0" fill="hold" grpId="0" nodeType="clickEffect">
+                                  <p:stCondLst>
+                                    <p:cond delay="0"/>
+                                  </p:stCondLst>
+                                  <p:childTnLst>
+                                    <p:set>
+                                      <p:cBhvr>
+                                        <p:cTn id="6" dur="1" fill="hold">
+                                          <p:stCondLst>
+                                            <p:cond delay="0"/>
+                                          </p:stCondLst>
+                                        </p:cTn>
+                                        <p:tgtEl>
+                                          <p:spTgt spid="15"/>
+                                        </p:tgtEl>
+                                        <p:attrNameLst>
+                                          <p:attrName>style.visibility</p:attrName>
+                                        </p:attrNameLst>
+                                      </p:cBhvr>
+                                      <p:to>
+                                        <p:strVal val="visible"/>
+                                      </p:to>
+                                    </p:set>
+                                  </p:childTnLst>
+                                </p:cTn>
+                              </p:par>
+                            </p:childTnLst>
+                          </p:cTn>
+                        </p:par>
+                      </p:childTnLst>
+                    </p:cTn>
+                  </p:par>
+                  <p:par>
+                    <p:cTn id="7" fill="hold">
+                      <p:stCondLst>
+                        <p:cond delay="indefinite"/>
+                      </p:stCondLst>
+                      <p:childTnLst>
+                        <p:par>
+                          <p:cTn id="8" fill="hold">
+                            <p:stCondLst>
+                              <p:cond delay="0"/>
+                            </p:stCondLst>
+                            <p:childTnLst>
+                              <p:par>
+                                <p:cTn id="9" presetID="1" presetClass="entr" presetSubtype="0" fill="hold" grpId="0" nodeType="clickEffect">
+                                  <p:stCondLst>
+                                    <p:cond delay="0"/>
+                                  </p:stCondLst>
+                                  <p:childTnLst>
+                                    <p:set>
+                                      <p:cBhvr>
+                                        <p:cTn id="10" dur="1" fill="hold">
+                                          <p:stCondLst>
+                                            <p:cond delay="0"/>
+                                          </p:stCondLst>
+                                        </p:cTn>
+                                        <p:tgtEl>
+                                          <p:spTgt spid="19"/>
+                                        </p:tgtEl>
+                                        <p:attrNameLst>
+                                          <p:attrName>style.visibility</p:attrName>
+                                        </p:attrNameLst>
+                                      </p:cBhvr>
+                                      <p:to>
+                                        <p:strVal val="visible"/>
+                                      </p:to>
+                                    </p:set>
+                                  </p:childTnLst>
+                                </p:cTn>
+                              </p:par>
+                            </p:childTnLst>
+                          </p:cTn>
+                        </p:par>
+                      </p:childTnLst>
+                    </p:cTn>
+                  </p:par>
+                </p:childTnLst>
+              </p:cTn>
+              <p:prevCondLst>
+                <p:cond evt="onPrev" delay="0">
+                  <p:tgtEl>
+                    <p:sldTgt/>
+                  </p:tgtEl>
+                </p:cond>
+              </p:prevCondLst>
+              <p:nextCondLst>
+                <p:cond evt="onNext" delay="0">
+                  <p:tgtEl>
+                    <p:sldTgt/>
+                  </p:tgtEl>
+                </p:cond>
+              </p:nextCondLst>
+            </p:seq>
+          </p:childTnLst>
+        </p:cTn>
+      </p:par>
+    </p:tnLst>
+    <p:bldLst>
+      <p:bldP spid="15" grpId="0"/>
+      <p:bldP spid="19" grpId="0"/>
+    </p:bldLst>
+  </p:timing>
 </p:sld>
 </file>
 
@@ -21183,8 +19935,8 @@
           </a:p>
         </p:txBody>
       </p:sp>
-      <mc:AlternateContent xmlns:mc="http://schemas.openxmlformats.org/markup-compatibility/2006">
-        <mc:Choice xmlns:a14="http://schemas.microsoft.com/office/drawing/2010/main" Requires="a14">
+      <mc:AlternateContent xmlns:mc="http://schemas.openxmlformats.org/markup-compatibility/2006" xmlns:a14="http://schemas.microsoft.com/office/drawing/2010/main">
+        <mc:Choice Requires="a14">
           <p:sp>
             <p:nvSpPr>
               <p:cNvPr id="25" name="TextBox 24">
@@ -21213,6 +19965,7 @@
               </a:bodyPr>
               <a:lstStyle/>
               <a:p>
+                <a:pPr/>
                 <a14:m>
                   <m:oMathPara xmlns:m="http://schemas.openxmlformats.org/officeDocument/2006/math">
                     <m:oMathParaPr>
@@ -21348,7 +20101,7 @@
             </p:txBody>
           </p:sp>
         </mc:Choice>
-        <mc:Fallback>
+        <mc:Fallback xmlns="">
           <p:sp>
             <p:nvSpPr>
               <p:cNvPr id="25" name="TextBox 24">
@@ -21408,7 +20161,7 @@
         <p:spPr>
           <a:xfrm>
             <a:off x="1311024" y="3657600"/>
-            <a:ext cx="3813865" cy="400110"/>
+            <a:ext cx="4810932" cy="400110"/>
           </a:xfrm>
           <a:prstGeom prst="rect">
             <a:avLst/>
@@ -21423,7 +20176,7 @@
           <a:p>
             <a:r>
               <a:rPr lang="en-US" sz="2000" dirty="0"/>
-              <a:t>Considers net effect of all errors</a:t>
+              <a:t>Considers entire history of control errors.</a:t>
             </a:r>
           </a:p>
         </p:txBody>
@@ -21530,8 +20283,8 @@
             <a:chExt cx="3747137" cy="1086223"/>
           </a:xfrm>
         </p:grpSpPr>
-        <mc:AlternateContent xmlns:mc="http://schemas.openxmlformats.org/markup-compatibility/2006">
-          <mc:Choice xmlns:a14="http://schemas.microsoft.com/office/drawing/2010/main" Requires="a14">
+        <mc:AlternateContent xmlns:mc="http://schemas.openxmlformats.org/markup-compatibility/2006" xmlns:a14="http://schemas.microsoft.com/office/drawing/2010/main">
+          <mc:Choice Requires="a14">
             <p:sp>
               <p:nvSpPr>
                 <p:cNvPr id="20" name="TextBox 19">
@@ -21560,6 +20313,7 @@
                 </a:bodyPr>
                 <a:lstStyle/>
                 <a:p>
+                  <a:pPr/>
                   <a14:m>
                     <m:oMathPara xmlns:m="http://schemas.openxmlformats.org/officeDocument/2006/math">
                       <m:oMathParaPr>
@@ -21612,7 +20366,7 @@
               </p:txBody>
             </p:sp>
           </mc:Choice>
-          <mc:Fallback>
+          <mc:Fallback xmlns="">
             <p:sp>
               <p:nvSpPr>
                 <p:cNvPr id="20" name="TextBox 19">
@@ -21749,8 +20503,8 @@
             </a:fontRef>
           </p:style>
         </p:cxnSp>
-        <mc:AlternateContent xmlns:mc="http://schemas.openxmlformats.org/markup-compatibility/2006">
-          <mc:Choice xmlns:a14="http://schemas.microsoft.com/office/drawing/2010/main" Requires="a14">
+        <mc:AlternateContent xmlns:mc="http://schemas.openxmlformats.org/markup-compatibility/2006" xmlns:a14="http://schemas.microsoft.com/office/drawing/2010/main">
+          <mc:Choice Requires="a14">
             <p:sp>
               <p:nvSpPr>
                 <p:cNvPr id="24" name="Rectangle 23">
@@ -21833,7 +20587,7 @@
               </p:txBody>
             </p:sp>
           </mc:Choice>
-          <mc:Fallback>
+          <mc:Fallback xmlns="">
             <p:sp>
               <p:nvSpPr>
                 <p:cNvPr id="24" name="Rectangle 23">
@@ -21924,8 +20678,8 @@
             </a:fontRef>
           </p:style>
         </p:cxnSp>
-        <mc:AlternateContent xmlns:mc="http://schemas.openxmlformats.org/markup-compatibility/2006">
-          <mc:Choice xmlns:a14="http://schemas.microsoft.com/office/drawing/2010/main" Requires="a14">
+        <mc:AlternateContent xmlns:mc="http://schemas.openxmlformats.org/markup-compatibility/2006" xmlns:a14="http://schemas.microsoft.com/office/drawing/2010/main">
+          <mc:Choice Requires="a14">
             <p:sp>
               <p:nvSpPr>
                 <p:cNvPr id="30" name="Rectangle 29">
@@ -22008,7 +20762,7 @@
               </p:txBody>
             </p:sp>
           </mc:Choice>
-          <mc:Fallback>
+          <mc:Fallback xmlns="">
             <p:sp>
               <p:nvSpPr>
                 <p:cNvPr id="30" name="Rectangle 29">
@@ -22106,8 +20860,8 @@
             </a:p>
           </p:txBody>
         </p:sp>
-        <mc:AlternateContent xmlns:mc="http://schemas.openxmlformats.org/markup-compatibility/2006">
-          <mc:Choice xmlns:a14="http://schemas.microsoft.com/office/drawing/2010/main" Requires="a14">
+        <mc:AlternateContent xmlns:mc="http://schemas.openxmlformats.org/markup-compatibility/2006" xmlns:a14="http://schemas.microsoft.com/office/drawing/2010/main">
+          <mc:Choice Requires="a14">
             <p:sp>
               <p:nvSpPr>
                 <p:cNvPr id="37" name="Rectangle 36">
@@ -22200,7 +20954,7 @@
               </p:txBody>
             </p:sp>
           </mc:Choice>
-          <mc:Fallback>
+          <mc:Fallback xmlns="">
             <p:sp>
               <p:nvSpPr>
                 <p:cNvPr id="37" name="Rectangle 36">
@@ -22245,8 +20999,8 @@
             </p:sp>
           </mc:Fallback>
         </mc:AlternateContent>
-        <mc:AlternateContent xmlns:mc="http://schemas.openxmlformats.org/markup-compatibility/2006">
-          <mc:Choice xmlns:a14="http://schemas.microsoft.com/office/drawing/2010/main" Requires="a14">
+        <mc:AlternateContent xmlns:mc="http://schemas.openxmlformats.org/markup-compatibility/2006" xmlns:a14="http://schemas.microsoft.com/office/drawing/2010/main">
+          <mc:Choice Requires="a14">
             <p:sp>
               <p:nvSpPr>
                 <p:cNvPr id="39" name="Rectangle 38">
@@ -22328,7 +21082,7 @@
               </p:txBody>
             </p:sp>
           </mc:Choice>
-          <mc:Fallback>
+          <mc:Fallback xmlns="">
             <p:sp>
               <p:nvSpPr>
                 <p:cNvPr id="39" name="Rectangle 38">
@@ -22536,8 +21290,8 @@
             </a:fontRef>
           </p:style>
         </p:cxnSp>
-        <mc:AlternateContent xmlns:mc="http://schemas.openxmlformats.org/markup-compatibility/2006">
-          <mc:Choice xmlns:a14="http://schemas.microsoft.com/office/drawing/2010/main" Requires="a14">
+        <mc:AlternateContent xmlns:mc="http://schemas.openxmlformats.org/markup-compatibility/2006" xmlns:a14="http://schemas.microsoft.com/office/drawing/2010/main">
+          <mc:Choice Requires="a14">
             <p:sp>
               <p:nvSpPr>
                 <p:cNvPr id="44" name="Rectangle 43">
@@ -22593,7 +21347,7 @@
               </p:txBody>
             </p:sp>
           </mc:Choice>
-          <mc:Fallback>
+          <mc:Fallback xmlns="">
             <p:sp>
               <p:nvSpPr>
                 <p:cNvPr id="44" name="Rectangle 43">
@@ -23017,8 +21771,8 @@
             </a:fontRef>
           </p:style>
         </p:cxnSp>
-        <mc:AlternateContent xmlns:mc="http://schemas.openxmlformats.org/markup-compatibility/2006">
-          <mc:Choice xmlns:a14="http://schemas.microsoft.com/office/drawing/2010/main" Requires="a14">
+        <mc:AlternateContent xmlns:mc="http://schemas.openxmlformats.org/markup-compatibility/2006" xmlns:a14="http://schemas.microsoft.com/office/drawing/2010/main">
+          <mc:Choice Requires="a14">
             <p:sp>
               <p:nvSpPr>
                 <p:cNvPr id="53" name="Rectangle 52">
@@ -23091,7 +21845,7 @@
               </p:txBody>
             </p:sp>
           </mc:Choice>
-          <mc:Fallback>
+          <mc:Fallback xmlns="">
             <p:sp>
               <p:nvSpPr>
                 <p:cNvPr id="53" name="Rectangle 52">
@@ -23372,6 +22126,130 @@
   <p:clrMapOvr>
     <a:masterClrMapping/>
   </p:clrMapOvr>
+  <p:timing>
+    <p:tnLst>
+      <p:par>
+        <p:cTn id="1" dur="indefinite" restart="never" nodeType="tmRoot">
+          <p:childTnLst>
+            <p:seq concurrent="1" nextAc="seek">
+              <p:cTn id="2" dur="indefinite" nodeType="mainSeq">
+                <p:childTnLst>
+                  <p:par>
+                    <p:cTn id="3" fill="hold">
+                      <p:stCondLst>
+                        <p:cond delay="indefinite"/>
+                      </p:stCondLst>
+                      <p:childTnLst>
+                        <p:par>
+                          <p:cTn id="4" fill="hold">
+                            <p:stCondLst>
+                              <p:cond delay="0"/>
+                            </p:stCondLst>
+                            <p:childTnLst>
+                              <p:par>
+                                <p:cTn id="5" presetID="1" presetClass="entr" presetSubtype="0" fill="hold" grpId="0" nodeType="clickEffect">
+                                  <p:stCondLst>
+                                    <p:cond delay="0"/>
+                                  </p:stCondLst>
+                                  <p:childTnLst>
+                                    <p:set>
+                                      <p:cBhvr>
+                                        <p:cTn id="6" dur="1" fill="hold">
+                                          <p:stCondLst>
+                                            <p:cond delay="0"/>
+                                          </p:stCondLst>
+                                        </p:cTn>
+                                        <p:tgtEl>
+                                          <p:spTgt spid="34"/>
+                                        </p:tgtEl>
+                                        <p:attrNameLst>
+                                          <p:attrName>style.visibility</p:attrName>
+                                        </p:attrNameLst>
+                                      </p:cBhvr>
+                                      <p:to>
+                                        <p:strVal val="visible"/>
+                                      </p:to>
+                                    </p:set>
+                                  </p:childTnLst>
+                                </p:cTn>
+                              </p:par>
+                            </p:childTnLst>
+                          </p:cTn>
+                        </p:par>
+                      </p:childTnLst>
+                    </p:cTn>
+                  </p:par>
+                  <p:par>
+                    <p:cTn id="7" fill="hold">
+                      <p:stCondLst>
+                        <p:cond delay="indefinite"/>
+                      </p:stCondLst>
+                      <p:childTnLst>
+                        <p:par>
+                          <p:cTn id="8" fill="hold">
+                            <p:stCondLst>
+                              <p:cond delay="0"/>
+                            </p:stCondLst>
+                            <p:childTnLst>
+                              <p:par>
+                                <p:cTn id="9" presetID="1" presetClass="entr" presetSubtype="0" fill="hold" grpId="0" nodeType="clickEffect">
+                                  <p:stCondLst>
+                                    <p:cond delay="0"/>
+                                  </p:stCondLst>
+                                  <p:childTnLst>
+                                    <p:set>
+                                      <p:cBhvr>
+                                        <p:cTn id="10" dur="1" fill="hold">
+                                          <p:stCondLst>
+                                            <p:cond delay="0"/>
+                                          </p:stCondLst>
+                                        </p:cTn>
+                                        <p:tgtEl>
+                                          <p:spTgt spid="35"/>
+                                        </p:tgtEl>
+                                        <p:attrNameLst>
+                                          <p:attrName>style.visibility</p:attrName>
+                                        </p:attrNameLst>
+                                      </p:cBhvr>
+                                      <p:to>
+                                        <p:strVal val="visible"/>
+                                      </p:to>
+                                    </p:set>
+                                  </p:childTnLst>
+                                </p:cTn>
+                              </p:par>
+                            </p:childTnLst>
+                          </p:cTn>
+                        </p:par>
+                      </p:childTnLst>
+                    </p:cTn>
+                  </p:par>
+                </p:childTnLst>
+              </p:cTn>
+              <p:prevCondLst>
+                <p:cond evt="onPrev" delay="0">
+                  <p:tgtEl>
+                    <p:sldTgt/>
+                  </p:tgtEl>
+                </p:cond>
+              </p:prevCondLst>
+              <p:nextCondLst>
+                <p:cond evt="onNext" delay="0">
+                  <p:tgtEl>
+                    <p:sldTgt/>
+                  </p:tgtEl>
+                </p:cond>
+              </p:nextCondLst>
+            </p:seq>
+          </p:childTnLst>
+        </p:cTn>
+      </p:par>
+    </p:tnLst>
+    <p:bldLst>
+      <p:bldP spid="34" grpId="0"/>
+      <p:bldP spid="35" grpId="0"/>
+    </p:bldLst>
+  </p:timing>
 </p:sld>
 </file>
 
@@ -23463,8 +22341,8 @@
           </a:p>
         </p:txBody>
       </p:sp>
-      <mc:AlternateContent xmlns:mc="http://schemas.openxmlformats.org/markup-compatibility/2006">
-        <mc:Choice xmlns:a14="http://schemas.microsoft.com/office/drawing/2010/main" Requires="a14">
+      <mc:AlternateContent xmlns:mc="http://schemas.openxmlformats.org/markup-compatibility/2006" xmlns:a14="http://schemas.microsoft.com/office/drawing/2010/main">
+        <mc:Choice Requires="a14">
           <p:sp>
             <p:nvSpPr>
               <p:cNvPr id="25" name="TextBox 24">
@@ -23493,6 +22371,7 @@
               </a:bodyPr>
               <a:lstStyle/>
               <a:p>
+                <a:pPr/>
                 <a14:m>
                   <m:oMathPara xmlns:m="http://schemas.openxmlformats.org/officeDocument/2006/math">
                     <m:oMathParaPr>
@@ -23628,7 +22507,7 @@
             </p:txBody>
           </p:sp>
         </mc:Choice>
-        <mc:Fallback>
+        <mc:Fallback xmlns="">
           <p:sp>
             <p:nvSpPr>
               <p:cNvPr id="25" name="TextBox 24">
@@ -23688,7 +22567,7 @@
         <p:spPr>
           <a:xfrm>
             <a:off x="1311024" y="3657600"/>
-            <a:ext cx="3033203" cy="400110"/>
+            <a:ext cx="3873176" cy="400110"/>
           </a:xfrm>
           <a:prstGeom prst="rect">
             <a:avLst/>
@@ -23703,7 +22582,7 @@
           <a:p>
             <a:r>
               <a:rPr lang="en-US" sz="2000" dirty="0"/>
-              <a:t>Senses change in errors.</a:t>
+              <a:t>Senses change in control errors.</a:t>
             </a:r>
           </a:p>
         </p:txBody>
@@ -23790,8 +22669,8 @@
           </a:p>
         </p:txBody>
       </p:sp>
-      <mc:AlternateContent xmlns:mc="http://schemas.openxmlformats.org/markup-compatibility/2006">
-        <mc:Choice xmlns:a14="http://schemas.microsoft.com/office/drawing/2010/main" Requires="a14">
+      <mc:AlternateContent xmlns:mc="http://schemas.openxmlformats.org/markup-compatibility/2006" xmlns:a14="http://schemas.microsoft.com/office/drawing/2010/main">
+        <mc:Choice Requires="a14">
           <p:sp>
             <p:nvSpPr>
               <p:cNvPr id="8" name="TextBox 7">
@@ -23820,6 +22699,7 @@
               </a:bodyPr>
               <a:lstStyle/>
               <a:p>
+                <a:pPr/>
                 <a14:m>
                   <m:oMathPara xmlns:m="http://schemas.openxmlformats.org/officeDocument/2006/math">
                     <m:oMathParaPr>
@@ -23872,7 +22752,7 @@
             </p:txBody>
           </p:sp>
         </mc:Choice>
-        <mc:Fallback>
+        <mc:Fallback xmlns="">
           <p:sp>
             <p:nvSpPr>
               <p:cNvPr id="8" name="TextBox 7">
@@ -24009,8 +22889,8 @@
           </a:fontRef>
         </p:style>
       </p:cxnSp>
-      <mc:AlternateContent xmlns:mc="http://schemas.openxmlformats.org/markup-compatibility/2006">
-        <mc:Choice xmlns:a14="http://schemas.microsoft.com/office/drawing/2010/main" Requires="a14">
+      <mc:AlternateContent xmlns:mc="http://schemas.openxmlformats.org/markup-compatibility/2006" xmlns:a14="http://schemas.microsoft.com/office/drawing/2010/main">
+        <mc:Choice Requires="a14">
           <p:sp>
             <p:nvSpPr>
               <p:cNvPr id="11" name="Rectangle 10">
@@ -24093,7 +22973,7 @@
             </p:txBody>
           </p:sp>
         </mc:Choice>
-        <mc:Fallback>
+        <mc:Fallback xmlns="">
           <p:sp>
             <p:nvSpPr>
               <p:cNvPr id="11" name="Rectangle 10">
@@ -24184,8 +23064,8 @@
           </a:fontRef>
         </p:style>
       </p:cxnSp>
-      <mc:AlternateContent xmlns:mc="http://schemas.openxmlformats.org/markup-compatibility/2006">
-        <mc:Choice xmlns:a14="http://schemas.microsoft.com/office/drawing/2010/main" Requires="a14">
+      <mc:AlternateContent xmlns:mc="http://schemas.openxmlformats.org/markup-compatibility/2006" xmlns:a14="http://schemas.microsoft.com/office/drawing/2010/main">
+        <mc:Choice Requires="a14">
           <p:sp>
             <p:nvSpPr>
               <p:cNvPr id="13" name="Rectangle 12">
@@ -24268,7 +23148,7 @@
             </p:txBody>
           </p:sp>
         </mc:Choice>
-        <mc:Fallback>
+        <mc:Fallback xmlns="">
           <p:sp>
             <p:nvSpPr>
               <p:cNvPr id="13" name="Rectangle 12">
@@ -24366,8 +23246,8 @@
           </a:p>
         </p:txBody>
       </p:sp>
-      <mc:AlternateContent xmlns:mc="http://schemas.openxmlformats.org/markup-compatibility/2006">
-        <mc:Choice xmlns:a14="http://schemas.microsoft.com/office/drawing/2010/main" Requires="a14">
+      <mc:AlternateContent xmlns:mc="http://schemas.openxmlformats.org/markup-compatibility/2006" xmlns:a14="http://schemas.microsoft.com/office/drawing/2010/main">
+        <mc:Choice Requires="a14">
           <p:sp>
             <p:nvSpPr>
               <p:cNvPr id="15" name="Rectangle 14">
@@ -24449,7 +23329,7 @@
             </p:txBody>
           </p:sp>
         </mc:Choice>
-        <mc:Fallback>
+        <mc:Fallback xmlns="">
           <p:sp>
             <p:nvSpPr>
               <p:cNvPr id="15" name="Rectangle 14">
@@ -24494,8 +23374,8 @@
           </p:sp>
         </mc:Fallback>
       </mc:AlternateContent>
-      <mc:AlternateContent xmlns:mc="http://schemas.openxmlformats.org/markup-compatibility/2006">
-        <mc:Choice xmlns:a14="http://schemas.microsoft.com/office/drawing/2010/main" Requires="a14">
+      <mc:AlternateContent xmlns:mc="http://schemas.openxmlformats.org/markup-compatibility/2006" xmlns:a14="http://schemas.microsoft.com/office/drawing/2010/main">
+        <mc:Choice Requires="a14">
           <p:sp>
             <p:nvSpPr>
               <p:cNvPr id="16" name="Rectangle 15">
@@ -24577,7 +23457,7 @@
             </p:txBody>
           </p:sp>
         </mc:Choice>
-        <mc:Fallback>
+        <mc:Fallback xmlns="">
           <p:sp>
             <p:nvSpPr>
               <p:cNvPr id="16" name="Rectangle 15">
@@ -24784,8 +23664,8 @@
             </a:fontRef>
           </p:style>
         </p:cxnSp>
-        <mc:AlternateContent xmlns:mc="http://schemas.openxmlformats.org/markup-compatibility/2006">
-          <mc:Choice xmlns:a14="http://schemas.microsoft.com/office/drawing/2010/main" Requires="a14">
+        <mc:AlternateContent xmlns:mc="http://schemas.openxmlformats.org/markup-compatibility/2006" xmlns:a14="http://schemas.microsoft.com/office/drawing/2010/main">
+          <mc:Choice Requires="a14">
             <p:sp>
               <p:nvSpPr>
                 <p:cNvPr id="28" name="Rectangle 27">
@@ -24841,7 +23721,7 @@
               </p:txBody>
             </p:sp>
           </mc:Choice>
-          <mc:Fallback>
+          <mc:Fallback xmlns="">
             <p:sp>
               <p:nvSpPr>
                 <p:cNvPr id="28" name="Rectangle 27">
@@ -25265,8 +24145,8 @@
             </a:fontRef>
           </p:style>
         </p:cxnSp>
-        <mc:AlternateContent xmlns:mc="http://schemas.openxmlformats.org/markup-compatibility/2006">
-          <mc:Choice xmlns:a14="http://schemas.microsoft.com/office/drawing/2010/main" Requires="a14">
+        <mc:AlternateContent xmlns:mc="http://schemas.openxmlformats.org/markup-compatibility/2006" xmlns:a14="http://schemas.microsoft.com/office/drawing/2010/main">
+          <mc:Choice Requires="a14">
             <p:sp>
               <p:nvSpPr>
                 <p:cNvPr id="42" name="Rectangle 41">
@@ -25339,7 +24219,7 @@
               </p:txBody>
             </p:sp>
           </mc:Choice>
-          <mc:Fallback>
+          <mc:Fallback xmlns="">
             <p:sp>
               <p:nvSpPr>
                 <p:cNvPr id="42" name="Rectangle 41">
@@ -25620,6 +24500,130 @@
   <p:clrMapOvr>
     <a:masterClrMapping/>
   </p:clrMapOvr>
+  <p:timing>
+    <p:tnLst>
+      <p:par>
+        <p:cTn id="1" dur="indefinite" restart="never" nodeType="tmRoot">
+          <p:childTnLst>
+            <p:seq concurrent="1" nextAc="seek">
+              <p:cTn id="2" dur="indefinite" nodeType="mainSeq">
+                <p:childTnLst>
+                  <p:par>
+                    <p:cTn id="3" fill="hold">
+                      <p:stCondLst>
+                        <p:cond delay="indefinite"/>
+                      </p:stCondLst>
+                      <p:childTnLst>
+                        <p:par>
+                          <p:cTn id="4" fill="hold">
+                            <p:stCondLst>
+                              <p:cond delay="0"/>
+                            </p:stCondLst>
+                            <p:childTnLst>
+                              <p:par>
+                                <p:cTn id="5" presetID="1" presetClass="entr" presetSubtype="0" fill="hold" grpId="0" nodeType="clickEffect">
+                                  <p:stCondLst>
+                                    <p:cond delay="0"/>
+                                  </p:stCondLst>
+                                  <p:childTnLst>
+                                    <p:set>
+                                      <p:cBhvr>
+                                        <p:cTn id="6" dur="1" fill="hold">
+                                          <p:stCondLst>
+                                            <p:cond delay="0"/>
+                                          </p:stCondLst>
+                                        </p:cTn>
+                                        <p:tgtEl>
+                                          <p:spTgt spid="34"/>
+                                        </p:tgtEl>
+                                        <p:attrNameLst>
+                                          <p:attrName>style.visibility</p:attrName>
+                                        </p:attrNameLst>
+                                      </p:cBhvr>
+                                      <p:to>
+                                        <p:strVal val="visible"/>
+                                      </p:to>
+                                    </p:set>
+                                  </p:childTnLst>
+                                </p:cTn>
+                              </p:par>
+                            </p:childTnLst>
+                          </p:cTn>
+                        </p:par>
+                      </p:childTnLst>
+                    </p:cTn>
+                  </p:par>
+                  <p:par>
+                    <p:cTn id="7" fill="hold">
+                      <p:stCondLst>
+                        <p:cond delay="indefinite"/>
+                      </p:stCondLst>
+                      <p:childTnLst>
+                        <p:par>
+                          <p:cTn id="8" fill="hold">
+                            <p:stCondLst>
+                              <p:cond delay="0"/>
+                            </p:stCondLst>
+                            <p:childTnLst>
+                              <p:par>
+                                <p:cTn id="9" presetID="1" presetClass="entr" presetSubtype="0" fill="hold" grpId="0" nodeType="clickEffect">
+                                  <p:stCondLst>
+                                    <p:cond delay="0"/>
+                                  </p:stCondLst>
+                                  <p:childTnLst>
+                                    <p:set>
+                                      <p:cBhvr>
+                                        <p:cTn id="10" dur="1" fill="hold">
+                                          <p:stCondLst>
+                                            <p:cond delay="0"/>
+                                          </p:stCondLst>
+                                        </p:cTn>
+                                        <p:tgtEl>
+                                          <p:spTgt spid="35"/>
+                                        </p:tgtEl>
+                                        <p:attrNameLst>
+                                          <p:attrName>style.visibility</p:attrName>
+                                        </p:attrNameLst>
+                                      </p:cBhvr>
+                                      <p:to>
+                                        <p:strVal val="visible"/>
+                                      </p:to>
+                                    </p:set>
+                                  </p:childTnLst>
+                                </p:cTn>
+                              </p:par>
+                            </p:childTnLst>
+                          </p:cTn>
+                        </p:par>
+                      </p:childTnLst>
+                    </p:cTn>
+                  </p:par>
+                </p:childTnLst>
+              </p:cTn>
+              <p:prevCondLst>
+                <p:cond evt="onPrev" delay="0">
+                  <p:tgtEl>
+                    <p:sldTgt/>
+                  </p:tgtEl>
+                </p:cond>
+              </p:prevCondLst>
+              <p:nextCondLst>
+                <p:cond evt="onNext" delay="0">
+                  <p:tgtEl>
+                    <p:sldTgt/>
+                  </p:tgtEl>
+                </p:cond>
+              </p:nextCondLst>
+            </p:seq>
+          </p:childTnLst>
+        </p:cTn>
+      </p:par>
+    </p:tnLst>
+    <p:bldLst>
+      <p:bldP spid="34" grpId="0"/>
+      <p:bldP spid="35" grpId="0"/>
+    </p:bldLst>
+  </p:timing>
 </p:sld>
 </file>
 
@@ -25772,8 +24776,8 @@
             </a:p>
           </p:txBody>
         </p:sp>
-        <mc:AlternateContent xmlns:mc="http://schemas.openxmlformats.org/markup-compatibility/2006">
-          <mc:Choice xmlns:a14="http://schemas.microsoft.com/office/drawing/2010/main" Requires="a14">
+        <mc:AlternateContent xmlns:mc="http://schemas.openxmlformats.org/markup-compatibility/2006" xmlns:a14="http://schemas.microsoft.com/office/drawing/2010/main">
+          <mc:Choice Requires="a14">
             <p:sp>
               <p:nvSpPr>
                 <p:cNvPr id="8" name="TextBox 7">
@@ -25802,6 +24806,7 @@
                 </a:bodyPr>
                 <a:lstStyle/>
                 <a:p>
+                  <a:pPr/>
                   <a14:m>
                     <m:oMathPara xmlns:m="http://schemas.openxmlformats.org/officeDocument/2006/math">
                       <m:oMathParaPr>
@@ -25854,7 +24859,7 @@
               </p:txBody>
             </p:sp>
           </mc:Choice>
-          <mc:Fallback>
+          <mc:Fallback xmlns="">
             <p:sp>
               <p:nvSpPr>
                 <p:cNvPr id="8" name="TextBox 7">
@@ -25945,8 +24950,8 @@
             </a:fontRef>
           </p:style>
         </p:cxnSp>
-        <mc:AlternateContent xmlns:mc="http://schemas.openxmlformats.org/markup-compatibility/2006">
-          <mc:Choice xmlns:a14="http://schemas.microsoft.com/office/drawing/2010/main" Requires="a14">
+        <mc:AlternateContent xmlns:mc="http://schemas.openxmlformats.org/markup-compatibility/2006" xmlns:a14="http://schemas.microsoft.com/office/drawing/2010/main">
+          <mc:Choice Requires="a14">
             <p:sp>
               <p:nvSpPr>
                 <p:cNvPr id="10" name="Rectangle 9">
@@ -26029,7 +25034,7 @@
               </p:txBody>
             </p:sp>
           </mc:Choice>
-          <mc:Fallback>
+          <mc:Fallback xmlns="">
             <p:sp>
               <p:nvSpPr>
                 <p:cNvPr id="10" name="Rectangle 9">
@@ -26120,8 +25125,8 @@
             </a:fontRef>
           </p:style>
         </p:cxnSp>
-        <mc:AlternateContent xmlns:mc="http://schemas.openxmlformats.org/markup-compatibility/2006">
-          <mc:Choice xmlns:a14="http://schemas.microsoft.com/office/drawing/2010/main" Requires="a14">
+        <mc:AlternateContent xmlns:mc="http://schemas.openxmlformats.org/markup-compatibility/2006" xmlns:a14="http://schemas.microsoft.com/office/drawing/2010/main">
+          <mc:Choice Requires="a14">
             <p:sp>
               <p:nvSpPr>
                 <p:cNvPr id="12" name="Rectangle 11">
@@ -26204,7 +25209,7 @@
               </p:txBody>
             </p:sp>
           </mc:Choice>
-          <mc:Fallback>
+          <mc:Fallback xmlns="">
             <p:sp>
               <p:nvSpPr>
                 <p:cNvPr id="12" name="Rectangle 11">
@@ -26250,8 +25255,8 @@
           </mc:Fallback>
         </mc:AlternateContent>
       </p:grpSp>
-      <mc:AlternateContent xmlns:mc="http://schemas.openxmlformats.org/markup-compatibility/2006">
-        <mc:Choice xmlns:a14="http://schemas.microsoft.com/office/drawing/2010/main" Requires="a14">
+      <mc:AlternateContent xmlns:mc="http://schemas.openxmlformats.org/markup-compatibility/2006" xmlns:a14="http://schemas.microsoft.com/office/drawing/2010/main">
+        <mc:Choice Requires="a14">
           <p:sp>
             <p:nvSpPr>
               <p:cNvPr id="15" name="TextBox 14">
@@ -26280,6 +25285,7 @@
               </a:bodyPr>
               <a:lstStyle/>
               <a:p>
+                <a:pPr/>
                 <a14:m>
                   <m:oMathPara xmlns:m="http://schemas.openxmlformats.org/officeDocument/2006/math">
                     <m:oMathParaPr>
@@ -26332,7 +25338,7 @@
             </p:txBody>
           </p:sp>
         </mc:Choice>
-        <mc:Fallback>
+        <mc:Fallback xmlns="">
           <p:sp>
             <p:nvSpPr>
               <p:cNvPr id="15" name="TextBox 14">
@@ -26425,8 +25431,8 @@
           </a:fontRef>
         </p:style>
       </p:cxnSp>
-      <mc:AlternateContent xmlns:mc="http://schemas.openxmlformats.org/markup-compatibility/2006">
-        <mc:Choice xmlns:a14="http://schemas.microsoft.com/office/drawing/2010/main" Requires="a14">
+      <mc:AlternateContent xmlns:mc="http://schemas.openxmlformats.org/markup-compatibility/2006" xmlns:a14="http://schemas.microsoft.com/office/drawing/2010/main">
+        <mc:Choice Requires="a14">
           <p:sp>
             <p:nvSpPr>
               <p:cNvPr id="20" name="Rectangle 19">
@@ -26509,7 +25515,7 @@
             </p:txBody>
           </p:sp>
         </mc:Choice>
-        <mc:Fallback>
+        <mc:Fallback xmlns="">
           <p:sp>
             <p:nvSpPr>
               <p:cNvPr id="20" name="Rectangle 19">
@@ -26607,8 +25613,8 @@
           </a:p>
         </p:txBody>
       </p:sp>
-      <mc:AlternateContent xmlns:mc="http://schemas.openxmlformats.org/markup-compatibility/2006">
-        <mc:Choice xmlns:a14="http://schemas.microsoft.com/office/drawing/2010/main" Requires="a14">
+      <mc:AlternateContent xmlns:mc="http://schemas.openxmlformats.org/markup-compatibility/2006" xmlns:a14="http://schemas.microsoft.com/office/drawing/2010/main">
+        <mc:Choice Requires="a14">
           <p:sp>
             <p:nvSpPr>
               <p:cNvPr id="22" name="Rectangle 21">
@@ -26701,7 +25707,7 @@
             </p:txBody>
           </p:sp>
         </mc:Choice>
-        <mc:Fallback>
+        <mc:Fallback xmlns="">
           <p:sp>
             <p:nvSpPr>
               <p:cNvPr id="22" name="Rectangle 21">
@@ -26746,8 +25752,8 @@
           </p:sp>
         </mc:Fallback>
       </mc:AlternateContent>
-      <mc:AlternateContent xmlns:mc="http://schemas.openxmlformats.org/markup-compatibility/2006">
-        <mc:Choice xmlns:a14="http://schemas.microsoft.com/office/drawing/2010/main" Requires="a14">
+      <mc:AlternateContent xmlns:mc="http://schemas.openxmlformats.org/markup-compatibility/2006" xmlns:a14="http://schemas.microsoft.com/office/drawing/2010/main">
+        <mc:Choice Requires="a14">
           <p:sp>
             <p:nvSpPr>
               <p:cNvPr id="23" name="Rectangle 22">
@@ -26829,7 +25835,7 @@
             </p:txBody>
           </p:sp>
         </mc:Choice>
-        <mc:Fallback>
+        <mc:Fallback xmlns="">
           <p:sp>
             <p:nvSpPr>
               <p:cNvPr id="23" name="Rectangle 22">
@@ -26920,8 +25926,8 @@
           </a:p>
         </p:txBody>
       </p:sp>
-      <mc:AlternateContent xmlns:mc="http://schemas.openxmlformats.org/markup-compatibility/2006">
-        <mc:Choice xmlns:a14="http://schemas.microsoft.com/office/drawing/2010/main" Requires="a14">
+      <mc:AlternateContent xmlns:mc="http://schemas.openxmlformats.org/markup-compatibility/2006" xmlns:a14="http://schemas.microsoft.com/office/drawing/2010/main">
+        <mc:Choice Requires="a14">
           <p:sp>
             <p:nvSpPr>
               <p:cNvPr id="26" name="TextBox 25">
@@ -26950,6 +25956,7 @@
               </a:bodyPr>
               <a:lstStyle/>
               <a:p>
+                <a:pPr/>
                 <a14:m>
                   <m:oMathPara xmlns:m="http://schemas.openxmlformats.org/officeDocument/2006/math">
                     <m:oMathParaPr>
@@ -27002,7 +26009,7 @@
             </p:txBody>
           </p:sp>
         </mc:Choice>
-        <mc:Fallback>
+        <mc:Fallback xmlns="">
           <p:sp>
             <p:nvSpPr>
               <p:cNvPr id="26" name="TextBox 25">
@@ -27313,8 +26320,8 @@
           </a:fontRef>
         </p:style>
       </p:cxnSp>
-      <mc:AlternateContent xmlns:mc="http://schemas.openxmlformats.org/markup-compatibility/2006">
-        <mc:Choice xmlns:a14="http://schemas.microsoft.com/office/drawing/2010/main" Requires="a14">
+      <mc:AlternateContent xmlns:mc="http://schemas.openxmlformats.org/markup-compatibility/2006" xmlns:a14="http://schemas.microsoft.com/office/drawing/2010/main">
+        <mc:Choice Requires="a14">
           <p:sp>
             <p:nvSpPr>
               <p:cNvPr id="51" name="TextBox 50">
@@ -27398,7 +26405,7 @@
             </p:txBody>
           </p:sp>
         </mc:Choice>
-        <mc:Fallback>
+        <mc:Fallback xmlns="">
           <p:sp>
             <p:nvSpPr>
               <p:cNvPr id="51" name="TextBox 50">
@@ -27443,8 +26450,8 @@
           </p:sp>
         </mc:Fallback>
       </mc:AlternateContent>
-      <mc:AlternateContent xmlns:mc="http://schemas.openxmlformats.org/markup-compatibility/2006">
-        <mc:Choice xmlns:a14="http://schemas.microsoft.com/office/drawing/2010/main" Requires="a14">
+      <mc:AlternateContent xmlns:mc="http://schemas.openxmlformats.org/markup-compatibility/2006" xmlns:a14="http://schemas.microsoft.com/office/drawing/2010/main">
+        <mc:Choice Requires="a14">
           <p:sp>
             <p:nvSpPr>
               <p:cNvPr id="54" name="TextBox 53">
@@ -27473,6 +26480,7 @@
               </a:bodyPr>
               <a:lstStyle/>
               <a:p>
+                <a:pPr/>
                 <a14:m>
                   <m:oMathPara xmlns:m="http://schemas.openxmlformats.org/officeDocument/2006/math">
                     <m:oMathParaPr>
@@ -27525,7 +26533,7 @@
             </p:txBody>
           </p:sp>
         </mc:Choice>
-        <mc:Fallback>
+        <mc:Fallback xmlns="">
           <p:sp>
             <p:nvSpPr>
               <p:cNvPr id="54" name="TextBox 53">
@@ -27618,8 +26626,8 @@
           </a:fontRef>
         </p:style>
       </p:cxnSp>
-      <mc:AlternateContent xmlns:mc="http://schemas.openxmlformats.org/markup-compatibility/2006">
-        <mc:Choice xmlns:a14="http://schemas.microsoft.com/office/drawing/2010/main" Requires="a14">
+      <mc:AlternateContent xmlns:mc="http://schemas.openxmlformats.org/markup-compatibility/2006" xmlns:a14="http://schemas.microsoft.com/office/drawing/2010/main">
+        <mc:Choice Requires="a14">
           <p:sp>
             <p:nvSpPr>
               <p:cNvPr id="56" name="Rectangle 55">
@@ -27702,7 +26710,7 @@
             </p:txBody>
           </p:sp>
         </mc:Choice>
-        <mc:Fallback>
+        <mc:Fallback xmlns="">
           <p:sp>
             <p:nvSpPr>
               <p:cNvPr id="56" name="Rectangle 55">
@@ -27800,8 +26808,8 @@
           </a:p>
         </p:txBody>
       </p:sp>
-      <mc:AlternateContent xmlns:mc="http://schemas.openxmlformats.org/markup-compatibility/2006">
-        <mc:Choice xmlns:a14="http://schemas.microsoft.com/office/drawing/2010/main" Requires="a14">
+      <mc:AlternateContent xmlns:mc="http://schemas.openxmlformats.org/markup-compatibility/2006" xmlns:a14="http://schemas.microsoft.com/office/drawing/2010/main">
+        <mc:Choice Requires="a14">
           <p:sp>
             <p:nvSpPr>
               <p:cNvPr id="58" name="Rectangle 57">
@@ -27894,7 +26902,7 @@
             </p:txBody>
           </p:sp>
         </mc:Choice>
-        <mc:Fallback>
+        <mc:Fallback xmlns="">
           <p:sp>
             <p:nvSpPr>
               <p:cNvPr id="58" name="Rectangle 57">
@@ -27939,8 +26947,8 @@
           </p:sp>
         </mc:Fallback>
       </mc:AlternateContent>
-      <mc:AlternateContent xmlns:mc="http://schemas.openxmlformats.org/markup-compatibility/2006">
-        <mc:Choice xmlns:a14="http://schemas.microsoft.com/office/drawing/2010/main" Requires="a14">
+      <mc:AlternateContent xmlns:mc="http://schemas.openxmlformats.org/markup-compatibility/2006" xmlns:a14="http://schemas.microsoft.com/office/drawing/2010/main">
+        <mc:Choice Requires="a14">
           <p:sp>
             <p:nvSpPr>
               <p:cNvPr id="59" name="Rectangle 58">
@@ -28022,7 +27030,7 @@
             </p:txBody>
           </p:sp>
         </mc:Choice>
-        <mc:Fallback>
+        <mc:Fallback xmlns="">
           <p:sp>
             <p:nvSpPr>
               <p:cNvPr id="59" name="Rectangle 58">
@@ -28113,8 +27121,8 @@
           </a:p>
         </p:txBody>
       </p:sp>
-      <mc:AlternateContent xmlns:mc="http://schemas.openxmlformats.org/markup-compatibility/2006">
-        <mc:Choice xmlns:a14="http://schemas.microsoft.com/office/drawing/2010/main" Requires="a14">
+      <mc:AlternateContent xmlns:mc="http://schemas.openxmlformats.org/markup-compatibility/2006" xmlns:a14="http://schemas.microsoft.com/office/drawing/2010/main">
+        <mc:Choice Requires="a14">
           <p:sp>
             <p:nvSpPr>
               <p:cNvPr id="61" name="TextBox 60">
@@ -28143,6 +27151,7 @@
               </a:bodyPr>
               <a:lstStyle/>
               <a:p>
+                <a:pPr/>
                 <a14:m>
                   <m:oMathPara xmlns:m="http://schemas.openxmlformats.org/officeDocument/2006/math">
                     <m:oMathParaPr>
@@ -28195,7 +27204,7 @@
             </p:txBody>
           </p:sp>
         </mc:Choice>
-        <mc:Fallback>
+        <mc:Fallback xmlns="">
           <p:sp>
             <p:nvSpPr>
               <p:cNvPr id="61" name="TextBox 60">
@@ -28508,8 +27517,8 @@
           </a:fontRef>
         </p:style>
       </p:cxnSp>
-      <mc:AlternateContent xmlns:mc="http://schemas.openxmlformats.org/markup-compatibility/2006">
-        <mc:Choice xmlns:a14="http://schemas.microsoft.com/office/drawing/2010/main" Requires="a14">
+      <mc:AlternateContent xmlns:mc="http://schemas.openxmlformats.org/markup-compatibility/2006" xmlns:a14="http://schemas.microsoft.com/office/drawing/2010/main">
+        <mc:Choice Requires="a14">
           <p:sp>
             <p:nvSpPr>
               <p:cNvPr id="68" name="TextBox 67">
@@ -28593,7 +27602,7 @@
             </p:txBody>
           </p:sp>
         </mc:Choice>
-        <mc:Fallback>
+        <mc:Fallback xmlns="">
           <p:sp>
             <p:nvSpPr>
               <p:cNvPr id="68" name="TextBox 67">
@@ -28686,8 +27695,8 @@
           </a:fontRef>
         </p:style>
       </p:cxnSp>
-      <mc:AlternateContent xmlns:mc="http://schemas.openxmlformats.org/markup-compatibility/2006">
-        <mc:Choice xmlns:a14="http://schemas.microsoft.com/office/drawing/2010/main" Requires="a14">
+      <mc:AlternateContent xmlns:mc="http://schemas.openxmlformats.org/markup-compatibility/2006" xmlns:a14="http://schemas.microsoft.com/office/drawing/2010/main">
+        <mc:Choice Requires="a14">
           <p:sp>
             <p:nvSpPr>
               <p:cNvPr id="70" name="Rectangle 69">
@@ -28779,7 +27788,7 @@
             </p:txBody>
           </p:sp>
         </mc:Choice>
-        <mc:Fallback>
+        <mc:Fallback xmlns="">
           <p:sp>
             <p:nvSpPr>
               <p:cNvPr id="70" name="Rectangle 69">
@@ -28824,8 +27833,8 @@
           </p:sp>
         </mc:Fallback>
       </mc:AlternateContent>
-      <mc:AlternateContent xmlns:mc="http://schemas.openxmlformats.org/markup-compatibility/2006">
-        <mc:Choice xmlns:a14="http://schemas.microsoft.com/office/drawing/2010/main" Requires="a14">
+      <mc:AlternateContent xmlns:mc="http://schemas.openxmlformats.org/markup-compatibility/2006" xmlns:a14="http://schemas.microsoft.com/office/drawing/2010/main">
+        <mc:Choice Requires="a14">
           <p:sp>
             <p:nvSpPr>
               <p:cNvPr id="71" name="Rectangle 70">
@@ -28907,7 +27916,7 @@
             </p:txBody>
           </p:sp>
         </mc:Choice>
-        <mc:Fallback>
+        <mc:Fallback xmlns="">
           <p:sp>
             <p:nvSpPr>
               <p:cNvPr id="71" name="Rectangle 70">
@@ -29305,8 +28314,8 @@
             </a:fontRef>
           </p:style>
         </p:cxnSp>
-        <mc:AlternateContent xmlns:mc="http://schemas.openxmlformats.org/markup-compatibility/2006">
-          <mc:Choice xmlns:a14="http://schemas.microsoft.com/office/drawing/2010/main" Requires="a14">
+        <mc:AlternateContent xmlns:mc="http://schemas.openxmlformats.org/markup-compatibility/2006" xmlns:a14="http://schemas.microsoft.com/office/drawing/2010/main">
+          <mc:Choice Requires="a14">
             <p:sp>
               <p:nvSpPr>
                 <p:cNvPr id="85" name="Rectangle 84">
@@ -29362,7 +28371,7 @@
               </p:txBody>
             </p:sp>
           </mc:Choice>
-          <mc:Fallback>
+          <mc:Fallback xmlns="">
             <p:sp>
               <p:nvSpPr>
                 <p:cNvPr id="85" name="Rectangle 84">
@@ -29429,6 +28438,12 @@
             <a:prstGeom prst="rect">
               <a:avLst/>
             </a:prstGeom>
+            <a:solidFill>
+              <a:srgbClr val="FF0000"/>
+            </a:solidFill>
+            <a:ln>
+              <a:noFill/>
+            </a:ln>
           </p:spPr>
           <p:style>
             <a:lnRef idx="1">
@@ -29786,8 +28801,8 @@
             </a:fontRef>
           </p:style>
         </p:cxnSp>
-        <mc:AlternateContent xmlns:mc="http://schemas.openxmlformats.org/markup-compatibility/2006">
-          <mc:Choice xmlns:a14="http://schemas.microsoft.com/office/drawing/2010/main" Requires="a14">
+        <mc:AlternateContent xmlns:mc="http://schemas.openxmlformats.org/markup-compatibility/2006" xmlns:a14="http://schemas.microsoft.com/office/drawing/2010/main">
+          <mc:Choice Requires="a14">
             <p:sp>
               <p:nvSpPr>
                 <p:cNvPr id="94" name="Rectangle 93">
@@ -29860,7 +28875,7 @@
               </p:txBody>
             </p:sp>
           </mc:Choice>
-          <mc:Fallback>
+          <mc:Fallback xmlns="">
             <p:sp>
               <p:nvSpPr>
                 <p:cNvPr id="94" name="Rectangle 93">
@@ -31403,7 +30418,7 @@
         </p:nvGrpSpPr>
         <p:grpSpPr>
           <a:xfrm>
-            <a:off x="5559855" y="464811"/>
+            <a:off x="5559855" y="328181"/>
             <a:ext cx="3126945" cy="832348"/>
             <a:chOff x="5559855" y="464811"/>
             <a:chExt cx="3126945" cy="832348"/>
@@ -31551,8 +30566,8 @@
             </a:fontRef>
           </p:style>
         </p:cxnSp>
-        <mc:AlternateContent xmlns:mc="http://schemas.openxmlformats.org/markup-compatibility/2006">
-          <mc:Choice xmlns:a14="http://schemas.microsoft.com/office/drawing/2010/main" Requires="a14">
+        <mc:AlternateContent xmlns:mc="http://schemas.openxmlformats.org/markup-compatibility/2006" xmlns:a14="http://schemas.microsoft.com/office/drawing/2010/main">
+          <mc:Choice Requires="a14">
             <p:sp>
               <p:nvSpPr>
                 <p:cNvPr id="8" name="Rectangle 7">
@@ -31608,7 +30623,7 @@
               </p:txBody>
             </p:sp>
           </mc:Choice>
-          <mc:Fallback>
+          <mc:Fallback xmlns="">
             <p:sp>
               <p:nvSpPr>
                 <p:cNvPr id="8" name="Rectangle 7">
@@ -32056,6 +31071,12 @@
                 <a:prstGeom prst="rect">
                   <a:avLst/>
                 </a:prstGeom>
+                <a:solidFill>
+                  <a:srgbClr val="FF0000"/>
+                </a:solidFill>
+                <a:ln>
+                  <a:noFill/>
+                </a:ln>
               </p:spPr>
               <p:style>
                 <a:lnRef idx="1">
@@ -32135,6 +31156,9 @@
                     <a:fillRect/>
                   </a:stretch>
                 </a:blipFill>
+                <a:ln>
+                  <a:noFill/>
+                </a:ln>
               </p:spPr>
               <p:txBody>
                 <a:bodyPr/>
@@ -32377,14 +31401,84 @@
           </p:txBody>
         </p:sp>
       </p:grpSp>
+      <p:sp>
+        <p:nvSpPr>
+          <p:cNvPr id="26" name="TextBox 25">
+            <a:extLst>
+              <a:ext uri="{FF2B5EF4-FFF2-40B4-BE49-F238E27FC236}">
+                <a16:creationId xmlns:a16="http://schemas.microsoft.com/office/drawing/2014/main" id="{14E499A8-FA1E-FBB5-0095-E24C1FA991E7}"/>
+              </a:ext>
+            </a:extLst>
+          </p:cNvPr>
+          <p:cNvSpPr txBox="1"/>
+          <p:nvPr/>
+        </p:nvSpPr>
+        <p:spPr>
+          <a:xfrm>
+            <a:off x="415160" y="1061928"/>
+            <a:ext cx="1792478" cy="400110"/>
+          </a:xfrm>
+          <a:prstGeom prst="rect">
+            <a:avLst/>
+          </a:prstGeom>
+          <a:noFill/>
+        </p:spPr>
+        <p:txBody>
+          <a:bodyPr wrap="none" rtlCol="0">
+            <a:spAutoFit/>
+          </a:bodyPr>
+          <a:lstStyle/>
+          <a:p>
+            <a:r>
+              <a:rPr lang="en-US" sz="2000" b="1" dirty="0"/>
+              <a:t>Discrete time</a:t>
+            </a:r>
+          </a:p>
+        </p:txBody>
+      </p:sp>
+      <p:sp>
+        <p:nvSpPr>
+          <p:cNvPr id="32" name="TextBox 31">
+            <a:extLst>
+              <a:ext uri="{FF2B5EF4-FFF2-40B4-BE49-F238E27FC236}">
+                <a16:creationId xmlns:a16="http://schemas.microsoft.com/office/drawing/2014/main" id="{9C775F85-E938-2860-3062-092060E92389}"/>
+              </a:ext>
+            </a:extLst>
+          </p:cNvPr>
+          <p:cNvSpPr txBox="1"/>
+          <p:nvPr/>
+        </p:nvSpPr>
+        <p:spPr>
+          <a:xfrm>
+            <a:off x="388880" y="3716928"/>
+            <a:ext cx="2207656" cy="400110"/>
+          </a:xfrm>
+          <a:prstGeom prst="rect">
+            <a:avLst/>
+          </a:prstGeom>
+          <a:noFill/>
+        </p:spPr>
+        <p:txBody>
+          <a:bodyPr wrap="none" rtlCol="0">
+            <a:spAutoFit/>
+          </a:bodyPr>
+          <a:lstStyle/>
+          <a:p>
+            <a:r>
+              <a:rPr lang="en-US" sz="2000" b="1" dirty="0"/>
+              <a:t>Continuous time</a:t>
+            </a:r>
+          </a:p>
+        </p:txBody>
+      </p:sp>
       <mc:AlternateContent xmlns:mc="http://schemas.openxmlformats.org/markup-compatibility/2006">
         <mc:Choice xmlns:a14="http://schemas.microsoft.com/office/drawing/2010/main" Requires="a14">
           <p:sp>
             <p:nvSpPr>
-              <p:cNvPr id="23" name="TextBox 22">
+              <p:cNvPr id="33" name="TextBox 32">
                 <a:extLst>
                   <a:ext uri="{FF2B5EF4-FFF2-40B4-BE49-F238E27FC236}">
-                    <a16:creationId xmlns:a16="http://schemas.microsoft.com/office/drawing/2014/main" id="{0F67CA1B-2F52-1700-3E2C-88245C2B6864}"/>
+                    <a16:creationId xmlns:a16="http://schemas.microsoft.com/office/drawing/2014/main" id="{D2DC5C72-0192-2412-D6F4-FC11E6FA7BF0}"/>
                   </a:ext>
                 </a:extLst>
               </p:cNvPr>
@@ -32393,8 +31487,549 @@
             </p:nvSpPr>
             <p:spPr>
               <a:xfrm>
-                <a:off x="993228" y="1860331"/>
-                <a:ext cx="4041106" cy="307777"/>
+                <a:off x="415160" y="4174303"/>
+                <a:ext cx="2821542" cy="597279"/>
+              </a:xfrm>
+              <a:prstGeom prst="rect">
+                <a:avLst/>
+              </a:prstGeom>
+              <a:noFill/>
+            </p:spPr>
+            <p:txBody>
+              <a:bodyPr wrap="none" lIns="0" tIns="0" rIns="0" bIns="0" rtlCol="0">
+                <a:spAutoFit/>
+              </a:bodyPr>
+              <a:lstStyle/>
+              <a:p>
+                <a:pPr/>
+                <a14:m>
+                  <m:oMathPara xmlns:m="http://schemas.openxmlformats.org/officeDocument/2006/math">
+                    <m:oMathParaPr>
+                      <m:jc m:val="centerGroup"/>
+                    </m:oMathParaPr>
+                    <m:oMath xmlns:m="http://schemas.openxmlformats.org/officeDocument/2006/math">
+                      <m:f>
+                        <m:fPr>
+                          <m:ctrlPr>
+                            <a:rPr lang="en-US" sz="2000" b="0" i="1" smtClean="0">
+                              <a:latin typeface="Cambria Math" panose="02040503050406030204" pitchFamily="18" charset="0"/>
+                            </a:rPr>
+                          </m:ctrlPr>
+                        </m:fPr>
+                        <m:num>
+                          <m:r>
+                            <a:rPr lang="en-US" sz="2000" b="0" i="1" smtClean="0">
+                              <a:latin typeface="Cambria Math" panose="02040503050406030204" pitchFamily="18" charset="0"/>
+                            </a:rPr>
+                            <m:t>𝑑𝑦</m:t>
+                          </m:r>
+                          <m:d>
+                            <m:dPr>
+                              <m:ctrlPr>
+                                <a:rPr lang="en-US" sz="2000" b="0" i="1" smtClean="0">
+                                  <a:latin typeface="Cambria Math" panose="02040503050406030204" pitchFamily="18" charset="0"/>
+                                </a:rPr>
+                              </m:ctrlPr>
+                            </m:dPr>
+                            <m:e>
+                              <m:r>
+                                <a:rPr lang="en-US" sz="2000" b="0" i="1" smtClean="0">
+                                  <a:latin typeface="Cambria Math" panose="02040503050406030204" pitchFamily="18" charset="0"/>
+                                </a:rPr>
+                                <m:t>𝑡</m:t>
+                              </m:r>
+                            </m:e>
+                          </m:d>
+                        </m:num>
+                        <m:den>
+                          <m:r>
+                            <a:rPr lang="en-US" sz="2000" b="0" i="1" smtClean="0">
+                              <a:latin typeface="Cambria Math" panose="02040503050406030204" pitchFamily="18" charset="0"/>
+                            </a:rPr>
+                            <m:t>𝑑𝑡</m:t>
+                          </m:r>
+                        </m:den>
+                      </m:f>
+                      <m:r>
+                        <a:rPr lang="en-US" sz="2000" b="0" i="1" smtClean="0">
+                          <a:latin typeface="Cambria Math" panose="02040503050406030204" pitchFamily="18" charset="0"/>
+                        </a:rPr>
+                        <m:t>=</m:t>
+                      </m:r>
+                      <m:sSubSup>
+                        <m:sSubSupPr>
+                          <m:ctrlPr>
+                            <a:rPr lang="en-US" sz="2000" b="0" i="1" smtClean="0">
+                              <a:latin typeface="Cambria Math" panose="02040503050406030204" pitchFamily="18" charset="0"/>
+                            </a:rPr>
+                          </m:ctrlPr>
+                        </m:sSubSupPr>
+                        <m:e>
+                          <m:r>
+                            <a:rPr lang="en-US" sz="2000" b="0" i="1" smtClean="0">
+                              <a:latin typeface="Cambria Math" panose="02040503050406030204" pitchFamily="18" charset="0"/>
+                            </a:rPr>
+                            <m:t>𝑘</m:t>
+                          </m:r>
+                        </m:e>
+                        <m:sub>
+                          <m:r>
+                            <a:rPr lang="en-US" sz="2000" b="0" i="1" smtClean="0">
+                              <a:latin typeface="Cambria Math" panose="02040503050406030204" pitchFamily="18" charset="0"/>
+                            </a:rPr>
+                            <m:t>𝐹</m:t>
+                          </m:r>
+                        </m:sub>
+                        <m:sup>
+                          <m:r>
+                            <a:rPr lang="en-US" sz="2000" b="0" i="1" smtClean="0">
+                              <a:latin typeface="Cambria Math" panose="02040503050406030204" pitchFamily="18" charset="0"/>
+                            </a:rPr>
+                            <m:t>′</m:t>
+                          </m:r>
+                        </m:sup>
+                      </m:sSubSup>
+                      <m:r>
+                        <a:rPr lang="en-US" sz="2000" b="0" i="1" smtClean="0">
+                          <a:latin typeface="Cambria Math" panose="02040503050406030204" pitchFamily="18" charset="0"/>
+                        </a:rPr>
+                        <m:t>𝑢</m:t>
+                      </m:r>
+                      <m:d>
+                        <m:dPr>
+                          <m:ctrlPr>
+                            <a:rPr lang="en-US" sz="2000" b="0" i="1" smtClean="0">
+                              <a:latin typeface="Cambria Math" panose="02040503050406030204" pitchFamily="18" charset="0"/>
+                            </a:rPr>
+                          </m:ctrlPr>
+                        </m:dPr>
+                        <m:e>
+                          <m:r>
+                            <a:rPr lang="en-US" sz="2000" b="0" i="1" smtClean="0">
+                              <a:latin typeface="Cambria Math" panose="02040503050406030204" pitchFamily="18" charset="0"/>
+                            </a:rPr>
+                            <m:t>𝑡</m:t>
+                          </m:r>
+                        </m:e>
+                      </m:d>
+                      <m:r>
+                        <a:rPr lang="en-US" sz="2000" b="0" i="1" smtClean="0">
+                          <a:latin typeface="Cambria Math" panose="02040503050406030204" pitchFamily="18" charset="0"/>
+                        </a:rPr>
+                        <m:t>−</m:t>
+                      </m:r>
+                      <m:sSubSup>
+                        <m:sSubSupPr>
+                          <m:ctrlPr>
+                            <a:rPr lang="en-US" sz="2000" b="0" i="1" smtClean="0">
+                              <a:latin typeface="Cambria Math" panose="02040503050406030204" pitchFamily="18" charset="0"/>
+                            </a:rPr>
+                          </m:ctrlPr>
+                        </m:sSubSupPr>
+                        <m:e>
+                          <m:r>
+                            <a:rPr lang="en-US" sz="2000" b="0" i="1" smtClean="0">
+                              <a:latin typeface="Cambria Math" panose="02040503050406030204" pitchFamily="18" charset="0"/>
+                            </a:rPr>
+                            <m:t>𝑘</m:t>
+                          </m:r>
+                        </m:e>
+                        <m:sub>
+                          <m:r>
+                            <a:rPr lang="en-US" sz="2000" b="0" i="1" smtClean="0">
+                              <a:latin typeface="Cambria Math" panose="02040503050406030204" pitchFamily="18" charset="0"/>
+                            </a:rPr>
+                            <m:t>𝐹</m:t>
+                          </m:r>
+                        </m:sub>
+                        <m:sup>
+                          <m:r>
+                            <a:rPr lang="en-US" sz="2000" b="0" i="1" smtClean="0">
+                              <a:latin typeface="Cambria Math" panose="02040503050406030204" pitchFamily="18" charset="0"/>
+                            </a:rPr>
+                            <m:t>′</m:t>
+                          </m:r>
+                        </m:sup>
+                      </m:sSubSup>
+                      <m:r>
+                        <a:rPr lang="en-US" sz="2000" b="0" i="1" smtClean="0">
+                          <a:latin typeface="Cambria Math" panose="02040503050406030204" pitchFamily="18" charset="0"/>
+                        </a:rPr>
+                        <m:t>𝑦</m:t>
+                      </m:r>
+                      <m:r>
+                        <a:rPr lang="en-US" sz="2000" b="0" i="1" smtClean="0">
+                          <a:latin typeface="Cambria Math" panose="02040503050406030204" pitchFamily="18" charset="0"/>
+                        </a:rPr>
+                        <m:t>(</m:t>
+                      </m:r>
+                      <m:r>
+                        <a:rPr lang="en-US" sz="2000" b="0" i="1" smtClean="0">
+                          <a:latin typeface="Cambria Math" panose="02040503050406030204" pitchFamily="18" charset="0"/>
+                        </a:rPr>
+                        <m:t>𝑡</m:t>
+                      </m:r>
+                      <m:r>
+                        <a:rPr lang="en-US" sz="2000" b="0" i="1" smtClean="0">
+                          <a:latin typeface="Cambria Math" panose="02040503050406030204" pitchFamily="18" charset="0"/>
+                        </a:rPr>
+                        <m:t>)</m:t>
+                      </m:r>
+                    </m:oMath>
+                  </m:oMathPara>
+                </a14:m>
+                <a:endParaRPr lang="en-US" sz="2000" dirty="0"/>
+              </a:p>
+            </p:txBody>
+          </p:sp>
+        </mc:Choice>
+        <mc:Fallback>
+          <p:sp>
+            <p:nvSpPr>
+              <p:cNvPr id="33" name="TextBox 32">
+                <a:extLst>
+                  <a:ext uri="{FF2B5EF4-FFF2-40B4-BE49-F238E27FC236}">
+                    <a16:creationId xmlns:a16="http://schemas.microsoft.com/office/drawing/2014/main" id="{D2DC5C72-0192-2412-D6F4-FC11E6FA7BF0}"/>
+                  </a:ext>
+                </a:extLst>
+              </p:cNvPr>
+              <p:cNvSpPr txBox="1">
+                <a:spLocks noRot="1" noChangeAspect="1" noMove="1" noResize="1" noEditPoints="1" noAdjustHandles="1" noChangeArrowheads="1" noChangeShapeType="1" noTextEdit="1"/>
+              </p:cNvSpPr>
+              <p:nvPr/>
+            </p:nvSpPr>
+            <p:spPr>
+              <a:xfrm>
+                <a:off x="415160" y="4174303"/>
+                <a:ext cx="2821542" cy="597279"/>
+              </a:xfrm>
+              <a:prstGeom prst="rect">
+                <a:avLst/>
+              </a:prstGeom>
+              <a:blipFill>
+                <a:blip r:embed="rId4"/>
+                <a:stretch>
+                  <a:fillRect l="-2242" t="-2083" r="-2691" b="-14583"/>
+                </a:stretch>
+              </a:blipFill>
+            </p:spPr>
+            <p:txBody>
+              <a:bodyPr/>
+              <a:lstStyle/>
+              <a:p>
+                <a:r>
+                  <a:rPr lang="en-US">
+                    <a:noFill/>
+                  </a:rPr>
+                  <a:t> </a:t>
+                </a:r>
+              </a:p>
+            </p:txBody>
+          </p:sp>
+        </mc:Fallback>
+      </mc:AlternateContent>
+      <mc:AlternateContent xmlns:mc="http://schemas.openxmlformats.org/markup-compatibility/2006">
+        <mc:Choice xmlns:a14="http://schemas.microsoft.com/office/drawing/2010/main" Requires="a14">
+          <p:sp>
+            <p:nvSpPr>
+              <p:cNvPr id="35" name="TextBox 34">
+                <a:extLst>
+                  <a:ext uri="{FF2B5EF4-FFF2-40B4-BE49-F238E27FC236}">
+                    <a16:creationId xmlns:a16="http://schemas.microsoft.com/office/drawing/2014/main" id="{6390F67A-B7AF-2189-8EB5-FAC530B7F896}"/>
+                  </a:ext>
+                </a:extLst>
+              </p:cNvPr>
+              <p:cNvSpPr txBox="1"/>
+              <p:nvPr/>
+            </p:nvSpPr>
+            <p:spPr>
+              <a:xfrm>
+                <a:off x="430440" y="1498828"/>
+                <a:ext cx="3607398" cy="335605"/>
+              </a:xfrm>
+              <a:prstGeom prst="rect">
+                <a:avLst/>
+              </a:prstGeom>
+              <a:noFill/>
+            </p:spPr>
+            <p:txBody>
+              <a:bodyPr wrap="none" lIns="0" tIns="0" rIns="0" bIns="0" rtlCol="0">
+                <a:spAutoFit/>
+              </a:bodyPr>
+              <a:lstStyle/>
+              <a:p>
+                <a:pPr/>
+                <a14:m>
+                  <m:oMathPara xmlns:m="http://schemas.openxmlformats.org/officeDocument/2006/math">
+                    <m:oMathParaPr>
+                      <m:jc m:val="centerGroup"/>
+                    </m:oMathParaPr>
+                    <m:oMath xmlns:m="http://schemas.openxmlformats.org/officeDocument/2006/math">
+                      <m:r>
+                        <a:rPr lang="en-US" sz="2000" b="0" i="1" smtClean="0">
+                          <a:latin typeface="Cambria Math" panose="02040503050406030204" pitchFamily="18" charset="0"/>
+                        </a:rPr>
+                        <m:t>𝑦</m:t>
+                      </m:r>
+                      <m:r>
+                        <a:rPr lang="en-US" sz="2000" b="0" i="1" smtClean="0">
+                          <a:latin typeface="Cambria Math" panose="02040503050406030204" pitchFamily="18" charset="0"/>
+                        </a:rPr>
+                        <m:t>(</m:t>
+                      </m:r>
+                      <m:r>
+                        <a:rPr lang="en-US" sz="2000" b="0" i="1" smtClean="0">
+                          <a:latin typeface="Cambria Math" panose="02040503050406030204" pitchFamily="18" charset="0"/>
+                        </a:rPr>
+                        <m:t>𝑘</m:t>
+                      </m:r>
+                      <m:r>
+                        <a:rPr lang="en-US" sz="2000" b="0" i="1" smtClean="0">
+                          <a:latin typeface="Cambria Math" panose="02040503050406030204" pitchFamily="18" charset="0"/>
+                        </a:rPr>
+                        <m:t>)=</m:t>
+                      </m:r>
+                      <m:sSubSup>
+                        <m:sSubSupPr>
+                          <m:ctrlPr>
+                            <a:rPr lang="en-US" sz="2000" b="0" i="1" smtClean="0">
+                              <a:latin typeface="Cambria Math" panose="02040503050406030204" pitchFamily="18" charset="0"/>
+                            </a:rPr>
+                          </m:ctrlPr>
+                        </m:sSubSupPr>
+                        <m:e>
+                          <m:sSub>
+                            <m:sSubPr>
+                              <m:ctrlPr>
+                                <a:rPr lang="en-US" sz="2000" b="0" i="1" smtClean="0">
+                                  <a:latin typeface="Cambria Math" panose="02040503050406030204" pitchFamily="18" charset="0"/>
+                                </a:rPr>
+                              </m:ctrlPr>
+                            </m:sSubPr>
+                            <m:e>
+                              <m:r>
+                                <a:rPr lang="en-US" sz="2000" b="0" i="1" smtClean="0">
+                                  <a:latin typeface="Cambria Math" panose="02040503050406030204" pitchFamily="18" charset="0"/>
+                                </a:rPr>
+                                <m:t>𝑘</m:t>
+                              </m:r>
+                            </m:e>
+                            <m:sub>
+                              <m:r>
+                                <a:rPr lang="en-US" sz="2000" b="0" i="1" smtClean="0">
+                                  <a:latin typeface="Cambria Math" panose="02040503050406030204" pitchFamily="18" charset="0"/>
+                                </a:rPr>
+                                <m:t>𝑓</m:t>
+                              </m:r>
+                            </m:sub>
+                          </m:sSub>
+                          <m:r>
+                            <a:rPr lang="en-US" sz="2000" b="0" i="1" smtClean="0">
+                              <a:latin typeface="Cambria Math" panose="02040503050406030204" pitchFamily="18" charset="0"/>
+                            </a:rPr>
+                            <m:t>𝑥</m:t>
+                          </m:r>
+                          <m:d>
+                            <m:dPr>
+                              <m:ctrlPr>
+                                <a:rPr lang="en-US" sz="2000" b="0" i="1" smtClean="0">
+                                  <a:latin typeface="Cambria Math" panose="02040503050406030204" pitchFamily="18" charset="0"/>
+                                </a:rPr>
+                              </m:ctrlPr>
+                            </m:dPr>
+                            <m:e>
+                              <m:r>
+                                <a:rPr lang="en-US" sz="2000" b="0" i="1" smtClean="0">
+                                  <a:latin typeface="Cambria Math" panose="02040503050406030204" pitchFamily="18" charset="0"/>
+                                </a:rPr>
+                                <m:t>𝑘</m:t>
+                              </m:r>
+                            </m:e>
+                          </m:d>
+                          <m:r>
+                            <a:rPr lang="en-US" sz="2000" b="0" i="1" smtClean="0">
+                              <a:latin typeface="Cambria Math" panose="02040503050406030204" pitchFamily="18" charset="0"/>
+                            </a:rPr>
+                            <m:t>+</m:t>
+                          </m:r>
+                          <m:d>
+                            <m:dPr>
+                              <m:ctrlPr>
+                                <a:rPr lang="en-US" sz="2000" b="0" i="1" smtClean="0">
+                                  <a:latin typeface="Cambria Math" panose="02040503050406030204" pitchFamily="18" charset="0"/>
+                                </a:rPr>
+                              </m:ctrlPr>
+                            </m:dPr>
+                            <m:e>
+                              <m:r>
+                                <a:rPr lang="en-US" sz="2000" b="0" i="1" smtClean="0">
+                                  <a:latin typeface="Cambria Math" panose="02040503050406030204" pitchFamily="18" charset="0"/>
+                                </a:rPr>
+                                <m:t>1−</m:t>
+                              </m:r>
+                              <m:sSub>
+                                <m:sSubPr>
+                                  <m:ctrlPr>
+                                    <a:rPr lang="en-US" sz="2000" b="0" i="1" smtClean="0">
+                                      <a:latin typeface="Cambria Math" panose="02040503050406030204" pitchFamily="18" charset="0"/>
+                                    </a:rPr>
+                                  </m:ctrlPr>
+                                </m:sSubPr>
+                                <m:e>
+                                  <m:r>
+                                    <a:rPr lang="en-US" sz="2000" b="0" i="1" smtClean="0">
+                                      <a:latin typeface="Cambria Math" panose="02040503050406030204" pitchFamily="18" charset="0"/>
+                                    </a:rPr>
+                                    <m:t>𝑘</m:t>
+                                  </m:r>
+                                </m:e>
+                                <m:sub>
+                                  <m:r>
+                                    <a:rPr lang="en-US" sz="2000" b="0" i="1" smtClean="0">
+                                      <a:latin typeface="Cambria Math" panose="02040503050406030204" pitchFamily="18" charset="0"/>
+                                    </a:rPr>
+                                    <m:t>𝐹</m:t>
+                                  </m:r>
+                                </m:sub>
+                              </m:sSub>
+                            </m:e>
+                          </m:d>
+                          <m:r>
+                            <a:rPr lang="en-US" sz="2000" b="0" i="1" smtClean="0">
+                              <a:latin typeface="Cambria Math" panose="02040503050406030204" pitchFamily="18" charset="0"/>
+                            </a:rPr>
+                            <m:t>𝑦</m:t>
+                          </m:r>
+                          <m:r>
+                            <a:rPr lang="en-US" sz="2000" b="0" i="1" smtClean="0">
+                              <a:latin typeface="Cambria Math" panose="02040503050406030204" pitchFamily="18" charset="0"/>
+                            </a:rPr>
+                            <m:t>(</m:t>
+                          </m:r>
+                          <m:r>
+                            <a:rPr lang="en-US" sz="2000" b="0" i="1" smtClean="0">
+                              <a:latin typeface="Cambria Math" panose="02040503050406030204" pitchFamily="18" charset="0"/>
+                            </a:rPr>
+                            <m:t>𝑘</m:t>
+                          </m:r>
+                          <m:r>
+                            <a:rPr lang="en-US" sz="2000" b="0" i="1" smtClean="0">
+                              <a:latin typeface="Cambria Math" panose="02040503050406030204" pitchFamily="18" charset="0"/>
+                            </a:rPr>
+                            <m:t>)</m:t>
+                          </m:r>
+                        </m:e>
+                        <m:sub/>
+                        <m:sup>
+                          <m:r>
+                            <a:rPr lang="en-US" sz="2000" b="0" i="1" smtClean="0">
+                              <a:latin typeface="Cambria Math" panose="02040503050406030204" pitchFamily="18" charset="0"/>
+                            </a:rPr>
+                            <m:t>′</m:t>
+                          </m:r>
+                        </m:sup>
+                      </m:sSubSup>
+                    </m:oMath>
+                  </m:oMathPara>
+                </a14:m>
+                <a:endParaRPr lang="en-US" sz="2000" dirty="0"/>
+              </a:p>
+            </p:txBody>
+          </p:sp>
+        </mc:Choice>
+        <mc:Fallback>
+          <p:sp>
+            <p:nvSpPr>
+              <p:cNvPr id="35" name="TextBox 34">
+                <a:extLst>
+                  <a:ext uri="{FF2B5EF4-FFF2-40B4-BE49-F238E27FC236}">
+                    <a16:creationId xmlns:a16="http://schemas.microsoft.com/office/drawing/2014/main" id="{6390F67A-B7AF-2189-8EB5-FAC530B7F896}"/>
+                  </a:ext>
+                </a:extLst>
+              </p:cNvPr>
+              <p:cNvSpPr txBox="1">
+                <a:spLocks noRot="1" noChangeAspect="1" noMove="1" noResize="1" noEditPoints="1" noAdjustHandles="1" noChangeArrowheads="1" noChangeShapeType="1" noTextEdit="1"/>
+              </p:cNvSpPr>
+              <p:nvPr/>
+            </p:nvSpPr>
+            <p:spPr>
+              <a:xfrm>
+                <a:off x="430440" y="1498828"/>
+                <a:ext cx="3607398" cy="335605"/>
+              </a:xfrm>
+              <a:prstGeom prst="rect">
+                <a:avLst/>
+              </a:prstGeom>
+              <a:blipFill>
+                <a:blip r:embed="rId5"/>
+                <a:stretch>
+                  <a:fillRect l="-1056" b="-22222"/>
+                </a:stretch>
+              </a:blipFill>
+            </p:spPr>
+            <p:txBody>
+              <a:bodyPr/>
+              <a:lstStyle/>
+              <a:p>
+                <a:r>
+                  <a:rPr lang="en-US">
+                    <a:noFill/>
+                  </a:rPr>
+                  <a:t> </a:t>
+                </a:r>
+              </a:p>
+            </p:txBody>
+          </p:sp>
+        </mc:Fallback>
+      </mc:AlternateContent>
+      <p:pic>
+        <p:nvPicPr>
+          <p:cNvPr id="27" name="Picture 26">
+            <a:extLst>
+              <a:ext uri="{FF2B5EF4-FFF2-40B4-BE49-F238E27FC236}">
+                <a16:creationId xmlns:a16="http://schemas.microsoft.com/office/drawing/2014/main" id="{05FF9F74-47F8-F861-F8F6-51F07267AA5C}"/>
+              </a:ext>
+            </a:extLst>
+          </p:cNvPr>
+          <p:cNvPicPr>
+            <a:picLocks noChangeAspect="1"/>
+          </p:cNvPicPr>
+          <p:nvPr/>
+        </p:nvPicPr>
+        <p:blipFill>
+          <a:blip r:embed="rId6"/>
+          <a:stretch>
+            <a:fillRect/>
+          </a:stretch>
+        </p:blipFill>
+        <p:spPr>
+          <a:xfrm>
+            <a:off x="4572000" y="1309641"/>
+            <a:ext cx="3974861" cy="3949543"/>
+          </a:xfrm>
+          <a:prstGeom prst="rect">
+            <a:avLst/>
+          </a:prstGeom>
+        </p:spPr>
+      </p:pic>
+      <mc:AlternateContent xmlns:mc="http://schemas.openxmlformats.org/markup-compatibility/2006">
+        <mc:Choice xmlns:a14="http://schemas.microsoft.com/office/drawing/2010/main" Requires="a14">
+          <p:sp>
+            <p:nvSpPr>
+              <p:cNvPr id="29" name="TextBox 28">
+                <a:extLst>
+                  <a:ext uri="{FF2B5EF4-FFF2-40B4-BE49-F238E27FC236}">
+                    <a16:creationId xmlns:a16="http://schemas.microsoft.com/office/drawing/2014/main" id="{2FC58148-6D86-35BE-2A83-CAF8F1037C8C}"/>
+                  </a:ext>
+                </a:extLst>
+              </p:cNvPr>
+              <p:cNvSpPr txBox="1"/>
+              <p:nvPr/>
+            </p:nvSpPr>
+            <p:spPr>
+              <a:xfrm>
+                <a:off x="1331885" y="4828847"/>
+                <a:ext cx="823174" cy="307777"/>
               </a:xfrm>
               <a:prstGeom prst="rect">
                 <a:avLst/>
@@ -32413,20 +32048,14 @@
                       <m:jc m:val="centerGroup"/>
                     </m:oMathParaPr>
                     <m:oMath xmlns:m="http://schemas.openxmlformats.org/officeDocument/2006/math">
-                      <m:r>
-                        <a:rPr lang="en-US" sz="2000" b="0" i="1" smtClean="0">
-                          <a:latin typeface="Cambria Math" panose="02040503050406030204" pitchFamily="18" charset="0"/>
-                        </a:rPr>
-                        <m:t>𝑦</m:t>
-                      </m:r>
-                      <m:d>
-                        <m:dPr>
+                      <m:sSubSup>
+                        <m:sSubSupPr>
                           <m:ctrlPr>
                             <a:rPr lang="en-US" sz="2000" b="0" i="1" smtClean="0">
                               <a:latin typeface="Cambria Math" panose="02040503050406030204" pitchFamily="18" charset="0"/>
                             </a:rPr>
                           </m:ctrlPr>
-                        </m:dPr>
+                        </m:sSubSupPr>
                         <m:e>
                           <m:r>
                             <a:rPr lang="en-US" sz="2000" b="0" i="1" smtClean="0">
@@ -32435,13 +32064,118 @@
                             <m:t>𝑘</m:t>
                           </m:r>
                         </m:e>
-                      </m:d>
+                        <m:sub>
+                          <m:r>
+                            <a:rPr lang="en-US" sz="2000" b="0" i="1" smtClean="0">
+                              <a:latin typeface="Cambria Math" panose="02040503050406030204" pitchFamily="18" charset="0"/>
+                            </a:rPr>
+                            <m:t>𝐹</m:t>
+                          </m:r>
+                        </m:sub>
+                        <m:sup>
+                          <m:r>
+                            <a:rPr lang="en-US" sz="2000" b="0" i="1" smtClean="0">
+                              <a:latin typeface="Cambria Math" panose="02040503050406030204" pitchFamily="18" charset="0"/>
+                            </a:rPr>
+                            <m:t>′</m:t>
+                          </m:r>
+                        </m:sup>
+                      </m:sSubSup>
                       <m:r>
                         <a:rPr lang="en-US" sz="2000" b="0" i="1" smtClean="0">
                           <a:latin typeface="Cambria Math" panose="02040503050406030204" pitchFamily="18" charset="0"/>
                         </a:rPr>
-                        <m:t>=</m:t>
+                        <m:t>&gt;0</m:t>
                       </m:r>
+                    </m:oMath>
+                  </m:oMathPara>
+                </a14:m>
+                <a:endParaRPr lang="en-US" sz="2000" dirty="0"/>
+              </a:p>
+            </p:txBody>
+          </p:sp>
+        </mc:Choice>
+        <mc:Fallback>
+          <p:sp>
+            <p:nvSpPr>
+              <p:cNvPr id="29" name="TextBox 28">
+                <a:extLst>
+                  <a:ext uri="{FF2B5EF4-FFF2-40B4-BE49-F238E27FC236}">
+                    <a16:creationId xmlns:a16="http://schemas.microsoft.com/office/drawing/2014/main" id="{2FC58148-6D86-35BE-2A83-CAF8F1037C8C}"/>
+                  </a:ext>
+                </a:extLst>
+              </p:cNvPr>
+              <p:cNvSpPr txBox="1">
+                <a:spLocks noRot="1" noChangeAspect="1" noMove="1" noResize="1" noEditPoints="1" noAdjustHandles="1" noChangeArrowheads="1" noChangeShapeType="1" noTextEdit="1"/>
+              </p:cNvSpPr>
+              <p:nvPr/>
+            </p:nvSpPr>
+            <p:spPr>
+              <a:xfrm>
+                <a:off x="1331885" y="4828847"/>
+                <a:ext cx="823174" cy="307777"/>
+              </a:xfrm>
+              <a:prstGeom prst="rect">
+                <a:avLst/>
+              </a:prstGeom>
+              <a:blipFill>
+                <a:blip r:embed="rId7"/>
+                <a:stretch>
+                  <a:fillRect l="-6061" r="-6061" b="-16000"/>
+                </a:stretch>
+              </a:blipFill>
+            </p:spPr>
+            <p:txBody>
+              <a:bodyPr/>
+              <a:lstStyle/>
+              <a:p>
+                <a:r>
+                  <a:rPr lang="en-US">
+                    <a:noFill/>
+                  </a:rPr>
+                  <a:t> </a:t>
+                </a:r>
+              </a:p>
+            </p:txBody>
+          </p:sp>
+        </mc:Fallback>
+      </mc:AlternateContent>
+      <mc:AlternateContent xmlns:mc="http://schemas.openxmlformats.org/markup-compatibility/2006">
+        <mc:Choice xmlns:a14="http://schemas.microsoft.com/office/drawing/2010/main" Requires="a14">
+          <p:sp>
+            <p:nvSpPr>
+              <p:cNvPr id="30" name="TextBox 29">
+                <a:extLst>
+                  <a:ext uri="{FF2B5EF4-FFF2-40B4-BE49-F238E27FC236}">
+                    <a16:creationId xmlns:a16="http://schemas.microsoft.com/office/drawing/2014/main" id="{AB679C4C-171E-F7B2-F3B4-7C37906F6F82}"/>
+                  </a:ext>
+                </a:extLst>
+              </p:cNvPr>
+              <p:cNvSpPr txBox="1"/>
+              <p:nvPr/>
+            </p:nvSpPr>
+            <p:spPr>
+              <a:xfrm>
+                <a:off x="1246048" y="1929935"/>
+                <a:ext cx="1166217" cy="307777"/>
+              </a:xfrm>
+              <a:prstGeom prst="rect">
+                <a:avLst/>
+              </a:prstGeom>
+              <a:noFill/>
+            </p:spPr>
+            <p:txBody>
+              <a:bodyPr wrap="none" lIns="0" tIns="0" rIns="0" bIns="0" rtlCol="0">
+                <a:spAutoFit/>
+              </a:bodyPr>
+              <a:lstStyle/>
+              <a:p>
+                <a14:m>
+                  <m:oMathPara xmlns:m="http://schemas.openxmlformats.org/officeDocument/2006/math">
+                    <m:oMathParaPr>
+                      <m:jc m:val="centerGroup"/>
+                    </m:oMathParaPr>
+                    <m:oMath xmlns:m="http://schemas.openxmlformats.org/officeDocument/2006/math">
                       <m:sSub>
                         <m:sSubPr>
                           <m:ctrlPr>
@@ -32471,91 +32205,7 @@
                         <a:rPr lang="en-US" sz="2000" b="0" i="1" smtClean="0">
                           <a:latin typeface="Cambria Math" panose="02040503050406030204" pitchFamily="18" charset="0"/>
                         </a:rPr>
-                        <m:t>𝑢</m:t>
-                      </m:r>
-                      <m:r>
-                        <a:rPr lang="en-US" sz="2000" b="0" i="1" smtClean="0">
-                          <a:latin typeface="Cambria Math" panose="02040503050406030204" pitchFamily="18" charset="0"/>
-                        </a:rPr>
-                        <m:t>(</m:t>
-                      </m:r>
-                      <m:r>
-                        <a:rPr lang="en-US" sz="2000" b="0" i="1" smtClean="0">
-                          <a:latin typeface="Cambria Math" panose="02040503050406030204" pitchFamily="18" charset="0"/>
-                        </a:rPr>
-                        <m:t>𝑘</m:t>
-                      </m:r>
-                      <m:r>
-                        <a:rPr lang="en-US" sz="2000" b="0" i="1" smtClean="0">
-                          <a:latin typeface="Cambria Math" panose="02040503050406030204" pitchFamily="18" charset="0"/>
-                        </a:rPr>
-                        <m:t>)+</m:t>
-                      </m:r>
-                      <m:d>
-                        <m:dPr>
-                          <m:ctrlPr>
-                            <a:rPr lang="en-US" sz="2000" b="0" i="1" smtClean="0">
-                              <a:latin typeface="Cambria Math" panose="02040503050406030204" pitchFamily="18" charset="0"/>
-                            </a:rPr>
-                          </m:ctrlPr>
-                        </m:dPr>
-                        <m:e>
-                          <m:r>
-                            <a:rPr lang="en-US" sz="2000" b="0" i="1" smtClean="0">
-                              <a:latin typeface="Cambria Math" panose="02040503050406030204" pitchFamily="18" charset="0"/>
-                            </a:rPr>
-                            <m:t>1−</m:t>
-                          </m:r>
-                          <m:sSub>
-                            <m:sSubPr>
-                              <m:ctrlPr>
-                                <a:rPr lang="en-US" sz="2000" b="0" i="1" smtClean="0">
-                                  <a:latin typeface="Cambria Math" panose="02040503050406030204" pitchFamily="18" charset="0"/>
-                                </a:rPr>
-                              </m:ctrlPr>
-                            </m:sSubPr>
-                            <m:e>
-                              <m:r>
-                                <a:rPr lang="en-US" sz="2000" b="0" i="1" smtClean="0">
-                                  <a:latin typeface="Cambria Math" panose="02040503050406030204" pitchFamily="18" charset="0"/>
-                                </a:rPr>
-                                <m:t>𝑘</m:t>
-                              </m:r>
-                            </m:e>
-                            <m:sub>
-                              <m:r>
-                                <a:rPr lang="en-US" sz="2000" b="0" i="1" smtClean="0">
-                                  <a:latin typeface="Cambria Math" panose="02040503050406030204" pitchFamily="18" charset="0"/>
-                                </a:rPr>
-                                <m:t>𝐹</m:t>
-                              </m:r>
-                            </m:sub>
-                          </m:sSub>
-                        </m:e>
-                      </m:d>
-                      <m:r>
-                        <a:rPr lang="en-US" sz="2000" b="0" i="1" smtClean="0">
-                          <a:latin typeface="Cambria Math" panose="02040503050406030204" pitchFamily="18" charset="0"/>
-                        </a:rPr>
-                        <m:t>𝑦</m:t>
-                      </m:r>
-                      <m:r>
-                        <a:rPr lang="en-US" sz="2000" b="0" i="1" smtClean="0">
-                          <a:latin typeface="Cambria Math" panose="02040503050406030204" pitchFamily="18" charset="0"/>
-                        </a:rPr>
-                        <m:t>(</m:t>
-                      </m:r>
-                      <m:r>
-                        <a:rPr lang="en-US" sz="2000" b="0" i="1" smtClean="0">
-                          <a:latin typeface="Cambria Math" panose="02040503050406030204" pitchFamily="18" charset="0"/>
-                        </a:rPr>
-                        <m:t>𝑘</m:t>
-                      </m:r>
-                      <m:r>
-                        <a:rPr lang="en-US" sz="2000" b="0" i="1" smtClean="0">
-                          <a:latin typeface="Cambria Math" panose="02040503050406030204" pitchFamily="18" charset="0"/>
-                        </a:rPr>
-                        <m:t>−1)</m:t>
+                        <m:t>∈[0,1]</m:t>
                       </m:r>
                     </m:oMath>
                   </m:oMathPara>
@@ -32568,10 +32218,10 @@
         <mc:Fallback>
           <p:sp>
             <p:nvSpPr>
-              <p:cNvPr id="23" name="TextBox 22">
+              <p:cNvPr id="30" name="TextBox 29">
                 <a:extLst>
                   <a:ext uri="{FF2B5EF4-FFF2-40B4-BE49-F238E27FC236}">
-                    <a16:creationId xmlns:a16="http://schemas.microsoft.com/office/drawing/2014/main" id="{0F67CA1B-2F52-1700-3E2C-88245C2B6864}"/>
+                    <a16:creationId xmlns:a16="http://schemas.microsoft.com/office/drawing/2014/main" id="{AB679C4C-171E-F7B2-F3B4-7C37906F6F82}"/>
                   </a:ext>
                 </a:extLst>
               </p:cNvPr>
@@ -32582,16 +32232,16 @@
             </p:nvSpPr>
             <p:spPr>
               <a:xfrm>
-                <a:off x="993228" y="1860331"/>
-                <a:ext cx="4041106" cy="307777"/>
+                <a:off x="1246048" y="1929935"/>
+                <a:ext cx="1166217" cy="307777"/>
               </a:xfrm>
               <a:prstGeom prst="rect">
                 <a:avLst/>
               </a:prstGeom>
               <a:blipFill>
-                <a:blip r:embed="rId4"/>
+                <a:blip r:embed="rId8"/>
                 <a:stretch>
-                  <a:fillRect b="-32000"/>
+                  <a:fillRect l="-3191" r="-5319" b="-32000"/>
                 </a:stretch>
               </a:blipFill>
             </p:spPr>
@@ -32612,10 +32262,10 @@
       </mc:AlternateContent>
       <p:sp>
         <p:nvSpPr>
-          <p:cNvPr id="26" name="TextBox 25">
+          <p:cNvPr id="31" name="TextBox 30">
             <a:extLst>
               <a:ext uri="{FF2B5EF4-FFF2-40B4-BE49-F238E27FC236}">
-                <a16:creationId xmlns:a16="http://schemas.microsoft.com/office/drawing/2014/main" id="{14E499A8-FA1E-FBB5-0095-E24C1FA991E7}"/>
+                <a16:creationId xmlns:a16="http://schemas.microsoft.com/office/drawing/2014/main" id="{24AD04A6-0BBE-918D-34F1-33367BB2C8F6}"/>
               </a:ext>
             </a:extLst>
           </p:cNvPr>
@@ -32624,13 +32274,17 @@
         </p:nvSpPr>
         <p:spPr>
           <a:xfrm>
-            <a:off x="993228" y="1429793"/>
-            <a:ext cx="1792478" cy="400110"/>
+            <a:off x="4281180" y="5359172"/>
+            <a:ext cx="3767378" cy="1015663"/>
           </a:xfrm>
           <a:prstGeom prst="rect">
             <a:avLst/>
           </a:prstGeom>
-          <a:noFill/>
+          <a:solidFill>
+            <a:schemeClr val="bg1">
+              <a:lumMod val="85000"/>
+            </a:schemeClr>
+          </a:solidFill>
         </p:spPr>
         <p:txBody>
           <a:bodyPr wrap="none" rtlCol="0">
@@ -32639,8 +32293,60 @@
           <a:lstStyle/>
           <a:p>
             <a:r>
-              <a:rPr lang="en-US" sz="2000" b="1" dirty="0"/>
-              <a:t>Discrete time</a:t>
+              <a:rPr lang="en-US" sz="2000" dirty="0"/>
+              <a:t>Rule of thumb:</a:t>
+            </a:r>
+          </a:p>
+          <a:p>
+            <a:pPr marL="285750" indent="-285750">
+              <a:buFont typeface="Arial" panose="020B0604020202020204" pitchFamily="34" charset="0"/>
+              <a:buChar char="•"/>
+            </a:pPr>
+            <a:r>
+              <a:rPr lang="en-US" sz="2000" dirty="0"/>
+              <a:t>Use small </a:t>
+            </a:r>
+            <a:r>
+              <a:rPr lang="en-US" sz="2000" i="1" dirty="0" err="1"/>
+              <a:t>k</a:t>
+            </a:r>
+            <a:r>
+              <a:rPr lang="en-US" sz="2000" i="1" baseline="-25000" dirty="0" err="1"/>
+              <a:t>F</a:t>
+            </a:r>
+            <a:r>
+              <a:rPr lang="en-US" sz="2000" i="1" dirty="0"/>
+              <a:t> </a:t>
+            </a:r>
+            <a:r>
+              <a:rPr lang="en-US" sz="2000" dirty="0"/>
+              <a:t>for weak signal</a:t>
+            </a:r>
+          </a:p>
+          <a:p>
+            <a:pPr marL="285750" indent="-285750">
+              <a:buFont typeface="Arial" panose="020B0604020202020204" pitchFamily="34" charset="0"/>
+              <a:buChar char="•"/>
+            </a:pPr>
+            <a:r>
+              <a:rPr lang="en-US" sz="2000" dirty="0"/>
+              <a:t>Use large </a:t>
+            </a:r>
+            <a:r>
+              <a:rPr lang="en-US" sz="2000" i="1" dirty="0" err="1"/>
+              <a:t>k</a:t>
+            </a:r>
+            <a:r>
+              <a:rPr lang="en-US" sz="2000" i="1" baseline="-25000" dirty="0" err="1"/>
+              <a:t>F</a:t>
+            </a:r>
+            <a:r>
+              <a:rPr lang="en-US" sz="2000" i="1" dirty="0"/>
+              <a:t> </a:t>
+            </a:r>
+            <a:r>
+              <a:rPr lang="en-US" sz="2000" dirty="0"/>
+              <a:t>for strong signal</a:t>
             </a:r>
           </a:p>
         </p:txBody>
@@ -32655,6 +32361,333 @@
   <p:clrMapOvr>
     <a:masterClrMapping/>
   </p:clrMapOvr>
+  <p:timing>
+    <p:tnLst>
+      <p:par>
+        <p:cTn id="1" dur="indefinite" restart="never" nodeType="tmRoot">
+          <p:childTnLst>
+            <p:seq concurrent="1" nextAc="seek">
+              <p:cTn id="2" dur="indefinite" nodeType="mainSeq">
+                <p:childTnLst>
+                  <p:par>
+                    <p:cTn id="3" fill="hold">
+                      <p:stCondLst>
+                        <p:cond delay="indefinite"/>
+                      </p:stCondLst>
+                      <p:childTnLst>
+                        <p:par>
+                          <p:cTn id="4" fill="hold">
+                            <p:stCondLst>
+                              <p:cond delay="0"/>
+                            </p:stCondLst>
+                            <p:childTnLst>
+                              <p:par>
+                                <p:cTn id="5" presetID="1" presetClass="entr" presetSubtype="0" fill="hold" grpId="0" nodeType="clickEffect">
+                                  <p:stCondLst>
+                                    <p:cond delay="0"/>
+                                  </p:stCondLst>
+                                  <p:childTnLst>
+                                    <p:set>
+                                      <p:cBhvr>
+                                        <p:cTn id="6" dur="1" fill="hold">
+                                          <p:stCondLst>
+                                            <p:cond delay="0"/>
+                                          </p:stCondLst>
+                                        </p:cTn>
+                                        <p:tgtEl>
+                                          <p:spTgt spid="26"/>
+                                        </p:tgtEl>
+                                        <p:attrNameLst>
+                                          <p:attrName>style.visibility</p:attrName>
+                                        </p:attrNameLst>
+                                      </p:cBhvr>
+                                      <p:to>
+                                        <p:strVal val="visible"/>
+                                      </p:to>
+                                    </p:set>
+                                  </p:childTnLst>
+                                </p:cTn>
+                              </p:par>
+                              <p:par>
+                                <p:cTn id="7" presetID="1" presetClass="entr" presetSubtype="0" fill="hold" grpId="0" nodeType="withEffect">
+                                  <p:stCondLst>
+                                    <p:cond delay="0"/>
+                                  </p:stCondLst>
+                                  <p:childTnLst>
+                                    <p:set>
+                                      <p:cBhvr>
+                                        <p:cTn id="8" dur="1" fill="hold">
+                                          <p:stCondLst>
+                                            <p:cond delay="0"/>
+                                          </p:stCondLst>
+                                        </p:cTn>
+                                        <p:tgtEl>
+                                          <p:spTgt spid="35"/>
+                                        </p:tgtEl>
+                                        <p:attrNameLst>
+                                          <p:attrName>style.visibility</p:attrName>
+                                        </p:attrNameLst>
+                                      </p:cBhvr>
+                                      <p:to>
+                                        <p:strVal val="visible"/>
+                                      </p:to>
+                                    </p:set>
+                                  </p:childTnLst>
+                                </p:cTn>
+                              </p:par>
+                              <p:par>
+                                <p:cTn id="9" presetID="1" presetClass="entr" presetSubtype="0" fill="hold" grpId="0" nodeType="withEffect">
+                                  <p:stCondLst>
+                                    <p:cond delay="0"/>
+                                  </p:stCondLst>
+                                  <p:childTnLst>
+                                    <p:set>
+                                      <p:cBhvr>
+                                        <p:cTn id="10" dur="1" fill="hold">
+                                          <p:stCondLst>
+                                            <p:cond delay="0"/>
+                                          </p:stCondLst>
+                                        </p:cTn>
+                                        <p:tgtEl>
+                                          <p:spTgt spid="30"/>
+                                        </p:tgtEl>
+                                        <p:attrNameLst>
+                                          <p:attrName>style.visibility</p:attrName>
+                                        </p:attrNameLst>
+                                      </p:cBhvr>
+                                      <p:to>
+                                        <p:strVal val="visible"/>
+                                      </p:to>
+                                    </p:set>
+                                  </p:childTnLst>
+                                </p:cTn>
+                              </p:par>
+                            </p:childTnLst>
+                          </p:cTn>
+                        </p:par>
+                      </p:childTnLst>
+                    </p:cTn>
+                  </p:par>
+                  <p:par>
+                    <p:cTn id="11" fill="hold">
+                      <p:stCondLst>
+                        <p:cond delay="indefinite"/>
+                      </p:stCondLst>
+                      <p:childTnLst>
+                        <p:par>
+                          <p:cTn id="12" fill="hold">
+                            <p:stCondLst>
+                              <p:cond delay="0"/>
+                            </p:stCondLst>
+                            <p:childTnLst>
+                              <p:par>
+                                <p:cTn id="13" presetID="1" presetClass="entr" presetSubtype="0" fill="hold" grpId="0" nodeType="clickEffect">
+                                  <p:stCondLst>
+                                    <p:cond delay="0"/>
+                                  </p:stCondLst>
+                                  <p:childTnLst>
+                                    <p:set>
+                                      <p:cBhvr>
+                                        <p:cTn id="14" dur="1" fill="hold">
+                                          <p:stCondLst>
+                                            <p:cond delay="0"/>
+                                          </p:stCondLst>
+                                        </p:cTn>
+                                        <p:tgtEl>
+                                          <p:spTgt spid="32"/>
+                                        </p:tgtEl>
+                                        <p:attrNameLst>
+                                          <p:attrName>style.visibility</p:attrName>
+                                        </p:attrNameLst>
+                                      </p:cBhvr>
+                                      <p:to>
+                                        <p:strVal val="visible"/>
+                                      </p:to>
+                                    </p:set>
+                                  </p:childTnLst>
+                                </p:cTn>
+                              </p:par>
+                              <p:par>
+                                <p:cTn id="15" presetID="1" presetClass="entr" presetSubtype="0" fill="hold" grpId="0" nodeType="withEffect">
+                                  <p:stCondLst>
+                                    <p:cond delay="0"/>
+                                  </p:stCondLst>
+                                  <p:childTnLst>
+                                    <p:set>
+                                      <p:cBhvr>
+                                        <p:cTn id="16" dur="1" fill="hold">
+                                          <p:stCondLst>
+                                            <p:cond delay="0"/>
+                                          </p:stCondLst>
+                                        </p:cTn>
+                                        <p:tgtEl>
+                                          <p:spTgt spid="33"/>
+                                        </p:tgtEl>
+                                        <p:attrNameLst>
+                                          <p:attrName>style.visibility</p:attrName>
+                                        </p:attrNameLst>
+                                      </p:cBhvr>
+                                      <p:to>
+                                        <p:strVal val="visible"/>
+                                      </p:to>
+                                    </p:set>
+                                  </p:childTnLst>
+                                </p:cTn>
+                              </p:par>
+                              <p:par>
+                                <p:cTn id="17" presetID="1" presetClass="entr" presetSubtype="0" fill="hold" grpId="0" nodeType="withEffect">
+                                  <p:stCondLst>
+                                    <p:cond delay="0"/>
+                                  </p:stCondLst>
+                                  <p:childTnLst>
+                                    <p:set>
+                                      <p:cBhvr>
+                                        <p:cTn id="18" dur="1" fill="hold">
+                                          <p:stCondLst>
+                                            <p:cond delay="0"/>
+                                          </p:stCondLst>
+                                        </p:cTn>
+                                        <p:tgtEl>
+                                          <p:spTgt spid="29"/>
+                                        </p:tgtEl>
+                                        <p:attrNameLst>
+                                          <p:attrName>style.visibility</p:attrName>
+                                        </p:attrNameLst>
+                                      </p:cBhvr>
+                                      <p:to>
+                                        <p:strVal val="visible"/>
+                                      </p:to>
+                                    </p:set>
+                                  </p:childTnLst>
+                                </p:cTn>
+                              </p:par>
+                            </p:childTnLst>
+                          </p:cTn>
+                        </p:par>
+                      </p:childTnLst>
+                    </p:cTn>
+                  </p:par>
+                  <p:par>
+                    <p:cTn id="19" fill="hold">
+                      <p:stCondLst>
+                        <p:cond delay="indefinite"/>
+                      </p:stCondLst>
+                      <p:childTnLst>
+                        <p:par>
+                          <p:cTn id="20" fill="hold">
+                            <p:stCondLst>
+                              <p:cond delay="0"/>
+                            </p:stCondLst>
+                            <p:childTnLst>
+                              <p:par>
+                                <p:cTn id="21" presetID="1" presetClass="entr" presetSubtype="0" fill="hold" nodeType="clickEffect">
+                                  <p:stCondLst>
+                                    <p:cond delay="0"/>
+                                  </p:stCondLst>
+                                  <p:childTnLst>
+                                    <p:set>
+                                      <p:cBhvr>
+                                        <p:cTn id="22" dur="1" fill="hold">
+                                          <p:stCondLst>
+                                            <p:cond delay="0"/>
+                                          </p:stCondLst>
+                                        </p:cTn>
+                                        <p:tgtEl>
+                                          <p:spTgt spid="27"/>
+                                        </p:tgtEl>
+                                        <p:attrNameLst>
+                                          <p:attrName>style.visibility</p:attrName>
+                                        </p:attrNameLst>
+                                      </p:cBhvr>
+                                      <p:to>
+                                        <p:strVal val="visible"/>
+                                      </p:to>
+                                    </p:set>
+                                  </p:childTnLst>
+                                </p:cTn>
+                              </p:par>
+                            </p:childTnLst>
+                          </p:cTn>
+                        </p:par>
+                      </p:childTnLst>
+                    </p:cTn>
+                  </p:par>
+                  <p:par>
+                    <p:cTn id="23" fill="hold">
+                      <p:stCondLst>
+                        <p:cond delay="indefinite"/>
+                      </p:stCondLst>
+                      <p:childTnLst>
+                        <p:par>
+                          <p:cTn id="24" fill="hold">
+                            <p:stCondLst>
+                              <p:cond delay="0"/>
+                            </p:stCondLst>
+                            <p:childTnLst>
+                              <p:par>
+                                <p:cTn id="25" presetID="1" presetClass="entr" presetSubtype="0" fill="hold" grpId="0" nodeType="clickEffect">
+                                  <p:stCondLst>
+                                    <p:cond delay="0"/>
+                                  </p:stCondLst>
+                                  <p:childTnLst>
+                                    <p:set>
+                                      <p:cBhvr>
+                                        <p:cTn id="26" dur="1" fill="hold">
+                                          <p:stCondLst>
+                                            <p:cond delay="0"/>
+                                          </p:stCondLst>
+                                        </p:cTn>
+                                        <p:tgtEl>
+                                          <p:spTgt spid="31"/>
+                                        </p:tgtEl>
+                                        <p:attrNameLst>
+                                          <p:attrName>style.visibility</p:attrName>
+                                        </p:attrNameLst>
+                                      </p:cBhvr>
+                                      <p:to>
+                                        <p:strVal val="visible"/>
+                                      </p:to>
+                                    </p:set>
+                                  </p:childTnLst>
+                                </p:cTn>
+                              </p:par>
+                            </p:childTnLst>
+                          </p:cTn>
+                        </p:par>
+                      </p:childTnLst>
+                    </p:cTn>
+                  </p:par>
+                </p:childTnLst>
+              </p:cTn>
+              <p:prevCondLst>
+                <p:cond evt="onPrev" delay="0">
+                  <p:tgtEl>
+                    <p:sldTgt/>
+                  </p:tgtEl>
+                </p:cond>
+              </p:prevCondLst>
+              <p:nextCondLst>
+                <p:cond evt="onNext" delay="0">
+                  <p:tgtEl>
+                    <p:sldTgt/>
+                  </p:tgtEl>
+                </p:cond>
+              </p:nextCondLst>
+            </p:seq>
+          </p:childTnLst>
+        </p:cTn>
+      </p:par>
+    </p:tnLst>
+    <p:bldLst>
+      <p:bldP spid="26" grpId="0"/>
+      <p:bldP spid="32" grpId="0"/>
+      <p:bldP spid="33" grpId="0"/>
+      <p:bldP spid="35" grpId="0"/>
+      <p:bldP spid="29" grpId="0"/>
+      <p:bldP spid="30" grpId="0"/>
+      <p:bldP spid="31" grpId="0" animBg="1"/>
+    </p:bldLst>
+  </p:timing>
 </p:sld>
 </file>
 

--- a/classes/winter_2023/lectures/lecture_02-elements-of-closed-loop-systems/elements_of_closed_loop_systems.pptx
+++ b/classes/winter_2023/lectures/lecture_02-elements-of-closed-loop-systems/elements_of_closed_loop_systems.pptx
@@ -278,7 +278,7 @@
       </p15:sldGuideLst>
     </p:ext>
     <p:ext uri="http://customooxmlschemas.google.com/">
-      <go:slidesCustomData xmlns="" xmlns:mc="http://schemas.openxmlformats.org/markup-compatibility/2006" xmlns:mv="urn:schemas-microsoft-com:mac:vml" xmlns:c="http://schemas.openxmlformats.org/drawingml/2006/chart" xmlns:dgm="http://schemas.openxmlformats.org/drawingml/2006/diagram" xmlns:o="urn:schemas-microsoft-com:office:office" xmlns:v="urn:schemas-microsoft-com:vml" xmlns:pvml="urn:schemas-microsoft-com:office:powerpoint" xmlns:com="http://schemas.openxmlformats.org/drawingml/2006/compatibility" xmlns:p14="http://schemas.microsoft.com/office/powerpoint/2010/main" xmlns:p15="http://schemas.microsoft.com/office/powerpoint/2012/main" xmlns:ahyp="http://schemas.microsoft.com/office/drawing/2018/hyperlinkcolor" xmlns:go="http://customooxmlschemas.google.com/" r:id="rId43" roundtripDataSignature="AMtx7mgCuaoS/ao6GLJNkk1J/HieLCYVzQ=="/>
+      <go:slidesCustomData xmlns:go="http://customooxmlschemas.google.com/" xmlns:ahyp="http://schemas.microsoft.com/office/drawing/2018/hyperlinkcolor" xmlns:p15="http://schemas.microsoft.com/office/powerpoint/2012/main" xmlns:p14="http://schemas.microsoft.com/office/powerpoint/2010/main" xmlns:com="http://schemas.openxmlformats.org/drawingml/2006/compatibility" xmlns:pvml="urn:schemas-microsoft-com:office:powerpoint" xmlns:v="urn:schemas-microsoft-com:vml" xmlns:o="urn:schemas-microsoft-com:office:office" xmlns:dgm="http://schemas.openxmlformats.org/drawingml/2006/diagram" xmlns:c="http://schemas.openxmlformats.org/drawingml/2006/chart" xmlns:mv="urn:schemas-microsoft-com:mac:vml" xmlns:mc="http://schemas.openxmlformats.org/markup-compatibility/2006" xmlns="" r:id="rId43" roundtripDataSignature="AMtx7mgCuaoS/ao6GLJNkk1J/HieLCYVzQ=="/>
     </p:ext>
   </p:extLst>
 </p:presentation>
@@ -22357,8 +22357,8 @@
             </p:nvSpPr>
             <p:spPr>
               <a:xfrm>
-                <a:off x="1376274" y="981403"/>
-                <a:ext cx="2333878" cy="1005275"/>
+                <a:off x="1196200" y="1337177"/>
+                <a:ext cx="2135579" cy="615553"/>
               </a:xfrm>
               <a:prstGeom prst="rect">
                 <a:avLst/>
@@ -22407,66 +22407,39 @@
                         </a:rPr>
                         <m:t>=</m:t>
                       </m:r>
+                      <m:acc>
+                        <m:accPr>
+                          <m:chr m:val="̇"/>
+                          <m:ctrlPr>
+                            <a:rPr lang="en-US" sz="2000" i="1">
+                              <a:latin typeface="Cambria Math" panose="02040503050406030204" pitchFamily="18" charset="0"/>
+                            </a:rPr>
+                          </m:ctrlPr>
+                        </m:accPr>
+                        <m:e>
+                          <m:r>
+                            <a:rPr lang="en-US" sz="2000" i="1">
+                              <a:latin typeface="Cambria Math" panose="02040503050406030204" pitchFamily="18" charset="0"/>
+                            </a:rPr>
+                            <m:t>𝑒</m:t>
+                          </m:r>
+                        </m:e>
+                      </m:acc>
                       <m:d>
                         <m:dPr>
                           <m:ctrlPr>
-                            <a:rPr lang="en-US" sz="2000" b="0" i="1" smtClean="0">
+                            <a:rPr lang="en-US" sz="2000" i="1">
                               <a:latin typeface="Cambria Math" panose="02040503050406030204" pitchFamily="18" charset="0"/>
                             </a:rPr>
                           </m:ctrlPr>
                         </m:dPr>
                         <m:e>
-                          <m:nary>
-                            <m:naryPr>
-                              <m:ctrlPr>
-                                <a:rPr lang="en-US" sz="2000" i="1">
-                                  <a:latin typeface="Cambria Math" panose="02040503050406030204" pitchFamily="18" charset="0"/>
-                                </a:rPr>
-                              </m:ctrlPr>
-                            </m:naryPr>
-                            <m:sub>
-                              <m:r>
-                                <a:rPr lang="en-US" sz="2000" i="1">
-                                  <a:latin typeface="Cambria Math" panose="02040503050406030204" pitchFamily="18" charset="0"/>
-                                </a:rPr>
-                                <m:t>0</m:t>
-                              </m:r>
-                            </m:sub>
-                            <m:sup>
-                              <m:r>
-                                <a:rPr lang="en-US" sz="2000" i="1">
-                                  <a:latin typeface="Cambria Math" panose="02040503050406030204" pitchFamily="18" charset="0"/>
-                                </a:rPr>
-                                <m:t>𝑡</m:t>
-                              </m:r>
-                            </m:sup>
-                            <m:e>
-                              <m:r>
-                                <a:rPr lang="en-US" sz="2000" i="1">
-                                  <a:latin typeface="Cambria Math" panose="02040503050406030204" pitchFamily="18" charset="0"/>
-                                </a:rPr>
-                                <m:t>𝑒</m:t>
-                              </m:r>
-                              <m:r>
-                                <a:rPr lang="en-US" sz="2000" i="1">
-                                  <a:latin typeface="Cambria Math" panose="02040503050406030204" pitchFamily="18" charset="0"/>
-                                </a:rPr>
-                                <m:t>(</m:t>
-                              </m:r>
-                              <m:r>
-                                <a:rPr lang="en-US" sz="2000" i="1">
-                                  <a:latin typeface="Cambria Math" panose="02040503050406030204" pitchFamily="18" charset="0"/>
-                                </a:rPr>
-                                <m:t>𝑢</m:t>
-                              </m:r>
-                              <m:r>
-                                <a:rPr lang="en-US" sz="2000" i="1">
-                                  <a:latin typeface="Cambria Math" panose="02040503050406030204" pitchFamily="18" charset="0"/>
-                                </a:rPr>
-                                <m:t>)</m:t>
-                              </m:r>
-                            </m:e>
-                          </m:nary>
+                          <m:r>
+                            <a:rPr lang="en-US" sz="2000" i="1">
+                              <a:latin typeface="Cambria Math" panose="02040503050406030204" pitchFamily="18" charset="0"/>
+                            </a:rPr>
+                            <m:t>𝑡</m:t>
+                          </m:r>
                         </m:e>
                       </m:d>
                       <m:sSub>
@@ -22524,8 +22497,8 @@
             </p:nvSpPr>
             <p:spPr>
               <a:xfrm>
-                <a:off x="1376274" y="981403"/>
-                <a:ext cx="2333878" cy="1005275"/>
+                <a:off x="1196200" y="1337177"/>
+                <a:ext cx="2135579" cy="615553"/>
               </a:xfrm>
               <a:prstGeom prst="rect">
                 <a:avLst/>
@@ -22533,7 +22506,7 @@
               <a:blipFill>
                 <a:blip r:embed="rId2"/>
                 <a:stretch>
-                  <a:fillRect l="-3784" t="-125000" b="-153750"/>
+                  <a:fillRect/>
                 </a:stretch>
               </a:blipFill>
             </p:spPr>
@@ -31047,8 +31020,8 @@
             </a:fontRef>
           </p:style>
         </p:cxnSp>
-        <mc:AlternateContent xmlns:mc="http://schemas.openxmlformats.org/markup-compatibility/2006">
-          <mc:Choice xmlns:a14="http://schemas.microsoft.com/office/drawing/2010/main" Requires="a14">
+        <mc:AlternateContent xmlns:mc="http://schemas.openxmlformats.org/markup-compatibility/2006" xmlns:a14="http://schemas.microsoft.com/office/drawing/2010/main">
+          <mc:Choice Requires="a14">
             <p:sp>
               <p:nvSpPr>
                 <p:cNvPr id="17" name="Rectangle 16">
@@ -31127,7 +31100,7 @@
               </p:txBody>
             </p:sp>
           </mc:Choice>
-          <mc:Fallback>
+          <mc:Fallback xmlns="">
             <p:sp>
               <p:nvSpPr>
                 <p:cNvPr id="17" name="Rectangle 16">
@@ -31488,7 +31461,7 @@
             <p:spPr>
               <a:xfrm>
                 <a:off x="415160" y="4174303"/>
-                <a:ext cx="2821542" cy="597279"/>
+                <a:ext cx="2811539" cy="597279"/>
               </a:xfrm>
               <a:prstGeom prst="rect">
                 <a:avLst/>
@@ -31593,7 +31566,7 @@
                         <a:rPr lang="en-US" sz="2000" b="0" i="1" smtClean="0">
                           <a:latin typeface="Cambria Math" panose="02040503050406030204" pitchFamily="18" charset="0"/>
                         </a:rPr>
-                        <m:t>𝑢</m:t>
+                        <m:t>𝑥</m:t>
                       </m:r>
                       <m:d>
                         <m:dPr>
@@ -31701,7 +31674,7 @@
             <p:spPr>
               <a:xfrm>
                 <a:off x="415160" y="4174303"/>
-                <a:ext cx="2821542" cy="597279"/>
+                <a:ext cx="2811539" cy="597279"/>
               </a:xfrm>
               <a:prstGeom prst="rect">
                 <a:avLst/>
@@ -31709,7 +31682,7 @@
               <a:blipFill>
                 <a:blip r:embed="rId4"/>
                 <a:stretch>
-                  <a:fillRect l="-2242" t="-2083" r="-2691" b="-14583"/>
+                  <a:fillRect l="-2252" t="-2083" r="-2703" b="-14583"/>
                 </a:stretch>
               </a:blipFill>
             </p:spPr>
@@ -31745,7 +31718,7 @@
             <p:spPr>
               <a:xfrm>
                 <a:off x="430440" y="1498828"/>
-                <a:ext cx="3607398" cy="335605"/>
+                <a:ext cx="4078168" cy="366382"/>
               </a:xfrm>
               <a:prstGeom prst="rect">
                 <a:avLst/>
@@ -31819,7 +31792,7 @@
                                 <a:rPr lang="en-US" sz="2000" b="0" i="1" smtClean="0">
                                   <a:latin typeface="Cambria Math" panose="02040503050406030204" pitchFamily="18" charset="0"/>
                                 </a:rPr>
-                                <m:t>𝑓</m:t>
+                                <m:t>𝐹</m:t>
                               </m:r>
                             </m:sub>
                           </m:sSub>
@@ -31916,18 +31889,17 @@
                             <a:rPr lang="en-US" sz="2000" b="0" i="1" smtClean="0">
                               <a:latin typeface="Cambria Math" panose="02040503050406030204" pitchFamily="18" charset="0"/>
                             </a:rPr>
+                            <m:t>−1</m:t>
+                          </m:r>
+                          <m:r>
+                            <a:rPr lang="en-US" sz="2000" b="0" i="1" smtClean="0">
+                              <a:latin typeface="Cambria Math" panose="02040503050406030204" pitchFamily="18" charset="0"/>
+                            </a:rPr>
                             <m:t>)</m:t>
                           </m:r>
                         </m:e>
                         <m:sub/>
-                        <m:sup>
-                          <m:r>
-                            <a:rPr lang="en-US" sz="2000" b="0" i="1" smtClean="0">
-                              <a:latin typeface="Cambria Math" panose="02040503050406030204" pitchFamily="18" charset="0"/>
-                            </a:rPr>
-                            <m:t>′</m:t>
-                          </m:r>
-                        </m:sup>
+                        <m:sup/>
                       </m:sSubSup>
                     </m:oMath>
                   </m:oMathPara>
@@ -31955,7 +31927,7 @@
             <p:spPr>
               <a:xfrm>
                 <a:off x="430440" y="1498828"/>
-                <a:ext cx="3607398" cy="335605"/>
+                <a:ext cx="4078168" cy="366382"/>
               </a:xfrm>
               <a:prstGeom prst="rect">
                 <a:avLst/>
@@ -31963,7 +31935,7 @@
               <a:blipFill>
                 <a:blip r:embed="rId5"/>
                 <a:stretch>
-                  <a:fillRect l="-1056" b="-22222"/>
+                  <a:fillRect l="-932" b="-27586"/>
                 </a:stretch>
               </a:blipFill>
             </p:spPr>
@@ -32012,8 +31984,8 @@
           </a:prstGeom>
         </p:spPr>
       </p:pic>
-      <mc:AlternateContent xmlns:mc="http://schemas.openxmlformats.org/markup-compatibility/2006">
-        <mc:Choice xmlns:a14="http://schemas.microsoft.com/office/drawing/2010/main" Requires="a14">
+      <mc:AlternateContent xmlns:mc="http://schemas.openxmlformats.org/markup-compatibility/2006" xmlns:a14="http://schemas.microsoft.com/office/drawing/2010/main">
+        <mc:Choice Requires="a14">
           <p:sp>
             <p:nvSpPr>
               <p:cNvPr id="29" name="TextBox 28">
@@ -32042,6 +32014,7 @@
               </a:bodyPr>
               <a:lstStyle/>
               <a:p>
+                <a:pPr/>
                 <a14:m>
                   <m:oMathPara xmlns:m="http://schemas.openxmlformats.org/officeDocument/2006/math">
                     <m:oMathParaPr>
@@ -32095,7 +32068,7 @@
             </p:txBody>
           </p:sp>
         </mc:Choice>
-        <mc:Fallback>
+        <mc:Fallback xmlns="">
           <p:sp>
             <p:nvSpPr>
               <p:cNvPr id="29" name="TextBox 28">
@@ -32140,8 +32113,8 @@
           </p:sp>
         </mc:Fallback>
       </mc:AlternateContent>
-      <mc:AlternateContent xmlns:mc="http://schemas.openxmlformats.org/markup-compatibility/2006">
-        <mc:Choice xmlns:a14="http://schemas.microsoft.com/office/drawing/2010/main" Requires="a14">
+      <mc:AlternateContent xmlns:mc="http://schemas.openxmlformats.org/markup-compatibility/2006" xmlns:a14="http://schemas.microsoft.com/office/drawing/2010/main">
+        <mc:Choice Requires="a14">
           <p:sp>
             <p:nvSpPr>
               <p:cNvPr id="30" name="TextBox 29">
@@ -32170,6 +32143,7 @@
               </a:bodyPr>
               <a:lstStyle/>
               <a:p>
+                <a:pPr/>
                 <a14:m>
                   <m:oMathPara xmlns:m="http://schemas.openxmlformats.org/officeDocument/2006/math">
                     <m:oMathParaPr>
@@ -32215,7 +32189,7 @@
             </p:txBody>
           </p:sp>
         </mc:Choice>
-        <mc:Fallback>
+        <mc:Fallback xmlns="">
           <p:sp>
             <p:nvSpPr>
               <p:cNvPr id="30" name="TextBox 29">

--- a/classes/winter_2023/lectures/lecture_02-elements-of-closed-loop-systems/elements_of_closed_loop_systems.pptx
+++ b/classes/winter_2023/lectures/lecture_02-elements-of-closed-loop-systems/elements_of_closed_loop_systems.pptx
@@ -31424,7 +31424,7 @@
         <p:spPr>
           <a:xfrm>
             <a:off x="388880" y="3716928"/>
-            <a:ext cx="2207656" cy="400110"/>
+            <a:ext cx="4158511" cy="400110"/>
           </a:xfrm>
           <a:prstGeom prst="rect">
             <a:avLst/>
@@ -31439,7 +31439,7 @@
           <a:p>
             <a:r>
               <a:rPr lang="en-US" sz="2000" b="1" dirty="0"/>
-              <a:t>Continuous time</a:t>
+              <a:t>Continuous time state equations</a:t>
             </a:r>
           </a:p>
         </p:txBody>
@@ -31461,7 +31461,7 @@
             <p:spPr>
               <a:xfrm>
                 <a:off x="415160" y="4174303"/>
-                <a:ext cx="2811539" cy="597279"/>
+                <a:ext cx="1756956" cy="307777"/>
               </a:xfrm>
               <a:prstGeom prst="rect">
                 <a:avLst/>
@@ -31481,48 +31481,24 @@
                       <m:jc m:val="centerGroup"/>
                     </m:oMathParaPr>
                     <m:oMath xmlns:m="http://schemas.openxmlformats.org/officeDocument/2006/math">
-                      <m:f>
-                        <m:fPr>
+                      <m:acc>
+                        <m:accPr>
+                          <m:chr m:val="̇"/>
                           <m:ctrlPr>
                             <a:rPr lang="en-US" sz="2000" b="0" i="1" smtClean="0">
                               <a:latin typeface="Cambria Math" panose="02040503050406030204" pitchFamily="18" charset="0"/>
                             </a:rPr>
                           </m:ctrlPr>
-                        </m:fPr>
-                        <m:num>
+                        </m:accPr>
+                        <m:e>
                           <m:r>
                             <a:rPr lang="en-US" sz="2000" b="0" i="1" smtClean="0">
                               <a:latin typeface="Cambria Math" panose="02040503050406030204" pitchFamily="18" charset="0"/>
                             </a:rPr>
-                            <m:t>𝑑𝑦</m:t>
+                            <m:t>𝑥</m:t>
                           </m:r>
-                          <m:d>
-                            <m:dPr>
-                              <m:ctrlPr>
-                                <a:rPr lang="en-US" sz="2000" b="0" i="1" smtClean="0">
-                                  <a:latin typeface="Cambria Math" panose="02040503050406030204" pitchFamily="18" charset="0"/>
-                                </a:rPr>
-                              </m:ctrlPr>
-                            </m:dPr>
-                            <m:e>
-                              <m:r>
-                                <a:rPr lang="en-US" sz="2000" b="0" i="1" smtClean="0">
-                                  <a:latin typeface="Cambria Math" panose="02040503050406030204" pitchFamily="18" charset="0"/>
-                                </a:rPr>
-                                <m:t>𝑡</m:t>
-                              </m:r>
-                            </m:e>
-                          </m:d>
-                        </m:num>
-                        <m:den>
-                          <m:r>
-                            <a:rPr lang="en-US" sz="2000" b="0" i="1" smtClean="0">
-                              <a:latin typeface="Cambria Math" panose="02040503050406030204" pitchFamily="18" charset="0"/>
-                            </a:rPr>
-                            <m:t>𝑑𝑡</m:t>
-                          </m:r>
-                        </m:den>
-                      </m:f>
+                        </m:e>
+                      </m:acc>
                       <m:r>
                         <a:rPr lang="en-US" sz="2000" b="0" i="1" smtClean="0">
                           <a:latin typeface="Cambria Math" panose="02040503050406030204" pitchFamily="18" charset="0"/>
@@ -31566,25 +31542,8 @@
                         <a:rPr lang="en-US" sz="2000" b="0" i="1" smtClean="0">
                           <a:latin typeface="Cambria Math" panose="02040503050406030204" pitchFamily="18" charset="0"/>
                         </a:rPr>
-                        <m:t>𝑥</m:t>
+                        <m:t>𝑢</m:t>
                       </m:r>
-                      <m:d>
-                        <m:dPr>
-                          <m:ctrlPr>
-                            <a:rPr lang="en-US" sz="2000" b="0" i="1" smtClean="0">
-                              <a:latin typeface="Cambria Math" panose="02040503050406030204" pitchFamily="18" charset="0"/>
-                            </a:rPr>
-                          </m:ctrlPr>
-                        </m:dPr>
-                        <m:e>
-                          <m:r>
-                            <a:rPr lang="en-US" sz="2000" b="0" i="1" smtClean="0">
-                              <a:latin typeface="Cambria Math" panose="02040503050406030204" pitchFamily="18" charset="0"/>
-                            </a:rPr>
-                            <m:t>𝑡</m:t>
-                          </m:r>
-                        </m:e>
-                      </m:d>
                       <m:r>
                         <a:rPr lang="en-US" sz="2000" b="0" i="1" smtClean="0">
                           <a:latin typeface="Cambria Math" panose="02040503050406030204" pitchFamily="18" charset="0"/>
@@ -31628,25 +31587,13 @@
                         <a:rPr lang="en-US" sz="2000" b="0" i="1" smtClean="0">
                           <a:latin typeface="Cambria Math" panose="02040503050406030204" pitchFamily="18" charset="0"/>
                         </a:rPr>
-                        <m:t>𝑦</m:t>
+                        <m:t>𝑥</m:t>
                       </m:r>
                       <m:r>
                         <a:rPr lang="en-US" sz="2000" b="0" i="1" smtClean="0">
                           <a:latin typeface="Cambria Math" panose="02040503050406030204" pitchFamily="18" charset="0"/>
                         </a:rPr>
-                        <m:t>(</m:t>
-                      </m:r>
-                      <m:r>
-                        <a:rPr lang="en-US" sz="2000" b="0" i="1" smtClean="0">
-                          <a:latin typeface="Cambria Math" panose="02040503050406030204" pitchFamily="18" charset="0"/>
-                        </a:rPr>
-                        <m:t>𝑡</m:t>
-                      </m:r>
-                      <m:r>
-                        <a:rPr lang="en-US" sz="2000" b="0" i="1" smtClean="0">
-                          <a:latin typeface="Cambria Math" panose="02040503050406030204" pitchFamily="18" charset="0"/>
-                        </a:rPr>
-                        <m:t>)</m:t>
+                        <m:t>,</m:t>
                       </m:r>
                     </m:oMath>
                   </m:oMathPara>
@@ -31674,7 +31621,7 @@
             <p:spPr>
               <a:xfrm>
                 <a:off x="415160" y="4174303"/>
-                <a:ext cx="2811539" cy="597279"/>
+                <a:ext cx="1756956" cy="307777"/>
               </a:xfrm>
               <a:prstGeom prst="rect">
                 <a:avLst/>
@@ -31682,7 +31629,7 @@
               <a:blipFill>
                 <a:blip r:embed="rId4"/>
                 <a:stretch>
-                  <a:fillRect l="-2252" t="-2083" r="-2703" b="-14583"/>
+                  <a:fillRect l="-1439" b="-20000"/>
                 </a:stretch>
               </a:blipFill>
             </p:spPr>
@@ -31984,8 +31931,8 @@
           </a:prstGeom>
         </p:spPr>
       </p:pic>
-      <mc:AlternateContent xmlns:mc="http://schemas.openxmlformats.org/markup-compatibility/2006" xmlns:a14="http://schemas.microsoft.com/office/drawing/2010/main">
-        <mc:Choice Requires="a14">
+      <mc:AlternateContent xmlns:mc="http://schemas.openxmlformats.org/markup-compatibility/2006">
+        <mc:Choice xmlns:a14="http://schemas.microsoft.com/office/drawing/2010/main" Requires="a14">
           <p:sp>
             <p:nvSpPr>
               <p:cNvPr id="29" name="TextBox 28">
@@ -32000,7 +31947,7 @@
             </p:nvSpPr>
             <p:spPr>
               <a:xfrm>
-                <a:off x="1331885" y="4828847"/>
+                <a:off x="3030568" y="4174303"/>
                 <a:ext cx="823174" cy="307777"/>
               </a:xfrm>
               <a:prstGeom prst="rect">
@@ -32068,7 +32015,7 @@
             </p:txBody>
           </p:sp>
         </mc:Choice>
-        <mc:Fallback xmlns="">
+        <mc:Fallback>
           <p:sp>
             <p:nvSpPr>
               <p:cNvPr id="29" name="TextBox 28">
@@ -32085,7 +32032,7 @@
             </p:nvSpPr>
             <p:spPr>
               <a:xfrm>
-                <a:off x="1331885" y="4828847"/>
+                <a:off x="3030568" y="4174303"/>
                 <a:ext cx="823174" cy="307777"/>
               </a:xfrm>
               <a:prstGeom prst="rect">
@@ -32094,7 +32041,7 @@
               <a:blipFill>
                 <a:blip r:embed="rId7"/>
                 <a:stretch>
-                  <a:fillRect l="-6061" r="-6061" b="-16000"/>
+                  <a:fillRect l="-6061" r="-6061" b="-20000"/>
                 </a:stretch>
               </a:blipFill>
             </p:spPr>
@@ -32325,6 +32272,114 @@
           </a:p>
         </p:txBody>
       </p:sp>
+      <mc:AlternateContent xmlns:mc="http://schemas.openxmlformats.org/markup-compatibility/2006">
+        <mc:Choice xmlns:a14="http://schemas.microsoft.com/office/drawing/2010/main" Requires="a14">
+          <p:sp>
+            <p:nvSpPr>
+              <p:cNvPr id="23" name="TextBox 22">
+                <a:extLst>
+                  <a:ext uri="{FF2B5EF4-FFF2-40B4-BE49-F238E27FC236}">
+                    <a16:creationId xmlns:a16="http://schemas.microsoft.com/office/drawing/2014/main" id="{4E0EB344-A860-4AE7-F39B-22171D0C4CBE}"/>
+                  </a:ext>
+                </a:extLst>
+              </p:cNvPr>
+              <p:cNvSpPr txBox="1"/>
+              <p:nvPr/>
+            </p:nvSpPr>
+            <p:spPr>
+              <a:xfrm>
+                <a:off x="447804" y="4546805"/>
+                <a:ext cx="698012" cy="307777"/>
+              </a:xfrm>
+              <a:prstGeom prst="rect">
+                <a:avLst/>
+              </a:prstGeom>
+              <a:noFill/>
+            </p:spPr>
+            <p:txBody>
+              <a:bodyPr wrap="none" lIns="0" tIns="0" rIns="0" bIns="0" rtlCol="0">
+                <a:spAutoFit/>
+              </a:bodyPr>
+              <a:lstStyle/>
+              <a:p>
+                <a:pPr/>
+                <a14:m>
+                  <m:oMathPara xmlns:m="http://schemas.openxmlformats.org/officeDocument/2006/math">
+                    <m:oMathParaPr>
+                      <m:jc m:val="centerGroup"/>
+                    </m:oMathParaPr>
+                    <m:oMath xmlns:m="http://schemas.openxmlformats.org/officeDocument/2006/math">
+                      <m:r>
+                        <a:rPr lang="en-US" sz="2000" b="0" i="1" smtClean="0">
+                          <a:latin typeface="Cambria Math" panose="02040503050406030204" pitchFamily="18" charset="0"/>
+                        </a:rPr>
+                        <m:t>𝑦</m:t>
+                      </m:r>
+                      <m:r>
+                        <a:rPr lang="en-US" sz="2000" b="0" i="1" smtClean="0">
+                          <a:latin typeface="Cambria Math" panose="02040503050406030204" pitchFamily="18" charset="0"/>
+                        </a:rPr>
+                        <m:t>=</m:t>
+                      </m:r>
+                      <m:r>
+                        <a:rPr lang="en-US" sz="2000" b="0" i="1" smtClean="0">
+                          <a:latin typeface="Cambria Math" panose="02040503050406030204" pitchFamily="18" charset="0"/>
+                        </a:rPr>
+                        <m:t>𝑥</m:t>
+                      </m:r>
+                    </m:oMath>
+                  </m:oMathPara>
+                </a14:m>
+                <a:endParaRPr lang="en-US" sz="2000" dirty="0"/>
+              </a:p>
+            </p:txBody>
+          </p:sp>
+        </mc:Choice>
+        <mc:Fallback>
+          <p:sp>
+            <p:nvSpPr>
+              <p:cNvPr id="23" name="TextBox 22">
+                <a:extLst>
+                  <a:ext uri="{FF2B5EF4-FFF2-40B4-BE49-F238E27FC236}">
+                    <a16:creationId xmlns:a16="http://schemas.microsoft.com/office/drawing/2014/main" id="{4E0EB344-A860-4AE7-F39B-22171D0C4CBE}"/>
+                  </a:ext>
+                </a:extLst>
+              </p:cNvPr>
+              <p:cNvSpPr txBox="1">
+                <a:spLocks noRot="1" noChangeAspect="1" noMove="1" noResize="1" noEditPoints="1" noAdjustHandles="1" noChangeArrowheads="1" noChangeShapeType="1" noTextEdit="1"/>
+              </p:cNvSpPr>
+              <p:nvPr/>
+            </p:nvSpPr>
+            <p:spPr>
+              <a:xfrm>
+                <a:off x="447804" y="4546805"/>
+                <a:ext cx="698012" cy="307777"/>
+              </a:xfrm>
+              <a:prstGeom prst="rect">
+                <a:avLst/>
+              </a:prstGeom>
+              <a:blipFill>
+                <a:blip r:embed="rId9"/>
+                <a:stretch>
+                  <a:fillRect l="-7143" r="-1786" b="-20000"/>
+                </a:stretch>
+              </a:blipFill>
+            </p:spPr>
+            <p:txBody>
+              <a:bodyPr/>
+              <a:lstStyle/>
+              <a:p>
+                <a:r>
+                  <a:rPr lang="en-US">
+                    <a:noFill/>
+                  </a:rPr>
+                  <a:t> </a:t>
+                </a:r>
+              </a:p>
+            </p:txBody>
+          </p:sp>
+        </mc:Fallback>
+      </mc:AlternateContent>
     </p:spTree>
     <p:extLst>
       <p:ext uri="{BB962C8B-B14F-4D97-AF65-F5344CB8AC3E}">
@@ -32625,6 +32680,33 @@
                                   </p:childTnLst>
                                 </p:cTn>
                               </p:par>
+                              <p:par>
+                                <p:cTn id="27" presetID="1" presetClass="entr" presetSubtype="0" fill="hold" grpId="0" nodeType="withEffect">
+                                  <p:stCondLst>
+                                    <p:cond delay="0"/>
+                                  </p:stCondLst>
+                                  <p:childTnLst>
+                                    <p:set>
+                                      <p:cBhvr>
+                                        <p:cTn id="28" dur="1" fill="hold">
+                                          <p:stCondLst>
+                                            <p:cond delay="0"/>
+                                          </p:stCondLst>
+                                        </p:cTn>
+                                        <p:tgtEl>
+                                          <p:spTgt spid="23"/>
+                                        </p:tgtEl>
+                                        <p:attrNameLst>
+                                          <p:attrName>style.visibility</p:attrName>
+                                        </p:attrNameLst>
+                                      </p:cBhvr>
+                                      <p:to>
+                                        <p:strVal val="visible"/>
+                                      </p:to>
+                                    </p:set>
+                                  </p:childTnLst>
+                                </p:cTn>
+                              </p:par>
                             </p:childTnLst>
                           </p:cTn>
                         </p:par>
@@ -32660,6 +32742,7 @@
       <p:bldP spid="29" grpId="0"/>
       <p:bldP spid="30" grpId="0"/>
       <p:bldP spid="31" grpId="0" animBg="1"/>
+      <p:bldP spid="23" grpId="0"/>
     </p:bldLst>
   </p:timing>
 </p:sld>

--- a/classes/winter_2023/lectures/lecture_02-elements-of-closed-loop-systems/elements_of_closed_loop_systems.pptx
+++ b/classes/winter_2023/lectures/lecture_02-elements-of-closed-loop-systems/elements_of_closed_loop_systems.pptx
@@ -278,7 +278,7 @@
       </p15:sldGuideLst>
     </p:ext>
     <p:ext uri="http://customooxmlschemas.google.com/">
-      <go:slidesCustomData xmlns:go="http://customooxmlschemas.google.com/" xmlns:ahyp="http://schemas.microsoft.com/office/drawing/2018/hyperlinkcolor" xmlns:p15="http://schemas.microsoft.com/office/powerpoint/2012/main" xmlns:p14="http://schemas.microsoft.com/office/powerpoint/2010/main" xmlns:com="http://schemas.openxmlformats.org/drawingml/2006/compatibility" xmlns:pvml="urn:schemas-microsoft-com:office:powerpoint" xmlns:v="urn:schemas-microsoft-com:vml" xmlns:o="urn:schemas-microsoft-com:office:office" xmlns:dgm="http://schemas.openxmlformats.org/drawingml/2006/diagram" xmlns:c="http://schemas.openxmlformats.org/drawingml/2006/chart" xmlns:mv="urn:schemas-microsoft-com:mac:vml" xmlns:mc="http://schemas.openxmlformats.org/markup-compatibility/2006" xmlns="" r:id="rId43" roundtripDataSignature="AMtx7mgCuaoS/ao6GLJNkk1J/HieLCYVzQ=="/>
+      <go:slidesCustomData xmlns="" xmlns:mc="http://schemas.openxmlformats.org/markup-compatibility/2006" xmlns:mv="urn:schemas-microsoft-com:mac:vml" xmlns:c="http://schemas.openxmlformats.org/drawingml/2006/chart" xmlns:dgm="http://schemas.openxmlformats.org/drawingml/2006/diagram" xmlns:o="urn:schemas-microsoft-com:office:office" xmlns:v="urn:schemas-microsoft-com:vml" xmlns:pvml="urn:schemas-microsoft-com:office:powerpoint" xmlns:com="http://schemas.openxmlformats.org/drawingml/2006/compatibility" xmlns:p14="http://schemas.microsoft.com/office/powerpoint/2010/main" xmlns:p15="http://schemas.microsoft.com/office/powerpoint/2012/main" xmlns:ahyp="http://schemas.microsoft.com/office/drawing/2018/hyperlinkcolor" xmlns:go="http://customooxmlschemas.google.com/" r:id="rId43" roundtripDataSignature="AMtx7mgCuaoS/ao6GLJNkk1J/HieLCYVzQ=="/>
     </p:ext>
   </p:extLst>
 </p:presentation>
@@ -14607,8 +14607,8 @@
           </a:p>
         </p:txBody>
       </p:sp>
-      <mc:AlternateContent xmlns:mc="http://schemas.openxmlformats.org/markup-compatibility/2006" xmlns:a14="http://schemas.microsoft.com/office/drawing/2010/main">
-        <mc:Choice Requires="a14">
+      <mc:AlternateContent xmlns:mc="http://schemas.openxmlformats.org/markup-compatibility/2006">
+        <mc:Choice xmlns:a14="http://schemas.microsoft.com/office/drawing/2010/main" Requires="a14">
           <p:sp>
             <p:nvSpPr>
               <p:cNvPr id="10" name="Text Placeholder 4">
@@ -14631,6 +14631,9 @@
               <a:prstGeom prst="rect">
                 <a:avLst/>
               </a:prstGeom>
+              <a:solidFill>
+                <a:schemeClr val="bg1"/>
+              </a:solidFill>
             </p:spPr>
             <p:txBody>
               <a:bodyPr/>
@@ -15010,15 +15013,71 @@
                 </a:r>
               </a:p>
               <a:p>
+                <a14:m>
+                  <m:oMath xmlns:m="http://schemas.openxmlformats.org/officeDocument/2006/math">
+                    <m:r>
+                      <a:rPr lang="en-US" sz="2400" b="0" i="1" smtClean="0">
+                        <a:latin typeface="Cambria Math" panose="02040503050406030204" pitchFamily="18" charset="0"/>
+                      </a:rPr>
+                      <m:t>𝑑</m:t>
+                    </m:r>
+                    <m:r>
+                      <a:rPr lang="en-US" sz="2400" i="1">
+                        <a:latin typeface="Cambria Math" panose="02040503050406030204" pitchFamily="18" charset="0"/>
+                      </a:rPr>
+                      <m:t>(</m:t>
+                    </m:r>
+                    <m:r>
+                      <a:rPr lang="en-US" sz="2400" i="1">
+                        <a:latin typeface="Cambria Math" panose="02040503050406030204" pitchFamily="18" charset="0"/>
+                      </a:rPr>
+                      <m:t>𝑡</m:t>
+                    </m:r>
+                    <m:r>
+                      <a:rPr lang="en-US" sz="2400" i="1">
+                        <a:latin typeface="Cambria Math" panose="02040503050406030204" pitchFamily="18" charset="0"/>
+                      </a:rPr>
+                      <m:t>)</m:t>
+                    </m:r>
+                  </m:oMath>
+                </a14:m>
                 <a:r>
                   <a:rPr lang="en-US" sz="2400" dirty="0"/>
-                  <a:t>Actuator disturbance</a:t>
+                  <a:t>: Actuator disturbance</a:t>
                 </a:r>
               </a:p>
               <a:p>
+                <a14:m>
+                  <m:oMath xmlns:m="http://schemas.openxmlformats.org/officeDocument/2006/math">
+                    <m:r>
+                      <a:rPr lang="en-US" sz="2400" b="0" i="1" smtClean="0">
+                        <a:latin typeface="Cambria Math" panose="02040503050406030204" pitchFamily="18" charset="0"/>
+                      </a:rPr>
+                      <m:t>𝑛</m:t>
+                    </m:r>
+                    <m:r>
+                      <a:rPr lang="en-US" sz="2400" i="1">
+                        <a:latin typeface="Cambria Math" panose="02040503050406030204" pitchFamily="18" charset="0"/>
+                      </a:rPr>
+                      <m:t>(</m:t>
+                    </m:r>
+                    <m:r>
+                      <a:rPr lang="en-US" sz="2400" i="1">
+                        <a:latin typeface="Cambria Math" panose="02040503050406030204" pitchFamily="18" charset="0"/>
+                      </a:rPr>
+                      <m:t>𝑡</m:t>
+                    </m:r>
+                    <m:r>
+                      <a:rPr lang="en-US" sz="2400" i="1">
+                        <a:latin typeface="Cambria Math" panose="02040503050406030204" pitchFamily="18" charset="0"/>
+                      </a:rPr>
+                      <m:t>)</m:t>
+                    </m:r>
+                  </m:oMath>
+                </a14:m>
                 <a:r>
                   <a:rPr lang="en-US" sz="2400" dirty="0"/>
-                  <a:t>Measurement Noise</a:t>
+                  <a:t>: Measurement Noise</a:t>
                 </a:r>
               </a:p>
               <a:p>
@@ -15034,7 +15093,7 @@
             </p:txBody>
           </p:sp>
         </mc:Choice>
-        <mc:Fallback xmlns="">
+        <mc:Fallback>
           <p:sp>
             <p:nvSpPr>
               <p:cNvPr id="10" name="Text Placeholder 4">
@@ -15060,7 +15119,7 @@
               <a:blipFill>
                 <a:blip r:embed="rId12"/>
                 <a:stretch>
-                  <a:fillRect l="-2326" t="-1619"/>
+                  <a:fillRect l="-1744" t="-1619"/>
                 </a:stretch>
               </a:blipFill>
             </p:spPr>
@@ -15718,6 +15777,264 @@
                 <a:blip r:embed="rId15"/>
                 <a:stretch>
                   <a:fillRect l="-5263" t="-3571" b="-25000"/>
+                </a:stretch>
+              </a:blipFill>
+            </p:spPr>
+            <p:txBody>
+              <a:bodyPr/>
+              <a:lstStyle/>
+              <a:p>
+                <a:r>
+                  <a:rPr lang="en-US">
+                    <a:noFill/>
+                  </a:rPr>
+                  <a:t> </a:t>
+                </a:r>
+              </a:p>
+            </p:txBody>
+          </p:sp>
+        </mc:Fallback>
+      </mc:AlternateContent>
+      <mc:AlternateContent xmlns:mc="http://schemas.openxmlformats.org/markup-compatibility/2006">
+        <mc:Choice xmlns:a14="http://schemas.microsoft.com/office/drawing/2010/main" Requires="a14">
+          <p:sp>
+            <p:nvSpPr>
+              <p:cNvPr id="7" name="Rectangle 6">
+                <a:extLst>
+                  <a:ext uri="{FF2B5EF4-FFF2-40B4-BE49-F238E27FC236}">
+                    <a16:creationId xmlns:a16="http://schemas.microsoft.com/office/drawing/2014/main" id="{7946D725-8AC2-71DF-8879-BA64DA7B8BB5}"/>
+                  </a:ext>
+                </a:extLst>
+              </p:cNvPr>
+              <p:cNvSpPr/>
+              <p:nvPr/>
+            </p:nvSpPr>
+            <p:spPr>
+              <a:xfrm>
+                <a:off x="3780468" y="1465260"/>
+                <a:ext cx="716478" cy="338554"/>
+              </a:xfrm>
+              <a:prstGeom prst="rect">
+                <a:avLst/>
+              </a:prstGeom>
+            </p:spPr>
+            <p:txBody>
+              <a:bodyPr wrap="square">
+                <a:spAutoFit/>
+              </a:bodyPr>
+              <a:lstStyle/>
+              <a:p>
+                <a:pPr/>
+                <a14:m>
+                  <m:oMathPara xmlns:m="http://schemas.openxmlformats.org/officeDocument/2006/math">
+                    <m:oMathParaPr>
+                      <m:jc m:val="centerGroup"/>
+                    </m:oMathParaPr>
+                    <m:oMath xmlns:m="http://schemas.openxmlformats.org/officeDocument/2006/math">
+                      <m:r>
+                        <a:rPr lang="en-US" sz="1600" b="0" i="1" smtClean="0">
+                          <a:solidFill>
+                            <a:schemeClr val="tx1"/>
+                          </a:solidFill>
+                          <a:latin typeface="Cambria Math" panose="02040503050406030204" pitchFamily="18" charset="0"/>
+                        </a:rPr>
+                        <m:t>𝑑</m:t>
+                      </m:r>
+                      <m:r>
+                        <a:rPr lang="en-US" sz="1600" b="0" i="1" smtClean="0">
+                          <a:solidFill>
+                            <a:schemeClr val="tx1"/>
+                          </a:solidFill>
+                          <a:latin typeface="Cambria Math" panose="02040503050406030204" pitchFamily="18" charset="0"/>
+                        </a:rPr>
+                        <m:t>(</m:t>
+                      </m:r>
+                      <m:r>
+                        <a:rPr lang="en-US" sz="1600" b="0" i="1" smtClean="0">
+                          <a:solidFill>
+                            <a:schemeClr val="tx1"/>
+                          </a:solidFill>
+                          <a:latin typeface="Cambria Math" panose="02040503050406030204" pitchFamily="18" charset="0"/>
+                        </a:rPr>
+                        <m:t>𝑡</m:t>
+                      </m:r>
+                      <m:r>
+                        <a:rPr lang="en-US" sz="1600" b="0" i="1" smtClean="0">
+                          <a:solidFill>
+                            <a:schemeClr val="tx1"/>
+                          </a:solidFill>
+                          <a:latin typeface="Cambria Math" panose="02040503050406030204" pitchFamily="18" charset="0"/>
+                        </a:rPr>
+                        <m:t>)</m:t>
+                      </m:r>
+                    </m:oMath>
+                  </m:oMathPara>
+                </a14:m>
+                <a:endParaRPr lang="en-US" sz="1600" dirty="0">
+                  <a:solidFill>
+                    <a:schemeClr val="tx1"/>
+                  </a:solidFill>
+                </a:endParaRPr>
+              </a:p>
+            </p:txBody>
+          </p:sp>
+        </mc:Choice>
+        <mc:Fallback>
+          <p:sp>
+            <p:nvSpPr>
+              <p:cNvPr id="7" name="Rectangle 6">
+                <a:extLst>
+                  <a:ext uri="{FF2B5EF4-FFF2-40B4-BE49-F238E27FC236}">
+                    <a16:creationId xmlns:a16="http://schemas.microsoft.com/office/drawing/2014/main" id="{7946D725-8AC2-71DF-8879-BA64DA7B8BB5}"/>
+                  </a:ext>
+                </a:extLst>
+              </p:cNvPr>
+              <p:cNvSpPr>
+                <a:spLocks noRot="1" noChangeAspect="1" noMove="1" noResize="1" noEditPoints="1" noAdjustHandles="1" noChangeArrowheads="1" noChangeShapeType="1" noTextEdit="1"/>
+              </p:cNvSpPr>
+              <p:nvPr/>
+            </p:nvSpPr>
+            <p:spPr>
+              <a:xfrm>
+                <a:off x="3780468" y="1465260"/>
+                <a:ext cx="716478" cy="338554"/>
+              </a:xfrm>
+              <a:prstGeom prst="rect">
+                <a:avLst/>
+              </a:prstGeom>
+              <a:blipFill>
+                <a:blip r:embed="rId16"/>
+                <a:stretch>
+                  <a:fillRect b="-14286"/>
+                </a:stretch>
+              </a:blipFill>
+            </p:spPr>
+            <p:txBody>
+              <a:bodyPr/>
+              <a:lstStyle/>
+              <a:p>
+                <a:r>
+                  <a:rPr lang="en-US">
+                    <a:noFill/>
+                  </a:rPr>
+                  <a:t> </a:t>
+                </a:r>
+              </a:p>
+            </p:txBody>
+          </p:sp>
+        </mc:Fallback>
+      </mc:AlternateContent>
+      <mc:AlternateContent xmlns:mc="http://schemas.openxmlformats.org/markup-compatibility/2006">
+        <mc:Choice xmlns:a14="http://schemas.microsoft.com/office/drawing/2010/main" Requires="a14">
+          <p:sp>
+            <p:nvSpPr>
+              <p:cNvPr id="8" name="Rectangle 7">
+                <a:extLst>
+                  <a:ext uri="{FF2B5EF4-FFF2-40B4-BE49-F238E27FC236}">
+                    <a16:creationId xmlns:a16="http://schemas.microsoft.com/office/drawing/2014/main" id="{1008A90C-B735-6465-7D98-508C16CDF2C6}"/>
+                  </a:ext>
+                </a:extLst>
+              </p:cNvPr>
+              <p:cNvSpPr/>
+              <p:nvPr/>
+            </p:nvSpPr>
+            <p:spPr>
+              <a:xfrm>
+                <a:off x="5654805" y="1442129"/>
+                <a:ext cx="716478" cy="338554"/>
+              </a:xfrm>
+              <a:prstGeom prst="rect">
+                <a:avLst/>
+              </a:prstGeom>
+            </p:spPr>
+            <p:txBody>
+              <a:bodyPr wrap="square">
+                <a:spAutoFit/>
+              </a:bodyPr>
+              <a:lstStyle/>
+              <a:p>
+                <a:pPr/>
+                <a14:m>
+                  <m:oMathPara xmlns:m="http://schemas.openxmlformats.org/officeDocument/2006/math">
+                    <m:oMathParaPr>
+                      <m:jc m:val="centerGroup"/>
+                    </m:oMathParaPr>
+                    <m:oMath xmlns:m="http://schemas.openxmlformats.org/officeDocument/2006/math">
+                      <m:r>
+                        <a:rPr lang="en-US" sz="1600" b="0" i="1" smtClean="0">
+                          <a:solidFill>
+                            <a:schemeClr val="tx1"/>
+                          </a:solidFill>
+                          <a:latin typeface="Cambria Math" panose="02040503050406030204" pitchFamily="18" charset="0"/>
+                        </a:rPr>
+                        <m:t>𝑛</m:t>
+                      </m:r>
+                      <m:r>
+                        <a:rPr lang="en-US" sz="1600" b="0" i="1" smtClean="0">
+                          <a:solidFill>
+                            <a:schemeClr val="tx1"/>
+                          </a:solidFill>
+                          <a:latin typeface="Cambria Math" panose="02040503050406030204" pitchFamily="18" charset="0"/>
+                        </a:rPr>
+                        <m:t>(</m:t>
+                      </m:r>
+                      <m:r>
+                        <a:rPr lang="en-US" sz="1600" b="0" i="1" smtClean="0">
+                          <a:solidFill>
+                            <a:schemeClr val="tx1"/>
+                          </a:solidFill>
+                          <a:latin typeface="Cambria Math" panose="02040503050406030204" pitchFamily="18" charset="0"/>
+                        </a:rPr>
+                        <m:t>𝑡</m:t>
+                      </m:r>
+                      <m:r>
+                        <a:rPr lang="en-US" sz="1600" b="0" i="1" smtClean="0">
+                          <a:solidFill>
+                            <a:schemeClr val="tx1"/>
+                          </a:solidFill>
+                          <a:latin typeface="Cambria Math" panose="02040503050406030204" pitchFamily="18" charset="0"/>
+                        </a:rPr>
+                        <m:t>)</m:t>
+                      </m:r>
+                    </m:oMath>
+                  </m:oMathPara>
+                </a14:m>
+                <a:endParaRPr lang="en-US" sz="1600" dirty="0">
+                  <a:solidFill>
+                    <a:schemeClr val="tx1"/>
+                  </a:solidFill>
+                </a:endParaRPr>
+              </a:p>
+            </p:txBody>
+          </p:sp>
+        </mc:Choice>
+        <mc:Fallback>
+          <p:sp>
+            <p:nvSpPr>
+              <p:cNvPr id="8" name="Rectangle 7">
+                <a:extLst>
+                  <a:ext uri="{FF2B5EF4-FFF2-40B4-BE49-F238E27FC236}">
+                    <a16:creationId xmlns:a16="http://schemas.microsoft.com/office/drawing/2014/main" id="{1008A90C-B735-6465-7D98-508C16CDF2C6}"/>
+                  </a:ext>
+                </a:extLst>
+              </p:cNvPr>
+              <p:cNvSpPr>
+                <a:spLocks noRot="1" noChangeAspect="1" noMove="1" noResize="1" noEditPoints="1" noAdjustHandles="1" noChangeArrowheads="1" noChangeShapeType="1" noTextEdit="1"/>
+              </p:cNvSpPr>
+              <p:nvPr/>
+            </p:nvSpPr>
+            <p:spPr>
+              <a:xfrm>
+                <a:off x="5654805" y="1442129"/>
+                <a:ext cx="716478" cy="338554"/>
+              </a:xfrm>
+              <a:prstGeom prst="rect">
+                <a:avLst/>
+              </a:prstGeom>
+              <a:blipFill>
+                <a:blip r:embed="rId17"/>
+                <a:stretch>
+                  <a:fillRect b="-14286"/>
                 </a:stretch>
               </a:blipFill>
             </p:spPr>
@@ -31444,8 +31761,8 @@
           </a:p>
         </p:txBody>
       </p:sp>
-      <mc:AlternateContent xmlns:mc="http://schemas.openxmlformats.org/markup-compatibility/2006">
-        <mc:Choice xmlns:a14="http://schemas.microsoft.com/office/drawing/2010/main" Requires="a14">
+      <mc:AlternateContent xmlns:mc="http://schemas.openxmlformats.org/markup-compatibility/2006" xmlns:a14="http://schemas.microsoft.com/office/drawing/2010/main">
+        <mc:Choice Requires="a14">
           <p:sp>
             <p:nvSpPr>
               <p:cNvPr id="33" name="TextBox 32">
@@ -31603,7 +31920,7 @@
             </p:txBody>
           </p:sp>
         </mc:Choice>
-        <mc:Fallback>
+        <mc:Fallback xmlns="">
           <p:sp>
             <p:nvSpPr>
               <p:cNvPr id="33" name="TextBox 32">
@@ -31648,8 +31965,8 @@
           </p:sp>
         </mc:Fallback>
       </mc:AlternateContent>
-      <mc:AlternateContent xmlns:mc="http://schemas.openxmlformats.org/markup-compatibility/2006">
-        <mc:Choice xmlns:a14="http://schemas.microsoft.com/office/drawing/2010/main" Requires="a14">
+      <mc:AlternateContent xmlns:mc="http://schemas.openxmlformats.org/markup-compatibility/2006" xmlns:a14="http://schemas.microsoft.com/office/drawing/2010/main">
+        <mc:Choice Requires="a14">
           <p:sp>
             <p:nvSpPr>
               <p:cNvPr id="35" name="TextBox 34">
@@ -31836,13 +32153,7 @@
                             <a:rPr lang="en-US" sz="2000" b="0" i="1" smtClean="0">
                               <a:latin typeface="Cambria Math" panose="02040503050406030204" pitchFamily="18" charset="0"/>
                             </a:rPr>
-                            <m:t>−1</m:t>
-                          </m:r>
-                          <m:r>
-                            <a:rPr lang="en-US" sz="2000" b="0" i="1" smtClean="0">
-                              <a:latin typeface="Cambria Math" panose="02040503050406030204" pitchFamily="18" charset="0"/>
-                            </a:rPr>
-                            <m:t>)</m:t>
+                            <m:t>−1)</m:t>
                           </m:r>
                         </m:e>
                         <m:sub/>
@@ -31856,7 +32167,7 @@
             </p:txBody>
           </p:sp>
         </mc:Choice>
-        <mc:Fallback>
+        <mc:Fallback xmlns="">
           <p:sp>
             <p:nvSpPr>
               <p:cNvPr id="35" name="TextBox 34">
@@ -31931,8 +32242,8 @@
           </a:prstGeom>
         </p:spPr>
       </p:pic>
-      <mc:AlternateContent xmlns:mc="http://schemas.openxmlformats.org/markup-compatibility/2006">
-        <mc:Choice xmlns:a14="http://schemas.microsoft.com/office/drawing/2010/main" Requires="a14">
+      <mc:AlternateContent xmlns:mc="http://schemas.openxmlformats.org/markup-compatibility/2006" xmlns:a14="http://schemas.microsoft.com/office/drawing/2010/main">
+        <mc:Choice Requires="a14">
           <p:sp>
             <p:nvSpPr>
               <p:cNvPr id="29" name="TextBox 28">
@@ -32015,7 +32326,7 @@
             </p:txBody>
           </p:sp>
         </mc:Choice>
-        <mc:Fallback>
+        <mc:Fallback xmlns="">
           <p:sp>
             <p:nvSpPr>
               <p:cNvPr id="29" name="TextBox 28">
@@ -32272,8 +32583,8 @@
           </a:p>
         </p:txBody>
       </p:sp>
-      <mc:AlternateContent xmlns:mc="http://schemas.openxmlformats.org/markup-compatibility/2006">
-        <mc:Choice xmlns:a14="http://schemas.microsoft.com/office/drawing/2010/main" Requires="a14">
+      <mc:AlternateContent xmlns:mc="http://schemas.openxmlformats.org/markup-compatibility/2006" xmlns:a14="http://schemas.microsoft.com/office/drawing/2010/main">
+        <mc:Choice Requires="a14">
           <p:sp>
             <p:nvSpPr>
               <p:cNvPr id="23" name="TextBox 22">
@@ -32335,7 +32646,7 @@
             </p:txBody>
           </p:sp>
         </mc:Choice>
-        <mc:Fallback>
+        <mc:Fallback xmlns="">
           <p:sp>
             <p:nvSpPr>
               <p:cNvPr id="23" name="TextBox 22">
